--- a/演示文稿1.pptx
+++ b/演示文稿1.pptx
@@ -6,6 +6,9 @@
   </p:sldMasterIdLst>
   <p:sldIdLst>
     <p:sldId id="256" r:id="rId2"/>
+    <p:sldId id="257" r:id="rId3"/>
+    <p:sldId id="258" r:id="rId4"/>
+    <p:sldId id="259" r:id="rId5"/>
   </p:sldIdLst>
   <p:sldSz cx="12192000" cy="6858000"/>
   <p:notesSz cx="6858000" cy="9144000"/>
@@ -8025,6 +8028,6530 @@
 </p:sld>
 </file>
 
+<file path=ppt/slides/slide2.xml><?xml version="1.0" encoding="utf-8"?>
+<p:sld xmlns:a="http://schemas.openxmlformats.org/drawingml/2006/main" xmlns:r="http://schemas.openxmlformats.org/officeDocument/2006/relationships" xmlns:p="http://schemas.openxmlformats.org/presentationml/2006/main">
+  <p:cSld>
+    <p:spTree>
+      <p:nvGrpSpPr>
+        <p:cNvPr id="1" name=""/>
+        <p:cNvGrpSpPr/>
+        <p:nvPr/>
+      </p:nvGrpSpPr>
+      <p:grpSpPr>
+        <a:xfrm>
+          <a:off x="0" y="0"/>
+          <a:ext cx="0" cy="0"/>
+          <a:chOff x="0" y="0"/>
+          <a:chExt cx="0" cy="0"/>
+        </a:xfrm>
+      </p:grpSpPr>
+      <p:sp>
+        <p:nvSpPr>
+          <p:cNvPr id="4" name="矩形 3">
+            <a:extLst>
+              <a:ext uri="{FF2B5EF4-FFF2-40B4-BE49-F238E27FC236}">
+                <a16:creationId xmlns:a16="http://schemas.microsoft.com/office/drawing/2014/main" id="{6C823CB8-39B2-4F11-8753-A9B4A5DEAC8E}"/>
+              </a:ext>
+            </a:extLst>
+          </p:cNvPr>
+          <p:cNvSpPr/>
+          <p:nvPr/>
+        </p:nvSpPr>
+        <p:spPr>
+          <a:xfrm>
+            <a:off x="2826327" y="1729047"/>
+            <a:ext cx="4297680" cy="2984269"/>
+          </a:xfrm>
+          <a:prstGeom prst="rect">
+            <a:avLst/>
+          </a:prstGeom>
+          <a:noFill/>
+          <a:ln>
+            <a:solidFill>
+              <a:schemeClr val="tx1"/>
+            </a:solidFill>
+          </a:ln>
+        </p:spPr>
+        <p:style>
+          <a:lnRef idx="2">
+            <a:schemeClr val="accent1">
+              <a:shade val="50000"/>
+            </a:schemeClr>
+          </a:lnRef>
+          <a:fillRef idx="1">
+            <a:schemeClr val="accent1"/>
+          </a:fillRef>
+          <a:effectRef idx="0">
+            <a:schemeClr val="accent1"/>
+          </a:effectRef>
+          <a:fontRef idx="minor">
+            <a:schemeClr val="lt1"/>
+          </a:fontRef>
+        </p:style>
+        <p:txBody>
+          <a:bodyPr rtlCol="0" anchor="ctr"/>
+          <a:lstStyle/>
+          <a:p>
+            <a:pPr algn="ctr"/>
+            <a:endParaRPr lang="zh-CN" altLang="en-US"/>
+          </a:p>
+        </p:txBody>
+      </p:sp>
+      <mc:AlternateContent xmlns:mc="http://schemas.openxmlformats.org/markup-compatibility/2006">
+        <mc:Choice xmlns:a14="http://schemas.microsoft.com/office/drawing/2010/main" Requires="a14">
+          <p:sp>
+            <p:nvSpPr>
+              <p:cNvPr id="5" name="矩形 4">
+                <a:extLst>
+                  <a:ext uri="{FF2B5EF4-FFF2-40B4-BE49-F238E27FC236}">
+                    <a16:creationId xmlns:a16="http://schemas.microsoft.com/office/drawing/2014/main" id="{5EB125D7-8D8B-4629-AD7F-0FE95AB40B30}"/>
+                  </a:ext>
+                </a:extLst>
+              </p:cNvPr>
+              <p:cNvSpPr/>
+              <p:nvPr/>
+            </p:nvSpPr>
+            <p:spPr>
+              <a:xfrm>
+                <a:off x="4438997" y="2826327"/>
+                <a:ext cx="1399309" cy="997527"/>
+              </a:xfrm>
+              <a:prstGeom prst="rect">
+                <a:avLst/>
+              </a:prstGeom>
+              <a:solidFill>
+                <a:schemeClr val="bg1">
+                  <a:lumMod val="85000"/>
+                </a:schemeClr>
+              </a:solidFill>
+              <a:ln>
+                <a:solidFill>
+                  <a:schemeClr val="tx1"/>
+                </a:solidFill>
+              </a:ln>
+            </p:spPr>
+            <p:style>
+              <a:lnRef idx="2">
+                <a:schemeClr val="accent1">
+                  <a:shade val="50000"/>
+                </a:schemeClr>
+              </a:lnRef>
+              <a:fillRef idx="1">
+                <a:schemeClr val="accent1"/>
+              </a:fillRef>
+              <a:effectRef idx="0">
+                <a:schemeClr val="accent1"/>
+              </a:effectRef>
+              <a:fontRef idx="minor">
+                <a:schemeClr val="lt1"/>
+              </a:fontRef>
+            </p:style>
+            <p:txBody>
+              <a:bodyPr rtlCol="0" anchor="ctr"/>
+              <a:lstStyle/>
+              <a:p>
+                <a:pPr algn="ctr"/>
+                <a14:m>
+                  <m:oMathPara xmlns:m="http://schemas.openxmlformats.org/officeDocument/2006/math">
+                    <m:oMathParaPr>
+                      <m:jc m:val="centerGroup"/>
+                    </m:oMathParaPr>
+                    <m:oMath xmlns:m="http://schemas.openxmlformats.org/officeDocument/2006/math">
+                      <m:sSub>
+                        <m:sSubPr>
+                          <m:ctrlPr>
+                            <a:rPr lang="en-US" altLang="zh-CN" b="0" i="1" smtClean="0">
+                              <a:solidFill>
+                                <a:schemeClr val="tx1"/>
+                              </a:solidFill>
+                              <a:latin typeface="Cambria Math" panose="02040503050406030204" pitchFamily="18" charset="0"/>
+                            </a:rPr>
+                          </m:ctrlPr>
+                        </m:sSubPr>
+                        <m:e>
+                          <m:r>
+                            <a:rPr lang="en-US" altLang="zh-CN" b="0" i="1" smtClean="0">
+                              <a:solidFill>
+                                <a:schemeClr val="tx1"/>
+                              </a:solidFill>
+                              <a:latin typeface="Cambria Math" panose="02040503050406030204" pitchFamily="18" charset="0"/>
+                            </a:rPr>
+                            <m:t>𝐴</m:t>
+                          </m:r>
+                        </m:e>
+                        <m:sub>
+                          <m:r>
+                            <a:rPr lang="en-US" altLang="zh-CN" b="0" i="1" smtClean="0">
+                              <a:solidFill>
+                                <a:schemeClr val="tx1"/>
+                              </a:solidFill>
+                              <a:latin typeface="Cambria Math" panose="02040503050406030204" pitchFamily="18" charset="0"/>
+                            </a:rPr>
+                            <m:t>𝑥𝑦</m:t>
+                          </m:r>
+                        </m:sub>
+                      </m:sSub>
+                    </m:oMath>
+                  </m:oMathPara>
+                </a14:m>
+                <a:endParaRPr lang="zh-CN" altLang="en-US" dirty="0"/>
+              </a:p>
+            </p:txBody>
+          </p:sp>
+        </mc:Choice>
+        <mc:Fallback>
+          <p:sp>
+            <p:nvSpPr>
+              <p:cNvPr id="5" name="矩形 4">
+                <a:extLst>
+                  <a:ext uri="{FF2B5EF4-FFF2-40B4-BE49-F238E27FC236}">
+                    <a16:creationId xmlns:a16="http://schemas.microsoft.com/office/drawing/2014/main" id="{5EB125D7-8D8B-4629-AD7F-0FE95AB40B30}"/>
+                  </a:ext>
+                </a:extLst>
+              </p:cNvPr>
+              <p:cNvSpPr>
+                <a:spLocks noRot="1" noChangeAspect="1" noMove="1" noResize="1" noEditPoints="1" noAdjustHandles="1" noChangeArrowheads="1" noChangeShapeType="1" noTextEdit="1"/>
+              </p:cNvSpPr>
+              <p:nvPr/>
+            </p:nvSpPr>
+            <p:spPr>
+              <a:xfrm>
+                <a:off x="4438997" y="2826327"/>
+                <a:ext cx="1399309" cy="997527"/>
+              </a:xfrm>
+              <a:prstGeom prst="rect">
+                <a:avLst/>
+              </a:prstGeom>
+              <a:blipFill>
+                <a:blip r:embed="rId2"/>
+                <a:stretch>
+                  <a:fillRect/>
+                </a:stretch>
+              </a:blipFill>
+              <a:ln>
+                <a:solidFill>
+                  <a:schemeClr val="tx1"/>
+                </a:solidFill>
+              </a:ln>
+            </p:spPr>
+            <p:txBody>
+              <a:bodyPr/>
+              <a:lstStyle/>
+              <a:p>
+                <a:r>
+                  <a:rPr lang="zh-CN" altLang="en-US">
+                    <a:noFill/>
+                  </a:rPr>
+                  <a:t> </a:t>
+                </a:r>
+              </a:p>
+            </p:txBody>
+          </p:sp>
+        </mc:Fallback>
+      </mc:AlternateContent>
+      <p:cxnSp>
+        <p:nvCxnSpPr>
+          <p:cNvPr id="7" name="直接连接符 6">
+            <a:extLst>
+              <a:ext uri="{FF2B5EF4-FFF2-40B4-BE49-F238E27FC236}">
+                <a16:creationId xmlns:a16="http://schemas.microsoft.com/office/drawing/2014/main" id="{66E34464-E7EB-47FC-9457-B9B416316EE3}"/>
+              </a:ext>
+            </a:extLst>
+          </p:cNvPr>
+          <p:cNvCxnSpPr>
+            <a:cxnSpLocks/>
+          </p:cNvCxnSpPr>
+          <p:nvPr/>
+        </p:nvCxnSpPr>
+        <p:spPr>
+          <a:xfrm flipV="1">
+            <a:off x="4438997" y="1729047"/>
+            <a:ext cx="0" cy="1097280"/>
+          </a:xfrm>
+          <a:prstGeom prst="line">
+            <a:avLst/>
+          </a:prstGeom>
+          <a:ln w="12700">
+            <a:solidFill>
+              <a:schemeClr val="tx1"/>
+            </a:solidFill>
+            <a:prstDash val="lgDash"/>
+          </a:ln>
+        </p:spPr>
+        <p:style>
+          <a:lnRef idx="1">
+            <a:schemeClr val="accent1"/>
+          </a:lnRef>
+          <a:fillRef idx="0">
+            <a:schemeClr val="accent1"/>
+          </a:fillRef>
+          <a:effectRef idx="0">
+            <a:schemeClr val="accent1"/>
+          </a:effectRef>
+          <a:fontRef idx="minor">
+            <a:schemeClr val="tx1"/>
+          </a:fontRef>
+        </p:style>
+      </p:cxnSp>
+      <p:cxnSp>
+        <p:nvCxnSpPr>
+          <p:cNvPr id="10" name="直接连接符 9">
+            <a:extLst>
+              <a:ext uri="{FF2B5EF4-FFF2-40B4-BE49-F238E27FC236}">
+                <a16:creationId xmlns:a16="http://schemas.microsoft.com/office/drawing/2014/main" id="{7D46EECC-5678-4AF9-BD77-347406553D8C}"/>
+              </a:ext>
+            </a:extLst>
+          </p:cNvPr>
+          <p:cNvCxnSpPr>
+            <a:cxnSpLocks/>
+          </p:cNvCxnSpPr>
+          <p:nvPr/>
+        </p:nvCxnSpPr>
+        <p:spPr>
+          <a:xfrm flipH="1">
+            <a:off x="2826326" y="2826327"/>
+            <a:ext cx="1612671" cy="0"/>
+          </a:xfrm>
+          <a:prstGeom prst="line">
+            <a:avLst/>
+          </a:prstGeom>
+          <a:ln w="12700">
+            <a:solidFill>
+              <a:schemeClr val="tx1"/>
+            </a:solidFill>
+            <a:prstDash val="lgDash"/>
+          </a:ln>
+        </p:spPr>
+        <p:style>
+          <a:lnRef idx="1">
+            <a:schemeClr val="accent1"/>
+          </a:lnRef>
+          <a:fillRef idx="0">
+            <a:schemeClr val="accent1"/>
+          </a:fillRef>
+          <a:effectRef idx="0">
+            <a:schemeClr val="accent1"/>
+          </a:effectRef>
+          <a:fontRef idx="minor">
+            <a:schemeClr val="tx1"/>
+          </a:fontRef>
+        </p:style>
+      </p:cxnSp>
+      <p:cxnSp>
+        <p:nvCxnSpPr>
+          <p:cNvPr id="13" name="直接连接符 12">
+            <a:extLst>
+              <a:ext uri="{FF2B5EF4-FFF2-40B4-BE49-F238E27FC236}">
+                <a16:creationId xmlns:a16="http://schemas.microsoft.com/office/drawing/2014/main" id="{88F76294-1930-4D6F-9EEA-DCC11E595666}"/>
+              </a:ext>
+            </a:extLst>
+          </p:cNvPr>
+          <p:cNvCxnSpPr>
+            <a:cxnSpLocks/>
+          </p:cNvCxnSpPr>
+          <p:nvPr/>
+        </p:nvCxnSpPr>
+        <p:spPr>
+          <a:xfrm flipH="1" flipV="1">
+            <a:off x="5838306" y="1729047"/>
+            <a:ext cx="1" cy="1097280"/>
+          </a:xfrm>
+          <a:prstGeom prst="line">
+            <a:avLst/>
+          </a:prstGeom>
+          <a:ln w="12700">
+            <a:solidFill>
+              <a:schemeClr val="tx1"/>
+            </a:solidFill>
+            <a:prstDash val="lgDash"/>
+          </a:ln>
+        </p:spPr>
+        <p:style>
+          <a:lnRef idx="1">
+            <a:schemeClr val="accent1"/>
+          </a:lnRef>
+          <a:fillRef idx="0">
+            <a:schemeClr val="accent1"/>
+          </a:fillRef>
+          <a:effectRef idx="0">
+            <a:schemeClr val="accent1"/>
+          </a:effectRef>
+          <a:fontRef idx="minor">
+            <a:schemeClr val="tx1"/>
+          </a:fontRef>
+        </p:style>
+      </p:cxnSp>
+      <p:cxnSp>
+        <p:nvCxnSpPr>
+          <p:cNvPr id="16" name="直接连接符 15">
+            <a:extLst>
+              <a:ext uri="{FF2B5EF4-FFF2-40B4-BE49-F238E27FC236}">
+                <a16:creationId xmlns:a16="http://schemas.microsoft.com/office/drawing/2014/main" id="{DA20CBAD-1A73-4885-9AA0-8A61DEB5F7E4}"/>
+              </a:ext>
+            </a:extLst>
+          </p:cNvPr>
+          <p:cNvCxnSpPr>
+            <a:cxnSpLocks/>
+          </p:cNvCxnSpPr>
+          <p:nvPr/>
+        </p:nvCxnSpPr>
+        <p:spPr>
+          <a:xfrm flipH="1" flipV="1">
+            <a:off x="2826325" y="3823854"/>
+            <a:ext cx="1612672" cy="1"/>
+          </a:xfrm>
+          <a:prstGeom prst="line">
+            <a:avLst/>
+          </a:prstGeom>
+          <a:ln w="12700">
+            <a:solidFill>
+              <a:schemeClr val="tx1"/>
+            </a:solidFill>
+            <a:prstDash val="lgDash"/>
+          </a:ln>
+        </p:spPr>
+        <p:style>
+          <a:lnRef idx="1">
+            <a:schemeClr val="accent1"/>
+          </a:lnRef>
+          <a:fillRef idx="0">
+            <a:schemeClr val="accent1"/>
+          </a:fillRef>
+          <a:effectRef idx="0">
+            <a:schemeClr val="accent1"/>
+          </a:effectRef>
+          <a:fontRef idx="minor">
+            <a:schemeClr val="tx1"/>
+          </a:fontRef>
+        </p:style>
+      </p:cxnSp>
+      <p:sp>
+        <p:nvSpPr>
+          <p:cNvPr id="19" name="文本框 18">
+            <a:extLst>
+              <a:ext uri="{FF2B5EF4-FFF2-40B4-BE49-F238E27FC236}">
+                <a16:creationId xmlns:a16="http://schemas.microsoft.com/office/drawing/2014/main" id="{06A7FED5-390C-413A-B102-FED6ECB8663B}"/>
+              </a:ext>
+            </a:extLst>
+          </p:cNvPr>
+          <p:cNvSpPr txBox="1"/>
+          <p:nvPr/>
+        </p:nvSpPr>
+        <p:spPr>
+          <a:xfrm>
+            <a:off x="3859991" y="2457979"/>
+            <a:ext cx="641522" cy="369332"/>
+          </a:xfrm>
+          <a:prstGeom prst="rect">
+            <a:avLst/>
+          </a:prstGeom>
+          <a:noFill/>
+        </p:spPr>
+        <p:txBody>
+          <a:bodyPr wrap="none" rtlCol="0">
+            <a:spAutoFit/>
+          </a:bodyPr>
+          <a:lstStyle/>
+          <a:p>
+            <a:r>
+              <a:rPr lang="en-US" altLang="zh-CN" dirty="0"/>
+              <a:t>(x, y)</a:t>
+            </a:r>
+            <a:endParaRPr lang="zh-CN" altLang="en-US" dirty="0"/>
+          </a:p>
+        </p:txBody>
+      </p:sp>
+      <p:sp>
+        <p:nvSpPr>
+          <p:cNvPr id="20" name="文本框 19">
+            <a:extLst>
+              <a:ext uri="{FF2B5EF4-FFF2-40B4-BE49-F238E27FC236}">
+                <a16:creationId xmlns:a16="http://schemas.microsoft.com/office/drawing/2014/main" id="{9265157C-C25A-4EDA-B2BE-3F53F6ED7727}"/>
+              </a:ext>
+            </a:extLst>
+          </p:cNvPr>
+          <p:cNvSpPr txBox="1"/>
+          <p:nvPr/>
+        </p:nvSpPr>
+        <p:spPr>
+          <a:xfrm>
+            <a:off x="5820284" y="2451697"/>
+            <a:ext cx="957313" cy="369332"/>
+          </a:xfrm>
+          <a:prstGeom prst="rect">
+            <a:avLst/>
+          </a:prstGeom>
+          <a:noFill/>
+        </p:spPr>
+        <p:txBody>
+          <a:bodyPr wrap="none" rtlCol="0">
+            <a:spAutoFit/>
+          </a:bodyPr>
+          <a:lstStyle/>
+          <a:p>
+            <a:r>
+              <a:rPr lang="en-US" altLang="zh-CN" dirty="0"/>
+              <a:t>(</a:t>
+            </a:r>
+            <a:r>
+              <a:rPr lang="en-US" altLang="zh-CN" dirty="0" err="1"/>
+              <a:t>x+w</a:t>
+            </a:r>
+            <a:r>
+              <a:rPr lang="en-US" altLang="zh-CN" dirty="0"/>
+              <a:t>, y)</a:t>
+            </a:r>
+            <a:endParaRPr lang="zh-CN" altLang="en-US" dirty="0"/>
+          </a:p>
+        </p:txBody>
+      </p:sp>
+      <p:sp>
+        <p:nvSpPr>
+          <p:cNvPr id="21" name="文本框 20">
+            <a:extLst>
+              <a:ext uri="{FF2B5EF4-FFF2-40B4-BE49-F238E27FC236}">
+                <a16:creationId xmlns:a16="http://schemas.microsoft.com/office/drawing/2014/main" id="{152FCEFD-65ED-4FEC-BA7C-BA06D15BBA19}"/>
+              </a:ext>
+            </a:extLst>
+          </p:cNvPr>
+          <p:cNvSpPr txBox="1"/>
+          <p:nvPr/>
+        </p:nvSpPr>
+        <p:spPr>
+          <a:xfrm>
+            <a:off x="3803671" y="3768619"/>
+            <a:ext cx="922047" cy="369332"/>
+          </a:xfrm>
+          <a:prstGeom prst="rect">
+            <a:avLst/>
+          </a:prstGeom>
+          <a:noFill/>
+        </p:spPr>
+        <p:txBody>
+          <a:bodyPr wrap="none" rtlCol="0">
+            <a:spAutoFit/>
+          </a:bodyPr>
+          <a:lstStyle/>
+          <a:p>
+            <a:r>
+              <a:rPr lang="en-US" altLang="zh-CN" dirty="0"/>
+              <a:t>(x, </a:t>
+            </a:r>
+            <a:r>
+              <a:rPr lang="en-US" altLang="zh-CN" dirty="0" err="1"/>
+              <a:t>y+h</a:t>
+            </a:r>
+            <a:r>
+              <a:rPr lang="en-US" altLang="zh-CN" dirty="0"/>
+              <a:t>)</a:t>
+            </a:r>
+            <a:endParaRPr lang="zh-CN" altLang="en-US" dirty="0"/>
+          </a:p>
+        </p:txBody>
+      </p:sp>
+      <p:sp>
+        <p:nvSpPr>
+          <p:cNvPr id="22" name="文本框 21">
+            <a:extLst>
+              <a:ext uri="{FF2B5EF4-FFF2-40B4-BE49-F238E27FC236}">
+                <a16:creationId xmlns:a16="http://schemas.microsoft.com/office/drawing/2014/main" id="{6B41AF65-EB73-48A1-ABFA-233392E36517}"/>
+              </a:ext>
+            </a:extLst>
+          </p:cNvPr>
+          <p:cNvSpPr txBox="1"/>
+          <p:nvPr/>
+        </p:nvSpPr>
+        <p:spPr>
+          <a:xfrm>
+            <a:off x="5588071" y="3805224"/>
+            <a:ext cx="1237839" cy="369332"/>
+          </a:xfrm>
+          <a:prstGeom prst="rect">
+            <a:avLst/>
+          </a:prstGeom>
+          <a:noFill/>
+        </p:spPr>
+        <p:txBody>
+          <a:bodyPr wrap="none" rtlCol="0">
+            <a:spAutoFit/>
+          </a:bodyPr>
+          <a:lstStyle/>
+          <a:p>
+            <a:r>
+              <a:rPr lang="en-US" altLang="zh-CN" dirty="0"/>
+              <a:t>(</a:t>
+            </a:r>
+            <a:r>
+              <a:rPr lang="en-US" altLang="zh-CN" dirty="0" err="1"/>
+              <a:t>x+w</a:t>
+            </a:r>
+            <a:r>
+              <a:rPr lang="en-US" altLang="zh-CN" dirty="0"/>
+              <a:t>, </a:t>
+            </a:r>
+            <a:r>
+              <a:rPr lang="en-US" altLang="zh-CN" dirty="0" err="1"/>
+              <a:t>y+h</a:t>
+            </a:r>
+            <a:r>
+              <a:rPr lang="en-US" altLang="zh-CN" dirty="0"/>
+              <a:t>)</a:t>
+            </a:r>
+            <a:endParaRPr lang="zh-CN" altLang="en-US" dirty="0"/>
+          </a:p>
+        </p:txBody>
+      </p:sp>
+    </p:spTree>
+    <p:extLst>
+      <p:ext uri="{BB962C8B-B14F-4D97-AF65-F5344CB8AC3E}">
+        <p14:creationId xmlns:p14="http://schemas.microsoft.com/office/powerpoint/2010/main" val="2900911782"/>
+      </p:ext>
+    </p:extLst>
+  </p:cSld>
+  <p:clrMapOvr>
+    <a:masterClrMapping/>
+  </p:clrMapOvr>
+</p:sld>
+</file>
+
+<file path=ppt/slides/slide3.xml><?xml version="1.0" encoding="utf-8"?>
+<p:sld xmlns:a="http://schemas.openxmlformats.org/drawingml/2006/main" xmlns:r="http://schemas.openxmlformats.org/officeDocument/2006/relationships" xmlns:p="http://schemas.openxmlformats.org/presentationml/2006/main">
+  <p:cSld>
+    <p:spTree>
+      <p:nvGrpSpPr>
+        <p:cNvPr id="1" name=""/>
+        <p:cNvGrpSpPr/>
+        <p:nvPr/>
+      </p:nvGrpSpPr>
+      <p:grpSpPr>
+        <a:xfrm>
+          <a:off x="0" y="0"/>
+          <a:ext cx="0" cy="0"/>
+          <a:chOff x="0" y="0"/>
+          <a:chExt cx="0" cy="0"/>
+        </a:xfrm>
+      </p:grpSpPr>
+      <p:graphicFrame>
+        <p:nvGraphicFramePr>
+          <p:cNvPr id="4" name="表格 3">
+            <a:extLst>
+              <a:ext uri="{FF2B5EF4-FFF2-40B4-BE49-F238E27FC236}">
+                <a16:creationId xmlns:a16="http://schemas.microsoft.com/office/drawing/2014/main" id="{6F7D4F67-EB9C-40D1-8B15-4853CD5FAB85}"/>
+              </a:ext>
+            </a:extLst>
+          </p:cNvPr>
+          <p:cNvGraphicFramePr>
+            <a:graphicFrameLocks noGrp="1"/>
+          </p:cNvGraphicFramePr>
+          <p:nvPr>
+            <p:extLst>
+              <p:ext uri="{D42A27DB-BD31-4B8C-83A1-F6EECF244321}">
+                <p14:modId xmlns:p14="http://schemas.microsoft.com/office/powerpoint/2010/main" val="1328243707"/>
+              </p:ext>
+            </p:extLst>
+          </p:nvPr>
+        </p:nvGraphicFramePr>
+        <p:xfrm>
+          <a:off x="4754880" y="1380066"/>
+          <a:ext cx="3164840" cy="2966720"/>
+        </p:xfrm>
+        <a:graphic>
+          <a:graphicData uri="http://schemas.openxmlformats.org/drawingml/2006/table">
+            <a:tbl>
+              <a:tblPr firstRow="1" bandRow="1">
+                <a:tableStyleId>{5C22544A-7EE6-4342-B048-85BDC9FD1C3A}</a:tableStyleId>
+              </a:tblPr>
+              <a:tblGrid>
+                <a:gridCol w="452120">
+                  <a:extLst>
+                    <a:ext uri="{9D8B030D-6E8A-4147-A177-3AD203B41FA5}">
+                      <a16:colId xmlns:a16="http://schemas.microsoft.com/office/drawing/2014/main" val="3848626996"/>
+                    </a:ext>
+                  </a:extLst>
+                </a:gridCol>
+                <a:gridCol w="452120">
+                  <a:extLst>
+                    <a:ext uri="{9D8B030D-6E8A-4147-A177-3AD203B41FA5}">
+                      <a16:colId xmlns:a16="http://schemas.microsoft.com/office/drawing/2014/main" val="872123012"/>
+                    </a:ext>
+                  </a:extLst>
+                </a:gridCol>
+                <a:gridCol w="452120">
+                  <a:extLst>
+                    <a:ext uri="{9D8B030D-6E8A-4147-A177-3AD203B41FA5}">
+                      <a16:colId xmlns:a16="http://schemas.microsoft.com/office/drawing/2014/main" val="2616454657"/>
+                    </a:ext>
+                  </a:extLst>
+                </a:gridCol>
+                <a:gridCol w="452120">
+                  <a:extLst>
+                    <a:ext uri="{9D8B030D-6E8A-4147-A177-3AD203B41FA5}">
+                      <a16:colId xmlns:a16="http://schemas.microsoft.com/office/drawing/2014/main" val="928283343"/>
+                    </a:ext>
+                  </a:extLst>
+                </a:gridCol>
+                <a:gridCol w="452120">
+                  <a:extLst>
+                    <a:ext uri="{9D8B030D-6E8A-4147-A177-3AD203B41FA5}">
+                      <a16:colId xmlns:a16="http://schemas.microsoft.com/office/drawing/2014/main" val="898225958"/>
+                    </a:ext>
+                  </a:extLst>
+                </a:gridCol>
+                <a:gridCol w="452120">
+                  <a:extLst>
+                    <a:ext uri="{9D8B030D-6E8A-4147-A177-3AD203B41FA5}">
+                      <a16:colId xmlns:a16="http://schemas.microsoft.com/office/drawing/2014/main" val="2767774934"/>
+                    </a:ext>
+                  </a:extLst>
+                </a:gridCol>
+                <a:gridCol w="452120">
+                  <a:extLst>
+                    <a:ext uri="{9D8B030D-6E8A-4147-A177-3AD203B41FA5}">
+                      <a16:colId xmlns:a16="http://schemas.microsoft.com/office/drawing/2014/main" val="959490572"/>
+                    </a:ext>
+                  </a:extLst>
+                </a:gridCol>
+              </a:tblGrid>
+              <a:tr h="370840">
+                <a:tc>
+                  <a:txBody>
+                    <a:bodyPr/>
+                    <a:lstStyle/>
+                    <a:p>
+                      <a:endParaRPr lang="zh-CN" altLang="en-US" dirty="0"/>
+                    </a:p>
+                  </a:txBody>
+                  <a:tcPr>
+                    <a:lnL w="12700" cap="flat" cmpd="sng" algn="ctr">
+                      <a:solidFill>
+                        <a:schemeClr val="tx1"/>
+                      </a:solidFill>
+                      <a:prstDash val="solid"/>
+                      <a:round/>
+                      <a:headEnd type="none" w="med" len="med"/>
+                      <a:tailEnd type="none" w="med" len="med"/>
+                    </a:lnL>
+                    <a:lnR w="12700" cap="flat" cmpd="sng" algn="ctr">
+                      <a:solidFill>
+                        <a:schemeClr val="tx1"/>
+                      </a:solidFill>
+                      <a:prstDash val="solid"/>
+                      <a:round/>
+                      <a:headEnd type="none" w="med" len="med"/>
+                      <a:tailEnd type="none" w="med" len="med"/>
+                    </a:lnR>
+                    <a:lnT w="12700" cap="flat" cmpd="sng" algn="ctr">
+                      <a:solidFill>
+                        <a:schemeClr val="tx1"/>
+                      </a:solidFill>
+                      <a:prstDash val="solid"/>
+                      <a:round/>
+                      <a:headEnd type="none" w="med" len="med"/>
+                      <a:tailEnd type="none" w="med" len="med"/>
+                    </a:lnT>
+                    <a:lnB w="12700" cap="flat" cmpd="sng" algn="ctr">
+                      <a:solidFill>
+                        <a:schemeClr val="tx1"/>
+                      </a:solidFill>
+                      <a:prstDash val="solid"/>
+                      <a:round/>
+                      <a:headEnd type="none" w="med" len="med"/>
+                      <a:tailEnd type="none" w="med" len="med"/>
+                    </a:lnB>
+                    <a:noFill/>
+                  </a:tcPr>
+                </a:tc>
+                <a:tc>
+                  <a:txBody>
+                    <a:bodyPr/>
+                    <a:lstStyle/>
+                    <a:p>
+                      <a:endParaRPr lang="zh-CN" altLang="en-US" dirty="0"/>
+                    </a:p>
+                  </a:txBody>
+                  <a:tcPr>
+                    <a:lnL w="12700" cap="flat" cmpd="sng" algn="ctr">
+                      <a:solidFill>
+                        <a:schemeClr val="tx1"/>
+                      </a:solidFill>
+                      <a:prstDash val="solid"/>
+                      <a:round/>
+                      <a:headEnd type="none" w="med" len="med"/>
+                      <a:tailEnd type="none" w="med" len="med"/>
+                    </a:lnL>
+                    <a:lnR w="12700" cap="flat" cmpd="sng" algn="ctr">
+                      <a:solidFill>
+                        <a:schemeClr val="tx1"/>
+                      </a:solidFill>
+                      <a:prstDash val="solid"/>
+                      <a:round/>
+                      <a:headEnd type="none" w="med" len="med"/>
+                      <a:tailEnd type="none" w="med" len="med"/>
+                    </a:lnR>
+                    <a:lnT w="12700" cap="flat" cmpd="sng" algn="ctr">
+                      <a:solidFill>
+                        <a:schemeClr val="tx1"/>
+                      </a:solidFill>
+                      <a:prstDash val="solid"/>
+                      <a:round/>
+                      <a:headEnd type="none" w="med" len="med"/>
+                      <a:tailEnd type="none" w="med" len="med"/>
+                    </a:lnT>
+                    <a:lnB w="12700" cap="flat" cmpd="sng" algn="ctr">
+                      <a:solidFill>
+                        <a:schemeClr val="tx1"/>
+                      </a:solidFill>
+                      <a:prstDash val="solid"/>
+                      <a:round/>
+                      <a:headEnd type="none" w="med" len="med"/>
+                      <a:tailEnd type="none" w="med" len="med"/>
+                    </a:lnB>
+                    <a:noFill/>
+                  </a:tcPr>
+                </a:tc>
+                <a:tc>
+                  <a:txBody>
+                    <a:bodyPr/>
+                    <a:lstStyle/>
+                    <a:p>
+                      <a:endParaRPr lang="zh-CN" altLang="en-US"/>
+                    </a:p>
+                  </a:txBody>
+                  <a:tcPr>
+                    <a:lnL w="12700" cap="flat" cmpd="sng" algn="ctr">
+                      <a:solidFill>
+                        <a:schemeClr val="tx1"/>
+                      </a:solidFill>
+                      <a:prstDash val="solid"/>
+                      <a:round/>
+                      <a:headEnd type="none" w="med" len="med"/>
+                      <a:tailEnd type="none" w="med" len="med"/>
+                    </a:lnL>
+                    <a:lnR w="12700" cap="flat" cmpd="sng" algn="ctr">
+                      <a:solidFill>
+                        <a:schemeClr val="tx1"/>
+                      </a:solidFill>
+                      <a:prstDash val="solid"/>
+                      <a:round/>
+                      <a:headEnd type="none" w="med" len="med"/>
+                      <a:tailEnd type="none" w="med" len="med"/>
+                    </a:lnR>
+                    <a:lnT w="12700" cap="flat" cmpd="sng" algn="ctr">
+                      <a:solidFill>
+                        <a:schemeClr val="tx1"/>
+                      </a:solidFill>
+                      <a:prstDash val="solid"/>
+                      <a:round/>
+                      <a:headEnd type="none" w="med" len="med"/>
+                      <a:tailEnd type="none" w="med" len="med"/>
+                    </a:lnT>
+                    <a:lnB w="12700" cap="flat" cmpd="sng" algn="ctr">
+                      <a:solidFill>
+                        <a:schemeClr val="tx1"/>
+                      </a:solidFill>
+                      <a:prstDash val="solid"/>
+                      <a:round/>
+                      <a:headEnd type="none" w="med" len="med"/>
+                      <a:tailEnd type="none" w="med" len="med"/>
+                    </a:lnB>
+                    <a:noFill/>
+                  </a:tcPr>
+                </a:tc>
+                <a:tc>
+                  <a:txBody>
+                    <a:bodyPr/>
+                    <a:lstStyle/>
+                    <a:p>
+                      <a:r>
+                        <a:rPr lang="en-US" altLang="zh-CN" b="0" dirty="0">
+                          <a:solidFill>
+                            <a:schemeClr val="tx1"/>
+                          </a:solidFill>
+                        </a:rPr>
+                        <a:t>1</a:t>
+                      </a:r>
+                      <a:endParaRPr lang="zh-CN" altLang="en-US" b="0" dirty="0">
+                        <a:solidFill>
+                          <a:schemeClr val="tx1"/>
+                        </a:solidFill>
+                      </a:endParaRPr>
+                    </a:p>
+                  </a:txBody>
+                  <a:tcPr>
+                    <a:lnL w="12700" cap="flat" cmpd="sng" algn="ctr">
+                      <a:solidFill>
+                        <a:schemeClr val="tx1"/>
+                      </a:solidFill>
+                      <a:prstDash val="solid"/>
+                      <a:round/>
+                      <a:headEnd type="none" w="med" len="med"/>
+                      <a:tailEnd type="none" w="med" len="med"/>
+                    </a:lnL>
+                    <a:lnR w="12700" cap="flat" cmpd="sng" algn="ctr">
+                      <a:solidFill>
+                        <a:schemeClr val="tx1"/>
+                      </a:solidFill>
+                      <a:prstDash val="solid"/>
+                      <a:round/>
+                      <a:headEnd type="none" w="med" len="med"/>
+                      <a:tailEnd type="none" w="med" len="med"/>
+                    </a:lnR>
+                    <a:lnT w="12700" cap="flat" cmpd="sng" algn="ctr">
+                      <a:solidFill>
+                        <a:schemeClr val="tx1"/>
+                      </a:solidFill>
+                      <a:prstDash val="solid"/>
+                      <a:round/>
+                      <a:headEnd type="none" w="med" len="med"/>
+                      <a:tailEnd type="none" w="med" len="med"/>
+                    </a:lnT>
+                    <a:lnB w="12700" cap="flat" cmpd="sng" algn="ctr">
+                      <a:solidFill>
+                        <a:schemeClr val="tx1"/>
+                      </a:solidFill>
+                      <a:prstDash val="solid"/>
+                      <a:round/>
+                      <a:headEnd type="none" w="med" len="med"/>
+                      <a:tailEnd type="none" w="med" len="med"/>
+                    </a:lnB>
+                    <a:noFill/>
+                  </a:tcPr>
+                </a:tc>
+                <a:tc>
+                  <a:txBody>
+                    <a:bodyPr/>
+                    <a:lstStyle/>
+                    <a:p>
+                      <a:endParaRPr lang="zh-CN" altLang="en-US" dirty="0"/>
+                    </a:p>
+                  </a:txBody>
+                  <a:tcPr>
+                    <a:lnL w="12700" cap="flat" cmpd="sng" algn="ctr">
+                      <a:solidFill>
+                        <a:schemeClr val="tx1"/>
+                      </a:solidFill>
+                      <a:prstDash val="solid"/>
+                      <a:round/>
+                      <a:headEnd type="none" w="med" len="med"/>
+                      <a:tailEnd type="none" w="med" len="med"/>
+                    </a:lnL>
+                    <a:lnR w="12700" cap="flat" cmpd="sng" algn="ctr">
+                      <a:solidFill>
+                        <a:schemeClr val="tx1"/>
+                      </a:solidFill>
+                      <a:prstDash val="solid"/>
+                      <a:round/>
+                      <a:headEnd type="none" w="med" len="med"/>
+                      <a:tailEnd type="none" w="med" len="med"/>
+                    </a:lnR>
+                    <a:lnT w="12700" cap="flat" cmpd="sng" algn="ctr">
+                      <a:solidFill>
+                        <a:schemeClr val="tx1"/>
+                      </a:solidFill>
+                      <a:prstDash val="solid"/>
+                      <a:round/>
+                      <a:headEnd type="none" w="med" len="med"/>
+                      <a:tailEnd type="none" w="med" len="med"/>
+                    </a:lnT>
+                    <a:lnB w="12700" cap="flat" cmpd="sng" algn="ctr">
+                      <a:solidFill>
+                        <a:schemeClr val="tx1"/>
+                      </a:solidFill>
+                      <a:prstDash val="solid"/>
+                      <a:round/>
+                      <a:headEnd type="none" w="med" len="med"/>
+                      <a:tailEnd type="none" w="med" len="med"/>
+                    </a:lnB>
+                    <a:noFill/>
+                  </a:tcPr>
+                </a:tc>
+                <a:tc>
+                  <a:txBody>
+                    <a:bodyPr/>
+                    <a:lstStyle/>
+                    <a:p>
+                      <a:endParaRPr lang="zh-CN" altLang="en-US"/>
+                    </a:p>
+                  </a:txBody>
+                  <a:tcPr>
+                    <a:lnL w="12700" cap="flat" cmpd="sng" algn="ctr">
+                      <a:solidFill>
+                        <a:schemeClr val="tx1"/>
+                      </a:solidFill>
+                      <a:prstDash val="solid"/>
+                      <a:round/>
+                      <a:headEnd type="none" w="med" len="med"/>
+                      <a:tailEnd type="none" w="med" len="med"/>
+                    </a:lnL>
+                    <a:lnR w="12700" cap="flat" cmpd="sng" algn="ctr">
+                      <a:solidFill>
+                        <a:schemeClr val="tx1"/>
+                      </a:solidFill>
+                      <a:prstDash val="solid"/>
+                      <a:round/>
+                      <a:headEnd type="none" w="med" len="med"/>
+                      <a:tailEnd type="none" w="med" len="med"/>
+                    </a:lnR>
+                    <a:lnT w="12700" cap="flat" cmpd="sng" algn="ctr">
+                      <a:solidFill>
+                        <a:schemeClr val="tx1"/>
+                      </a:solidFill>
+                      <a:prstDash val="solid"/>
+                      <a:round/>
+                      <a:headEnd type="none" w="med" len="med"/>
+                      <a:tailEnd type="none" w="med" len="med"/>
+                    </a:lnT>
+                    <a:lnB w="12700" cap="flat" cmpd="sng" algn="ctr">
+                      <a:solidFill>
+                        <a:schemeClr val="tx1"/>
+                      </a:solidFill>
+                      <a:prstDash val="solid"/>
+                      <a:round/>
+                      <a:headEnd type="none" w="med" len="med"/>
+                      <a:tailEnd type="none" w="med" len="med"/>
+                    </a:lnB>
+                    <a:noFill/>
+                  </a:tcPr>
+                </a:tc>
+                <a:tc>
+                  <a:txBody>
+                    <a:bodyPr/>
+                    <a:lstStyle/>
+                    <a:p>
+                      <a:endParaRPr lang="zh-CN" altLang="en-US"/>
+                    </a:p>
+                  </a:txBody>
+                  <a:tcPr>
+                    <a:lnL w="12700" cap="flat" cmpd="sng" algn="ctr">
+                      <a:solidFill>
+                        <a:schemeClr val="tx1"/>
+                      </a:solidFill>
+                      <a:prstDash val="solid"/>
+                      <a:round/>
+                      <a:headEnd type="none" w="med" len="med"/>
+                      <a:tailEnd type="none" w="med" len="med"/>
+                    </a:lnL>
+                    <a:lnR w="12700" cap="flat" cmpd="sng" algn="ctr">
+                      <a:solidFill>
+                        <a:schemeClr val="tx1"/>
+                      </a:solidFill>
+                      <a:prstDash val="solid"/>
+                      <a:round/>
+                      <a:headEnd type="none" w="med" len="med"/>
+                      <a:tailEnd type="none" w="med" len="med"/>
+                    </a:lnR>
+                    <a:lnT w="12700" cap="flat" cmpd="sng" algn="ctr">
+                      <a:solidFill>
+                        <a:schemeClr val="tx1"/>
+                      </a:solidFill>
+                      <a:prstDash val="solid"/>
+                      <a:round/>
+                      <a:headEnd type="none" w="med" len="med"/>
+                      <a:tailEnd type="none" w="med" len="med"/>
+                    </a:lnT>
+                    <a:lnB w="12700" cap="flat" cmpd="sng" algn="ctr">
+                      <a:solidFill>
+                        <a:schemeClr val="tx1"/>
+                      </a:solidFill>
+                      <a:prstDash val="solid"/>
+                      <a:round/>
+                      <a:headEnd type="none" w="med" len="med"/>
+                      <a:tailEnd type="none" w="med" len="med"/>
+                    </a:lnB>
+                    <a:noFill/>
+                  </a:tcPr>
+                </a:tc>
+                <a:extLst>
+                  <a:ext uri="{0D108BD9-81ED-4DB2-BD59-A6C34878D82A}">
+                    <a16:rowId xmlns:a16="http://schemas.microsoft.com/office/drawing/2014/main" val="1906129143"/>
+                  </a:ext>
+                </a:extLst>
+              </a:tr>
+              <a:tr h="370840">
+                <a:tc>
+                  <a:txBody>
+                    <a:bodyPr/>
+                    <a:lstStyle/>
+                    <a:p>
+                      <a:endParaRPr lang="zh-CN" altLang="en-US"/>
+                    </a:p>
+                  </a:txBody>
+                  <a:tcPr>
+                    <a:lnL w="12700" cap="flat" cmpd="sng" algn="ctr">
+                      <a:solidFill>
+                        <a:schemeClr val="tx1"/>
+                      </a:solidFill>
+                      <a:prstDash val="solid"/>
+                      <a:round/>
+                      <a:headEnd type="none" w="med" len="med"/>
+                      <a:tailEnd type="none" w="med" len="med"/>
+                    </a:lnL>
+                    <a:lnR w="12700" cap="flat" cmpd="sng" algn="ctr">
+                      <a:solidFill>
+                        <a:schemeClr val="tx1"/>
+                      </a:solidFill>
+                      <a:prstDash val="solid"/>
+                      <a:round/>
+                      <a:headEnd type="none" w="med" len="med"/>
+                      <a:tailEnd type="none" w="med" len="med"/>
+                    </a:lnR>
+                    <a:lnT w="12700" cap="flat" cmpd="sng" algn="ctr">
+                      <a:solidFill>
+                        <a:schemeClr val="tx1"/>
+                      </a:solidFill>
+                      <a:prstDash val="solid"/>
+                      <a:round/>
+                      <a:headEnd type="none" w="med" len="med"/>
+                      <a:tailEnd type="none" w="med" len="med"/>
+                    </a:lnT>
+                    <a:lnB w="12700" cap="flat" cmpd="sng" algn="ctr">
+                      <a:solidFill>
+                        <a:schemeClr val="tx1"/>
+                      </a:solidFill>
+                      <a:prstDash val="solid"/>
+                      <a:round/>
+                      <a:headEnd type="none" w="med" len="med"/>
+                      <a:tailEnd type="none" w="med" len="med"/>
+                    </a:lnB>
+                    <a:noFill/>
+                  </a:tcPr>
+                </a:tc>
+                <a:tc>
+                  <a:txBody>
+                    <a:bodyPr/>
+                    <a:lstStyle/>
+                    <a:p>
+                      <a:endParaRPr lang="zh-CN" altLang="en-US" dirty="0"/>
+                    </a:p>
+                  </a:txBody>
+                  <a:tcPr>
+                    <a:lnL w="12700" cap="flat" cmpd="sng" algn="ctr">
+                      <a:solidFill>
+                        <a:schemeClr val="tx1"/>
+                      </a:solidFill>
+                      <a:prstDash val="solid"/>
+                      <a:round/>
+                      <a:headEnd type="none" w="med" len="med"/>
+                      <a:tailEnd type="none" w="med" len="med"/>
+                    </a:lnL>
+                    <a:lnR w="12700" cap="flat" cmpd="sng" algn="ctr">
+                      <a:solidFill>
+                        <a:schemeClr val="tx1"/>
+                      </a:solidFill>
+                      <a:prstDash val="solid"/>
+                      <a:round/>
+                      <a:headEnd type="none" w="med" len="med"/>
+                      <a:tailEnd type="none" w="med" len="med"/>
+                    </a:lnR>
+                    <a:lnT w="12700" cap="flat" cmpd="sng" algn="ctr">
+                      <a:solidFill>
+                        <a:schemeClr val="tx1"/>
+                      </a:solidFill>
+                      <a:prstDash val="solid"/>
+                      <a:round/>
+                      <a:headEnd type="none" w="med" len="med"/>
+                      <a:tailEnd type="none" w="med" len="med"/>
+                    </a:lnT>
+                    <a:lnB w="12700" cap="flat" cmpd="sng" algn="ctr">
+                      <a:solidFill>
+                        <a:schemeClr val="tx1"/>
+                      </a:solidFill>
+                      <a:prstDash val="solid"/>
+                      <a:round/>
+                      <a:headEnd type="none" w="med" len="med"/>
+                      <a:tailEnd type="none" w="med" len="med"/>
+                    </a:lnB>
+                    <a:noFill/>
+                  </a:tcPr>
+                </a:tc>
+                <a:tc>
+                  <a:txBody>
+                    <a:bodyPr/>
+                    <a:lstStyle/>
+                    <a:p>
+                      <a:r>
+                        <a:rPr lang="en-US" altLang="zh-CN" dirty="0"/>
+                        <a:t>1</a:t>
+                      </a:r>
+                      <a:endParaRPr lang="zh-CN" altLang="en-US" dirty="0"/>
+                    </a:p>
+                  </a:txBody>
+                  <a:tcPr>
+                    <a:lnL w="12700" cap="flat" cmpd="sng" algn="ctr">
+                      <a:solidFill>
+                        <a:schemeClr val="tx1"/>
+                      </a:solidFill>
+                      <a:prstDash val="solid"/>
+                      <a:round/>
+                      <a:headEnd type="none" w="med" len="med"/>
+                      <a:tailEnd type="none" w="med" len="med"/>
+                    </a:lnL>
+                    <a:lnR w="12700" cap="flat" cmpd="sng" algn="ctr">
+                      <a:solidFill>
+                        <a:schemeClr val="tx1"/>
+                      </a:solidFill>
+                      <a:prstDash val="solid"/>
+                      <a:round/>
+                      <a:headEnd type="none" w="med" len="med"/>
+                      <a:tailEnd type="none" w="med" len="med"/>
+                    </a:lnR>
+                    <a:lnT w="12700" cap="flat" cmpd="sng" algn="ctr">
+                      <a:solidFill>
+                        <a:schemeClr val="tx1"/>
+                      </a:solidFill>
+                      <a:prstDash val="solid"/>
+                      <a:round/>
+                      <a:headEnd type="none" w="med" len="med"/>
+                      <a:tailEnd type="none" w="med" len="med"/>
+                    </a:lnT>
+                    <a:lnB w="12700" cap="flat" cmpd="sng" algn="ctr">
+                      <a:solidFill>
+                        <a:schemeClr val="tx1"/>
+                      </a:solidFill>
+                      <a:prstDash val="solid"/>
+                      <a:round/>
+                      <a:headEnd type="none" w="med" len="med"/>
+                      <a:tailEnd type="none" w="med" len="med"/>
+                    </a:lnB>
+                    <a:noFill/>
+                  </a:tcPr>
+                </a:tc>
+                <a:tc>
+                  <a:txBody>
+                    <a:bodyPr/>
+                    <a:lstStyle/>
+                    <a:p>
+                      <a:r>
+                        <a:rPr lang="en-US" altLang="zh-CN" dirty="0"/>
+                        <a:t>1</a:t>
+                      </a:r>
+                      <a:endParaRPr lang="zh-CN" altLang="en-US" dirty="0"/>
+                    </a:p>
+                  </a:txBody>
+                  <a:tcPr>
+                    <a:lnL w="12700" cap="flat" cmpd="sng" algn="ctr">
+                      <a:solidFill>
+                        <a:schemeClr val="tx1"/>
+                      </a:solidFill>
+                      <a:prstDash val="solid"/>
+                      <a:round/>
+                      <a:headEnd type="none" w="med" len="med"/>
+                      <a:tailEnd type="none" w="med" len="med"/>
+                    </a:lnL>
+                    <a:lnR w="12700" cap="flat" cmpd="sng" algn="ctr">
+                      <a:solidFill>
+                        <a:schemeClr val="tx1"/>
+                      </a:solidFill>
+                      <a:prstDash val="solid"/>
+                      <a:round/>
+                      <a:headEnd type="none" w="med" len="med"/>
+                      <a:tailEnd type="none" w="med" len="med"/>
+                    </a:lnR>
+                    <a:lnT w="12700" cap="flat" cmpd="sng" algn="ctr">
+                      <a:solidFill>
+                        <a:schemeClr val="tx1"/>
+                      </a:solidFill>
+                      <a:prstDash val="solid"/>
+                      <a:round/>
+                      <a:headEnd type="none" w="med" len="med"/>
+                      <a:tailEnd type="none" w="med" len="med"/>
+                    </a:lnT>
+                    <a:lnB w="12700" cap="flat" cmpd="sng" algn="ctr">
+                      <a:solidFill>
+                        <a:schemeClr val="tx1"/>
+                      </a:solidFill>
+                      <a:prstDash val="solid"/>
+                      <a:round/>
+                      <a:headEnd type="none" w="med" len="med"/>
+                      <a:tailEnd type="none" w="med" len="med"/>
+                    </a:lnB>
+                    <a:noFill/>
+                  </a:tcPr>
+                </a:tc>
+                <a:tc>
+                  <a:txBody>
+                    <a:bodyPr/>
+                    <a:lstStyle/>
+                    <a:p>
+                      <a:r>
+                        <a:rPr lang="en-US" altLang="zh-CN" dirty="0"/>
+                        <a:t>1</a:t>
+                      </a:r>
+                      <a:endParaRPr lang="zh-CN" altLang="en-US" dirty="0"/>
+                    </a:p>
+                  </a:txBody>
+                  <a:tcPr>
+                    <a:lnL w="12700" cap="flat" cmpd="sng" algn="ctr">
+                      <a:solidFill>
+                        <a:schemeClr val="tx1"/>
+                      </a:solidFill>
+                      <a:prstDash val="solid"/>
+                      <a:round/>
+                      <a:headEnd type="none" w="med" len="med"/>
+                      <a:tailEnd type="none" w="med" len="med"/>
+                    </a:lnL>
+                    <a:lnR w="12700" cap="flat" cmpd="sng" algn="ctr">
+                      <a:solidFill>
+                        <a:schemeClr val="tx1"/>
+                      </a:solidFill>
+                      <a:prstDash val="solid"/>
+                      <a:round/>
+                      <a:headEnd type="none" w="med" len="med"/>
+                      <a:tailEnd type="none" w="med" len="med"/>
+                    </a:lnR>
+                    <a:lnT w="12700" cap="flat" cmpd="sng" algn="ctr">
+                      <a:solidFill>
+                        <a:schemeClr val="tx1"/>
+                      </a:solidFill>
+                      <a:prstDash val="solid"/>
+                      <a:round/>
+                      <a:headEnd type="none" w="med" len="med"/>
+                      <a:tailEnd type="none" w="med" len="med"/>
+                    </a:lnT>
+                    <a:lnB w="12700" cap="flat" cmpd="sng" algn="ctr">
+                      <a:solidFill>
+                        <a:schemeClr val="tx1"/>
+                      </a:solidFill>
+                      <a:prstDash val="solid"/>
+                      <a:round/>
+                      <a:headEnd type="none" w="med" len="med"/>
+                      <a:tailEnd type="none" w="med" len="med"/>
+                    </a:lnB>
+                    <a:noFill/>
+                  </a:tcPr>
+                </a:tc>
+                <a:tc>
+                  <a:txBody>
+                    <a:bodyPr/>
+                    <a:lstStyle/>
+                    <a:p>
+                      <a:endParaRPr lang="zh-CN" altLang="en-US"/>
+                    </a:p>
+                  </a:txBody>
+                  <a:tcPr>
+                    <a:lnL w="12700" cap="flat" cmpd="sng" algn="ctr">
+                      <a:solidFill>
+                        <a:schemeClr val="tx1"/>
+                      </a:solidFill>
+                      <a:prstDash val="solid"/>
+                      <a:round/>
+                      <a:headEnd type="none" w="med" len="med"/>
+                      <a:tailEnd type="none" w="med" len="med"/>
+                    </a:lnL>
+                    <a:lnR w="12700" cap="flat" cmpd="sng" algn="ctr">
+                      <a:solidFill>
+                        <a:schemeClr val="tx1"/>
+                      </a:solidFill>
+                      <a:prstDash val="solid"/>
+                      <a:round/>
+                      <a:headEnd type="none" w="med" len="med"/>
+                      <a:tailEnd type="none" w="med" len="med"/>
+                    </a:lnR>
+                    <a:lnT w="12700" cap="flat" cmpd="sng" algn="ctr">
+                      <a:solidFill>
+                        <a:schemeClr val="tx1"/>
+                      </a:solidFill>
+                      <a:prstDash val="solid"/>
+                      <a:round/>
+                      <a:headEnd type="none" w="med" len="med"/>
+                      <a:tailEnd type="none" w="med" len="med"/>
+                    </a:lnT>
+                    <a:lnB w="12700" cap="flat" cmpd="sng" algn="ctr">
+                      <a:solidFill>
+                        <a:schemeClr val="tx1"/>
+                      </a:solidFill>
+                      <a:prstDash val="solid"/>
+                      <a:round/>
+                      <a:headEnd type="none" w="med" len="med"/>
+                      <a:tailEnd type="none" w="med" len="med"/>
+                    </a:lnB>
+                    <a:noFill/>
+                  </a:tcPr>
+                </a:tc>
+                <a:tc>
+                  <a:txBody>
+                    <a:bodyPr/>
+                    <a:lstStyle/>
+                    <a:p>
+                      <a:endParaRPr lang="zh-CN" altLang="en-US" dirty="0"/>
+                    </a:p>
+                  </a:txBody>
+                  <a:tcPr>
+                    <a:lnL w="12700" cap="flat" cmpd="sng" algn="ctr">
+                      <a:solidFill>
+                        <a:schemeClr val="tx1"/>
+                      </a:solidFill>
+                      <a:prstDash val="solid"/>
+                      <a:round/>
+                      <a:headEnd type="none" w="med" len="med"/>
+                      <a:tailEnd type="none" w="med" len="med"/>
+                    </a:lnL>
+                    <a:lnR w="12700" cap="flat" cmpd="sng" algn="ctr">
+                      <a:solidFill>
+                        <a:schemeClr val="tx1"/>
+                      </a:solidFill>
+                      <a:prstDash val="solid"/>
+                      <a:round/>
+                      <a:headEnd type="none" w="med" len="med"/>
+                      <a:tailEnd type="none" w="med" len="med"/>
+                    </a:lnR>
+                    <a:lnT w="12700" cap="flat" cmpd="sng" algn="ctr">
+                      <a:solidFill>
+                        <a:schemeClr val="tx1"/>
+                      </a:solidFill>
+                      <a:prstDash val="solid"/>
+                      <a:round/>
+                      <a:headEnd type="none" w="med" len="med"/>
+                      <a:tailEnd type="none" w="med" len="med"/>
+                    </a:lnT>
+                    <a:lnB w="12700" cap="flat" cmpd="sng" algn="ctr">
+                      <a:solidFill>
+                        <a:schemeClr val="tx1"/>
+                      </a:solidFill>
+                      <a:prstDash val="solid"/>
+                      <a:round/>
+                      <a:headEnd type="none" w="med" len="med"/>
+                      <a:tailEnd type="none" w="med" len="med"/>
+                    </a:lnB>
+                    <a:noFill/>
+                  </a:tcPr>
+                </a:tc>
+                <a:extLst>
+                  <a:ext uri="{0D108BD9-81ED-4DB2-BD59-A6C34878D82A}">
+                    <a16:rowId xmlns:a16="http://schemas.microsoft.com/office/drawing/2014/main" val="204743147"/>
+                  </a:ext>
+                </a:extLst>
+              </a:tr>
+              <a:tr h="370840">
+                <a:tc>
+                  <a:txBody>
+                    <a:bodyPr/>
+                    <a:lstStyle/>
+                    <a:p>
+                      <a:endParaRPr lang="zh-CN" altLang="en-US"/>
+                    </a:p>
+                  </a:txBody>
+                  <a:tcPr>
+                    <a:lnL w="12700" cap="flat" cmpd="sng" algn="ctr">
+                      <a:solidFill>
+                        <a:schemeClr val="tx1"/>
+                      </a:solidFill>
+                      <a:prstDash val="solid"/>
+                      <a:round/>
+                      <a:headEnd type="none" w="med" len="med"/>
+                      <a:tailEnd type="none" w="med" len="med"/>
+                    </a:lnL>
+                    <a:lnR w="12700" cap="flat" cmpd="sng" algn="ctr">
+                      <a:solidFill>
+                        <a:schemeClr val="tx1"/>
+                      </a:solidFill>
+                      <a:prstDash val="solid"/>
+                      <a:round/>
+                      <a:headEnd type="none" w="med" len="med"/>
+                      <a:tailEnd type="none" w="med" len="med"/>
+                    </a:lnR>
+                    <a:lnT w="12700" cap="flat" cmpd="sng" algn="ctr">
+                      <a:solidFill>
+                        <a:schemeClr val="tx1"/>
+                      </a:solidFill>
+                      <a:prstDash val="solid"/>
+                      <a:round/>
+                      <a:headEnd type="none" w="med" len="med"/>
+                      <a:tailEnd type="none" w="med" len="med"/>
+                    </a:lnT>
+                    <a:lnB w="12700" cap="flat" cmpd="sng" algn="ctr">
+                      <a:solidFill>
+                        <a:schemeClr val="tx1"/>
+                      </a:solidFill>
+                      <a:prstDash val="solid"/>
+                      <a:round/>
+                      <a:headEnd type="none" w="med" len="med"/>
+                      <a:tailEnd type="none" w="med" len="med"/>
+                    </a:lnB>
+                    <a:noFill/>
+                  </a:tcPr>
+                </a:tc>
+                <a:tc>
+                  <a:txBody>
+                    <a:bodyPr/>
+                    <a:lstStyle/>
+                    <a:p>
+                      <a:r>
+                        <a:rPr lang="en-US" altLang="zh-CN" dirty="0"/>
+                        <a:t>1</a:t>
+                      </a:r>
+                      <a:endParaRPr lang="zh-CN" altLang="en-US" dirty="0"/>
+                    </a:p>
+                  </a:txBody>
+                  <a:tcPr>
+                    <a:lnL w="12700" cap="flat" cmpd="sng" algn="ctr">
+                      <a:solidFill>
+                        <a:schemeClr val="tx1"/>
+                      </a:solidFill>
+                      <a:prstDash val="solid"/>
+                      <a:round/>
+                      <a:headEnd type="none" w="med" len="med"/>
+                      <a:tailEnd type="none" w="med" len="med"/>
+                    </a:lnL>
+                    <a:lnR w="12700" cap="flat" cmpd="sng" algn="ctr">
+                      <a:solidFill>
+                        <a:schemeClr val="tx1"/>
+                      </a:solidFill>
+                      <a:prstDash val="solid"/>
+                      <a:round/>
+                      <a:headEnd type="none" w="med" len="med"/>
+                      <a:tailEnd type="none" w="med" len="med"/>
+                    </a:lnR>
+                    <a:lnT w="12700" cap="flat" cmpd="sng" algn="ctr">
+                      <a:solidFill>
+                        <a:schemeClr val="tx1"/>
+                      </a:solidFill>
+                      <a:prstDash val="solid"/>
+                      <a:round/>
+                      <a:headEnd type="none" w="med" len="med"/>
+                      <a:tailEnd type="none" w="med" len="med"/>
+                    </a:lnT>
+                    <a:lnB w="12700" cap="flat" cmpd="sng" algn="ctr">
+                      <a:solidFill>
+                        <a:schemeClr val="tx1"/>
+                      </a:solidFill>
+                      <a:prstDash val="solid"/>
+                      <a:round/>
+                      <a:headEnd type="none" w="med" len="med"/>
+                      <a:tailEnd type="none" w="med" len="med"/>
+                    </a:lnB>
+                    <a:noFill/>
+                  </a:tcPr>
+                </a:tc>
+                <a:tc>
+                  <a:txBody>
+                    <a:bodyPr/>
+                    <a:lstStyle/>
+                    <a:p>
+                      <a:r>
+                        <a:rPr lang="en-US" altLang="zh-CN" dirty="0"/>
+                        <a:t>1</a:t>
+                      </a:r>
+                      <a:endParaRPr lang="zh-CN" altLang="en-US" dirty="0"/>
+                    </a:p>
+                  </a:txBody>
+                  <a:tcPr>
+                    <a:lnL w="12700" cap="flat" cmpd="sng" algn="ctr">
+                      <a:solidFill>
+                        <a:schemeClr val="tx1"/>
+                      </a:solidFill>
+                      <a:prstDash val="solid"/>
+                      <a:round/>
+                      <a:headEnd type="none" w="med" len="med"/>
+                      <a:tailEnd type="none" w="med" len="med"/>
+                    </a:lnL>
+                    <a:lnR w="12700" cap="flat" cmpd="sng" algn="ctr">
+                      <a:solidFill>
+                        <a:schemeClr val="tx1"/>
+                      </a:solidFill>
+                      <a:prstDash val="solid"/>
+                      <a:round/>
+                      <a:headEnd type="none" w="med" len="med"/>
+                      <a:tailEnd type="none" w="med" len="med"/>
+                    </a:lnR>
+                    <a:lnT w="12700" cap="flat" cmpd="sng" algn="ctr">
+                      <a:solidFill>
+                        <a:schemeClr val="tx1"/>
+                      </a:solidFill>
+                      <a:prstDash val="solid"/>
+                      <a:round/>
+                      <a:headEnd type="none" w="med" len="med"/>
+                      <a:tailEnd type="none" w="med" len="med"/>
+                    </a:lnT>
+                    <a:lnB w="12700" cap="flat" cmpd="sng" algn="ctr">
+                      <a:solidFill>
+                        <a:schemeClr val="tx1"/>
+                      </a:solidFill>
+                      <a:prstDash val="solid"/>
+                      <a:round/>
+                      <a:headEnd type="none" w="med" len="med"/>
+                      <a:tailEnd type="none" w="med" len="med"/>
+                    </a:lnB>
+                    <a:noFill/>
+                  </a:tcPr>
+                </a:tc>
+                <a:tc>
+                  <a:txBody>
+                    <a:bodyPr/>
+                    <a:lstStyle/>
+                    <a:p>
+                      <a:r>
+                        <a:rPr lang="en-US" altLang="zh-CN" dirty="0"/>
+                        <a:t>1</a:t>
+                      </a:r>
+                      <a:endParaRPr lang="zh-CN" altLang="en-US" dirty="0"/>
+                    </a:p>
+                  </a:txBody>
+                  <a:tcPr>
+                    <a:lnL w="12700" cap="flat" cmpd="sng" algn="ctr">
+                      <a:solidFill>
+                        <a:schemeClr val="tx1"/>
+                      </a:solidFill>
+                      <a:prstDash val="solid"/>
+                      <a:round/>
+                      <a:headEnd type="none" w="med" len="med"/>
+                      <a:tailEnd type="none" w="med" len="med"/>
+                    </a:lnL>
+                    <a:lnR w="12700" cap="flat" cmpd="sng" algn="ctr">
+                      <a:solidFill>
+                        <a:schemeClr val="tx1"/>
+                      </a:solidFill>
+                      <a:prstDash val="solid"/>
+                      <a:round/>
+                      <a:headEnd type="none" w="med" len="med"/>
+                      <a:tailEnd type="none" w="med" len="med"/>
+                    </a:lnR>
+                    <a:lnT w="12700" cap="flat" cmpd="sng" algn="ctr">
+                      <a:solidFill>
+                        <a:schemeClr val="tx1"/>
+                      </a:solidFill>
+                      <a:prstDash val="solid"/>
+                      <a:round/>
+                      <a:headEnd type="none" w="med" len="med"/>
+                      <a:tailEnd type="none" w="med" len="med"/>
+                    </a:lnT>
+                    <a:lnB w="12700" cap="flat" cmpd="sng" algn="ctr">
+                      <a:solidFill>
+                        <a:schemeClr val="tx1"/>
+                      </a:solidFill>
+                      <a:prstDash val="solid"/>
+                      <a:round/>
+                      <a:headEnd type="none" w="med" len="med"/>
+                      <a:tailEnd type="none" w="med" len="med"/>
+                    </a:lnB>
+                    <a:noFill/>
+                  </a:tcPr>
+                </a:tc>
+                <a:tc>
+                  <a:txBody>
+                    <a:bodyPr/>
+                    <a:lstStyle/>
+                    <a:p>
+                      <a:r>
+                        <a:rPr lang="en-US" altLang="zh-CN" dirty="0"/>
+                        <a:t>1</a:t>
+                      </a:r>
+                      <a:endParaRPr lang="zh-CN" altLang="en-US" dirty="0"/>
+                    </a:p>
+                  </a:txBody>
+                  <a:tcPr>
+                    <a:lnL w="12700" cap="flat" cmpd="sng" algn="ctr">
+                      <a:solidFill>
+                        <a:schemeClr val="tx1"/>
+                      </a:solidFill>
+                      <a:prstDash val="solid"/>
+                      <a:round/>
+                      <a:headEnd type="none" w="med" len="med"/>
+                      <a:tailEnd type="none" w="med" len="med"/>
+                    </a:lnL>
+                    <a:lnR w="12700" cap="flat" cmpd="sng" algn="ctr">
+                      <a:solidFill>
+                        <a:schemeClr val="tx1"/>
+                      </a:solidFill>
+                      <a:prstDash val="solid"/>
+                      <a:round/>
+                      <a:headEnd type="none" w="med" len="med"/>
+                      <a:tailEnd type="none" w="med" len="med"/>
+                    </a:lnR>
+                    <a:lnT w="12700" cap="flat" cmpd="sng" algn="ctr">
+                      <a:solidFill>
+                        <a:schemeClr val="tx1"/>
+                      </a:solidFill>
+                      <a:prstDash val="solid"/>
+                      <a:round/>
+                      <a:headEnd type="none" w="med" len="med"/>
+                      <a:tailEnd type="none" w="med" len="med"/>
+                    </a:lnT>
+                    <a:lnB w="12700" cap="flat" cmpd="sng" algn="ctr">
+                      <a:solidFill>
+                        <a:schemeClr val="tx1"/>
+                      </a:solidFill>
+                      <a:prstDash val="solid"/>
+                      <a:round/>
+                      <a:headEnd type="none" w="med" len="med"/>
+                      <a:tailEnd type="none" w="med" len="med"/>
+                    </a:lnB>
+                    <a:noFill/>
+                  </a:tcPr>
+                </a:tc>
+                <a:tc>
+                  <a:txBody>
+                    <a:bodyPr/>
+                    <a:lstStyle/>
+                    <a:p>
+                      <a:r>
+                        <a:rPr lang="en-US" altLang="zh-CN" dirty="0"/>
+                        <a:t>1</a:t>
+                      </a:r>
+                      <a:endParaRPr lang="zh-CN" altLang="en-US" dirty="0"/>
+                    </a:p>
+                  </a:txBody>
+                  <a:tcPr>
+                    <a:lnL w="12700" cap="flat" cmpd="sng" algn="ctr">
+                      <a:solidFill>
+                        <a:schemeClr val="tx1"/>
+                      </a:solidFill>
+                      <a:prstDash val="solid"/>
+                      <a:round/>
+                      <a:headEnd type="none" w="med" len="med"/>
+                      <a:tailEnd type="none" w="med" len="med"/>
+                    </a:lnL>
+                    <a:lnR w="12700" cap="flat" cmpd="sng" algn="ctr">
+                      <a:solidFill>
+                        <a:schemeClr val="tx1"/>
+                      </a:solidFill>
+                      <a:prstDash val="solid"/>
+                      <a:round/>
+                      <a:headEnd type="none" w="med" len="med"/>
+                      <a:tailEnd type="none" w="med" len="med"/>
+                    </a:lnR>
+                    <a:lnT w="12700" cap="flat" cmpd="sng" algn="ctr">
+                      <a:solidFill>
+                        <a:schemeClr val="tx1"/>
+                      </a:solidFill>
+                      <a:prstDash val="solid"/>
+                      <a:round/>
+                      <a:headEnd type="none" w="med" len="med"/>
+                      <a:tailEnd type="none" w="med" len="med"/>
+                    </a:lnT>
+                    <a:lnB w="12700" cap="flat" cmpd="sng" algn="ctr">
+                      <a:solidFill>
+                        <a:schemeClr val="tx1"/>
+                      </a:solidFill>
+                      <a:prstDash val="solid"/>
+                      <a:round/>
+                      <a:headEnd type="none" w="med" len="med"/>
+                      <a:tailEnd type="none" w="med" len="med"/>
+                    </a:lnB>
+                    <a:noFill/>
+                  </a:tcPr>
+                </a:tc>
+                <a:tc>
+                  <a:txBody>
+                    <a:bodyPr/>
+                    <a:lstStyle/>
+                    <a:p>
+                      <a:endParaRPr lang="zh-CN" altLang="en-US"/>
+                    </a:p>
+                  </a:txBody>
+                  <a:tcPr>
+                    <a:lnL w="12700" cap="flat" cmpd="sng" algn="ctr">
+                      <a:solidFill>
+                        <a:schemeClr val="tx1"/>
+                      </a:solidFill>
+                      <a:prstDash val="solid"/>
+                      <a:round/>
+                      <a:headEnd type="none" w="med" len="med"/>
+                      <a:tailEnd type="none" w="med" len="med"/>
+                    </a:lnL>
+                    <a:lnR w="12700" cap="flat" cmpd="sng" algn="ctr">
+                      <a:solidFill>
+                        <a:schemeClr val="tx1"/>
+                      </a:solidFill>
+                      <a:prstDash val="solid"/>
+                      <a:round/>
+                      <a:headEnd type="none" w="med" len="med"/>
+                      <a:tailEnd type="none" w="med" len="med"/>
+                    </a:lnR>
+                    <a:lnT w="12700" cap="flat" cmpd="sng" algn="ctr">
+                      <a:solidFill>
+                        <a:schemeClr val="tx1"/>
+                      </a:solidFill>
+                      <a:prstDash val="solid"/>
+                      <a:round/>
+                      <a:headEnd type="none" w="med" len="med"/>
+                      <a:tailEnd type="none" w="med" len="med"/>
+                    </a:lnT>
+                    <a:lnB w="12700" cap="flat" cmpd="sng" algn="ctr">
+                      <a:solidFill>
+                        <a:schemeClr val="tx1"/>
+                      </a:solidFill>
+                      <a:prstDash val="solid"/>
+                      <a:round/>
+                      <a:headEnd type="none" w="med" len="med"/>
+                      <a:tailEnd type="none" w="med" len="med"/>
+                    </a:lnB>
+                    <a:noFill/>
+                  </a:tcPr>
+                </a:tc>
+                <a:extLst>
+                  <a:ext uri="{0D108BD9-81ED-4DB2-BD59-A6C34878D82A}">
+                    <a16:rowId xmlns:a16="http://schemas.microsoft.com/office/drawing/2014/main" val="343528481"/>
+                  </a:ext>
+                </a:extLst>
+              </a:tr>
+              <a:tr h="370840">
+                <a:tc>
+                  <a:txBody>
+                    <a:bodyPr/>
+                    <a:lstStyle/>
+                    <a:p>
+                      <a:r>
+                        <a:rPr lang="en-US" altLang="zh-CN" dirty="0"/>
+                        <a:t>1</a:t>
+                      </a:r>
+                      <a:endParaRPr lang="zh-CN" altLang="en-US" dirty="0"/>
+                    </a:p>
+                  </a:txBody>
+                  <a:tcPr>
+                    <a:lnL w="12700" cap="flat" cmpd="sng" algn="ctr">
+                      <a:solidFill>
+                        <a:schemeClr val="tx1"/>
+                      </a:solidFill>
+                      <a:prstDash val="solid"/>
+                      <a:round/>
+                      <a:headEnd type="none" w="med" len="med"/>
+                      <a:tailEnd type="none" w="med" len="med"/>
+                    </a:lnL>
+                    <a:lnR w="12700" cap="flat" cmpd="sng" algn="ctr">
+                      <a:solidFill>
+                        <a:schemeClr val="tx1"/>
+                      </a:solidFill>
+                      <a:prstDash val="solid"/>
+                      <a:round/>
+                      <a:headEnd type="none" w="med" len="med"/>
+                      <a:tailEnd type="none" w="med" len="med"/>
+                    </a:lnR>
+                    <a:lnT w="12700" cap="flat" cmpd="sng" algn="ctr">
+                      <a:solidFill>
+                        <a:schemeClr val="tx1"/>
+                      </a:solidFill>
+                      <a:prstDash val="solid"/>
+                      <a:round/>
+                      <a:headEnd type="none" w="med" len="med"/>
+                      <a:tailEnd type="none" w="med" len="med"/>
+                    </a:lnT>
+                    <a:lnB w="12700" cap="flat" cmpd="sng" algn="ctr">
+                      <a:solidFill>
+                        <a:schemeClr val="tx1"/>
+                      </a:solidFill>
+                      <a:prstDash val="solid"/>
+                      <a:round/>
+                      <a:headEnd type="none" w="med" len="med"/>
+                      <a:tailEnd type="none" w="med" len="med"/>
+                    </a:lnB>
+                    <a:noFill/>
+                  </a:tcPr>
+                </a:tc>
+                <a:tc>
+                  <a:txBody>
+                    <a:bodyPr/>
+                    <a:lstStyle/>
+                    <a:p>
+                      <a:r>
+                        <a:rPr lang="en-US" altLang="zh-CN" dirty="0"/>
+                        <a:t>1</a:t>
+                      </a:r>
+                      <a:endParaRPr lang="zh-CN" altLang="en-US" dirty="0"/>
+                    </a:p>
+                  </a:txBody>
+                  <a:tcPr>
+                    <a:lnL w="12700" cap="flat" cmpd="sng" algn="ctr">
+                      <a:solidFill>
+                        <a:schemeClr val="tx1"/>
+                      </a:solidFill>
+                      <a:prstDash val="solid"/>
+                      <a:round/>
+                      <a:headEnd type="none" w="med" len="med"/>
+                      <a:tailEnd type="none" w="med" len="med"/>
+                    </a:lnL>
+                    <a:lnR w="12700" cap="flat" cmpd="sng" algn="ctr">
+                      <a:solidFill>
+                        <a:schemeClr val="tx1"/>
+                      </a:solidFill>
+                      <a:prstDash val="solid"/>
+                      <a:round/>
+                      <a:headEnd type="none" w="med" len="med"/>
+                      <a:tailEnd type="none" w="med" len="med"/>
+                    </a:lnR>
+                    <a:lnT w="12700" cap="flat" cmpd="sng" algn="ctr">
+                      <a:solidFill>
+                        <a:schemeClr val="tx1"/>
+                      </a:solidFill>
+                      <a:prstDash val="solid"/>
+                      <a:round/>
+                      <a:headEnd type="none" w="med" len="med"/>
+                      <a:tailEnd type="none" w="med" len="med"/>
+                    </a:lnT>
+                    <a:lnB w="12700" cap="flat" cmpd="sng" algn="ctr">
+                      <a:solidFill>
+                        <a:schemeClr val="tx1"/>
+                      </a:solidFill>
+                      <a:prstDash val="solid"/>
+                      <a:round/>
+                      <a:headEnd type="none" w="med" len="med"/>
+                      <a:tailEnd type="none" w="med" len="med"/>
+                    </a:lnB>
+                    <a:noFill/>
+                  </a:tcPr>
+                </a:tc>
+                <a:tc>
+                  <a:txBody>
+                    <a:bodyPr/>
+                    <a:lstStyle/>
+                    <a:p>
+                      <a:r>
+                        <a:rPr lang="en-US" altLang="zh-CN" dirty="0"/>
+                        <a:t>1</a:t>
+                      </a:r>
+                      <a:endParaRPr lang="zh-CN" altLang="en-US" dirty="0"/>
+                    </a:p>
+                  </a:txBody>
+                  <a:tcPr>
+                    <a:lnL w="12700" cap="flat" cmpd="sng" algn="ctr">
+                      <a:solidFill>
+                        <a:schemeClr val="tx1"/>
+                      </a:solidFill>
+                      <a:prstDash val="solid"/>
+                      <a:round/>
+                      <a:headEnd type="none" w="med" len="med"/>
+                      <a:tailEnd type="none" w="med" len="med"/>
+                    </a:lnL>
+                    <a:lnR w="12700" cap="flat" cmpd="sng" algn="ctr">
+                      <a:solidFill>
+                        <a:schemeClr val="tx1"/>
+                      </a:solidFill>
+                      <a:prstDash val="solid"/>
+                      <a:round/>
+                      <a:headEnd type="none" w="med" len="med"/>
+                      <a:tailEnd type="none" w="med" len="med"/>
+                    </a:lnR>
+                    <a:lnT w="12700" cap="flat" cmpd="sng" algn="ctr">
+                      <a:solidFill>
+                        <a:schemeClr val="tx1"/>
+                      </a:solidFill>
+                      <a:prstDash val="solid"/>
+                      <a:round/>
+                      <a:headEnd type="none" w="med" len="med"/>
+                      <a:tailEnd type="none" w="med" len="med"/>
+                    </a:lnT>
+                    <a:lnB w="12700" cap="flat" cmpd="sng" algn="ctr">
+                      <a:solidFill>
+                        <a:schemeClr val="tx1"/>
+                      </a:solidFill>
+                      <a:prstDash val="solid"/>
+                      <a:round/>
+                      <a:headEnd type="none" w="med" len="med"/>
+                      <a:tailEnd type="none" w="med" len="med"/>
+                    </a:lnB>
+                    <a:noFill/>
+                  </a:tcPr>
+                </a:tc>
+                <a:tc>
+                  <a:txBody>
+                    <a:bodyPr/>
+                    <a:lstStyle/>
+                    <a:p>
+                      <a:r>
+                        <a:rPr lang="en-US" altLang="zh-CN" dirty="0"/>
+                        <a:t>1</a:t>
+                      </a:r>
+                      <a:endParaRPr lang="zh-CN" altLang="en-US" dirty="0"/>
+                    </a:p>
+                  </a:txBody>
+                  <a:tcPr>
+                    <a:lnL w="12700" cap="flat" cmpd="sng" algn="ctr">
+                      <a:solidFill>
+                        <a:schemeClr val="tx1"/>
+                      </a:solidFill>
+                      <a:prstDash val="solid"/>
+                      <a:round/>
+                      <a:headEnd type="none" w="med" len="med"/>
+                      <a:tailEnd type="none" w="med" len="med"/>
+                    </a:lnL>
+                    <a:lnR w="12700" cap="flat" cmpd="sng" algn="ctr">
+                      <a:solidFill>
+                        <a:schemeClr val="tx1"/>
+                      </a:solidFill>
+                      <a:prstDash val="solid"/>
+                      <a:round/>
+                      <a:headEnd type="none" w="med" len="med"/>
+                      <a:tailEnd type="none" w="med" len="med"/>
+                    </a:lnR>
+                    <a:lnT w="12700" cap="flat" cmpd="sng" algn="ctr">
+                      <a:solidFill>
+                        <a:schemeClr val="tx1"/>
+                      </a:solidFill>
+                      <a:prstDash val="solid"/>
+                      <a:round/>
+                      <a:headEnd type="none" w="med" len="med"/>
+                      <a:tailEnd type="none" w="med" len="med"/>
+                    </a:lnT>
+                    <a:lnB w="12700" cap="flat" cmpd="sng" algn="ctr">
+                      <a:solidFill>
+                        <a:schemeClr val="tx1"/>
+                      </a:solidFill>
+                      <a:prstDash val="solid"/>
+                      <a:round/>
+                      <a:headEnd type="none" w="med" len="med"/>
+                      <a:tailEnd type="none" w="med" len="med"/>
+                    </a:lnB>
+                    <a:noFill/>
+                  </a:tcPr>
+                </a:tc>
+                <a:tc>
+                  <a:txBody>
+                    <a:bodyPr/>
+                    <a:lstStyle/>
+                    <a:p>
+                      <a:r>
+                        <a:rPr lang="en-US" altLang="zh-CN" dirty="0"/>
+                        <a:t>1</a:t>
+                      </a:r>
+                      <a:endParaRPr lang="zh-CN" altLang="en-US" dirty="0"/>
+                    </a:p>
+                  </a:txBody>
+                  <a:tcPr>
+                    <a:lnL w="12700" cap="flat" cmpd="sng" algn="ctr">
+                      <a:solidFill>
+                        <a:schemeClr val="tx1"/>
+                      </a:solidFill>
+                      <a:prstDash val="solid"/>
+                      <a:round/>
+                      <a:headEnd type="none" w="med" len="med"/>
+                      <a:tailEnd type="none" w="med" len="med"/>
+                    </a:lnL>
+                    <a:lnR w="12700" cap="flat" cmpd="sng" algn="ctr">
+                      <a:solidFill>
+                        <a:schemeClr val="tx1"/>
+                      </a:solidFill>
+                      <a:prstDash val="solid"/>
+                      <a:round/>
+                      <a:headEnd type="none" w="med" len="med"/>
+                      <a:tailEnd type="none" w="med" len="med"/>
+                    </a:lnR>
+                    <a:lnT w="12700" cap="flat" cmpd="sng" algn="ctr">
+                      <a:solidFill>
+                        <a:schemeClr val="tx1"/>
+                      </a:solidFill>
+                      <a:prstDash val="solid"/>
+                      <a:round/>
+                      <a:headEnd type="none" w="med" len="med"/>
+                      <a:tailEnd type="none" w="med" len="med"/>
+                    </a:lnT>
+                    <a:lnB w="12700" cap="flat" cmpd="sng" algn="ctr">
+                      <a:solidFill>
+                        <a:schemeClr val="tx1"/>
+                      </a:solidFill>
+                      <a:prstDash val="solid"/>
+                      <a:round/>
+                      <a:headEnd type="none" w="med" len="med"/>
+                      <a:tailEnd type="none" w="med" len="med"/>
+                    </a:lnB>
+                    <a:noFill/>
+                  </a:tcPr>
+                </a:tc>
+                <a:tc>
+                  <a:txBody>
+                    <a:bodyPr/>
+                    <a:lstStyle/>
+                    <a:p>
+                      <a:r>
+                        <a:rPr lang="en-US" altLang="zh-CN" dirty="0"/>
+                        <a:t>1</a:t>
+                      </a:r>
+                      <a:endParaRPr lang="zh-CN" altLang="en-US" dirty="0"/>
+                    </a:p>
+                  </a:txBody>
+                  <a:tcPr>
+                    <a:lnL w="12700" cap="flat" cmpd="sng" algn="ctr">
+                      <a:solidFill>
+                        <a:schemeClr val="tx1"/>
+                      </a:solidFill>
+                      <a:prstDash val="solid"/>
+                      <a:round/>
+                      <a:headEnd type="none" w="med" len="med"/>
+                      <a:tailEnd type="none" w="med" len="med"/>
+                    </a:lnL>
+                    <a:lnR w="12700" cap="flat" cmpd="sng" algn="ctr">
+                      <a:solidFill>
+                        <a:schemeClr val="tx1"/>
+                      </a:solidFill>
+                      <a:prstDash val="solid"/>
+                      <a:round/>
+                      <a:headEnd type="none" w="med" len="med"/>
+                      <a:tailEnd type="none" w="med" len="med"/>
+                    </a:lnR>
+                    <a:lnT w="12700" cap="flat" cmpd="sng" algn="ctr">
+                      <a:solidFill>
+                        <a:schemeClr val="tx1"/>
+                      </a:solidFill>
+                      <a:prstDash val="solid"/>
+                      <a:round/>
+                      <a:headEnd type="none" w="med" len="med"/>
+                      <a:tailEnd type="none" w="med" len="med"/>
+                    </a:lnT>
+                    <a:lnB w="12700" cap="flat" cmpd="sng" algn="ctr">
+                      <a:solidFill>
+                        <a:schemeClr val="tx1"/>
+                      </a:solidFill>
+                      <a:prstDash val="solid"/>
+                      <a:round/>
+                      <a:headEnd type="none" w="med" len="med"/>
+                      <a:tailEnd type="none" w="med" len="med"/>
+                    </a:lnB>
+                    <a:noFill/>
+                  </a:tcPr>
+                </a:tc>
+                <a:tc>
+                  <a:txBody>
+                    <a:bodyPr/>
+                    <a:lstStyle/>
+                    <a:p>
+                      <a:r>
+                        <a:rPr lang="en-US" altLang="zh-CN" dirty="0"/>
+                        <a:t>1</a:t>
+                      </a:r>
+                      <a:endParaRPr lang="zh-CN" altLang="en-US" dirty="0"/>
+                    </a:p>
+                  </a:txBody>
+                  <a:tcPr>
+                    <a:lnL w="12700" cap="flat" cmpd="sng" algn="ctr">
+                      <a:solidFill>
+                        <a:schemeClr val="tx1"/>
+                      </a:solidFill>
+                      <a:prstDash val="solid"/>
+                      <a:round/>
+                      <a:headEnd type="none" w="med" len="med"/>
+                      <a:tailEnd type="none" w="med" len="med"/>
+                    </a:lnL>
+                    <a:lnR w="12700" cap="flat" cmpd="sng" algn="ctr">
+                      <a:solidFill>
+                        <a:schemeClr val="tx1"/>
+                      </a:solidFill>
+                      <a:prstDash val="solid"/>
+                      <a:round/>
+                      <a:headEnd type="none" w="med" len="med"/>
+                      <a:tailEnd type="none" w="med" len="med"/>
+                    </a:lnR>
+                    <a:lnT w="12700" cap="flat" cmpd="sng" algn="ctr">
+                      <a:solidFill>
+                        <a:schemeClr val="tx1"/>
+                      </a:solidFill>
+                      <a:prstDash val="solid"/>
+                      <a:round/>
+                      <a:headEnd type="none" w="med" len="med"/>
+                      <a:tailEnd type="none" w="med" len="med"/>
+                    </a:lnT>
+                    <a:lnB w="12700" cap="flat" cmpd="sng" algn="ctr">
+                      <a:solidFill>
+                        <a:schemeClr val="tx1"/>
+                      </a:solidFill>
+                      <a:prstDash val="solid"/>
+                      <a:round/>
+                      <a:headEnd type="none" w="med" len="med"/>
+                      <a:tailEnd type="none" w="med" len="med"/>
+                    </a:lnB>
+                    <a:noFill/>
+                  </a:tcPr>
+                </a:tc>
+                <a:extLst>
+                  <a:ext uri="{0D108BD9-81ED-4DB2-BD59-A6C34878D82A}">
+                    <a16:rowId xmlns:a16="http://schemas.microsoft.com/office/drawing/2014/main" val="1310648981"/>
+                  </a:ext>
+                </a:extLst>
+              </a:tr>
+              <a:tr h="370840">
+                <a:tc>
+                  <a:txBody>
+                    <a:bodyPr/>
+                    <a:lstStyle/>
+                    <a:p>
+                      <a:r>
+                        <a:rPr lang="en-US" altLang="zh-CN" dirty="0"/>
+                        <a:t>1</a:t>
+                      </a:r>
+                      <a:endParaRPr lang="zh-CN" altLang="en-US" dirty="0"/>
+                    </a:p>
+                  </a:txBody>
+                  <a:tcPr>
+                    <a:lnL w="12700" cap="flat" cmpd="sng" algn="ctr">
+                      <a:solidFill>
+                        <a:schemeClr val="tx1"/>
+                      </a:solidFill>
+                      <a:prstDash val="solid"/>
+                      <a:round/>
+                      <a:headEnd type="none" w="med" len="med"/>
+                      <a:tailEnd type="none" w="med" len="med"/>
+                    </a:lnL>
+                    <a:lnR w="12700" cap="flat" cmpd="sng" algn="ctr">
+                      <a:solidFill>
+                        <a:schemeClr val="tx1"/>
+                      </a:solidFill>
+                      <a:prstDash val="solid"/>
+                      <a:round/>
+                      <a:headEnd type="none" w="med" len="med"/>
+                      <a:tailEnd type="none" w="med" len="med"/>
+                    </a:lnR>
+                    <a:lnT w="12700" cap="flat" cmpd="sng" algn="ctr">
+                      <a:solidFill>
+                        <a:schemeClr val="tx1"/>
+                      </a:solidFill>
+                      <a:prstDash val="solid"/>
+                      <a:round/>
+                      <a:headEnd type="none" w="med" len="med"/>
+                      <a:tailEnd type="none" w="med" len="med"/>
+                    </a:lnT>
+                    <a:lnB w="12700" cap="flat" cmpd="sng" algn="ctr">
+                      <a:solidFill>
+                        <a:schemeClr val="tx1"/>
+                      </a:solidFill>
+                      <a:prstDash val="solid"/>
+                      <a:round/>
+                      <a:headEnd type="none" w="med" len="med"/>
+                      <a:tailEnd type="none" w="med" len="med"/>
+                    </a:lnB>
+                    <a:noFill/>
+                  </a:tcPr>
+                </a:tc>
+                <a:tc>
+                  <a:txBody>
+                    <a:bodyPr/>
+                    <a:lstStyle/>
+                    <a:p>
+                      <a:r>
+                        <a:rPr lang="en-US" altLang="zh-CN" dirty="0"/>
+                        <a:t>1</a:t>
+                      </a:r>
+                      <a:endParaRPr lang="zh-CN" altLang="en-US" dirty="0"/>
+                    </a:p>
+                  </a:txBody>
+                  <a:tcPr>
+                    <a:lnL w="12700" cap="flat" cmpd="sng" algn="ctr">
+                      <a:solidFill>
+                        <a:schemeClr val="tx1"/>
+                      </a:solidFill>
+                      <a:prstDash val="solid"/>
+                      <a:round/>
+                      <a:headEnd type="none" w="med" len="med"/>
+                      <a:tailEnd type="none" w="med" len="med"/>
+                    </a:lnL>
+                    <a:lnR w="12700" cap="flat" cmpd="sng" algn="ctr">
+                      <a:solidFill>
+                        <a:schemeClr val="tx1"/>
+                      </a:solidFill>
+                      <a:prstDash val="solid"/>
+                      <a:round/>
+                      <a:headEnd type="none" w="med" len="med"/>
+                      <a:tailEnd type="none" w="med" len="med"/>
+                    </a:lnR>
+                    <a:lnT w="12700" cap="flat" cmpd="sng" algn="ctr">
+                      <a:solidFill>
+                        <a:schemeClr val="tx1"/>
+                      </a:solidFill>
+                      <a:prstDash val="solid"/>
+                      <a:round/>
+                      <a:headEnd type="none" w="med" len="med"/>
+                      <a:tailEnd type="none" w="med" len="med"/>
+                    </a:lnT>
+                    <a:lnB w="12700" cap="flat" cmpd="sng" algn="ctr">
+                      <a:solidFill>
+                        <a:schemeClr val="tx1"/>
+                      </a:solidFill>
+                      <a:prstDash val="solid"/>
+                      <a:round/>
+                      <a:headEnd type="none" w="med" len="med"/>
+                      <a:tailEnd type="none" w="med" len="med"/>
+                    </a:lnB>
+                    <a:noFill/>
+                  </a:tcPr>
+                </a:tc>
+                <a:tc>
+                  <a:txBody>
+                    <a:bodyPr/>
+                    <a:lstStyle/>
+                    <a:p>
+                      <a:r>
+                        <a:rPr lang="en-US" altLang="zh-CN" dirty="0"/>
+                        <a:t>1</a:t>
+                      </a:r>
+                      <a:endParaRPr lang="zh-CN" altLang="en-US" dirty="0"/>
+                    </a:p>
+                  </a:txBody>
+                  <a:tcPr>
+                    <a:lnL w="12700" cap="flat" cmpd="sng" algn="ctr">
+                      <a:solidFill>
+                        <a:schemeClr val="tx1"/>
+                      </a:solidFill>
+                      <a:prstDash val="solid"/>
+                      <a:round/>
+                      <a:headEnd type="none" w="med" len="med"/>
+                      <a:tailEnd type="none" w="med" len="med"/>
+                    </a:lnL>
+                    <a:lnR w="12700" cap="flat" cmpd="sng" algn="ctr">
+                      <a:solidFill>
+                        <a:schemeClr val="tx1"/>
+                      </a:solidFill>
+                      <a:prstDash val="solid"/>
+                      <a:round/>
+                      <a:headEnd type="none" w="med" len="med"/>
+                      <a:tailEnd type="none" w="med" len="med"/>
+                    </a:lnR>
+                    <a:lnT w="12700" cap="flat" cmpd="sng" algn="ctr">
+                      <a:solidFill>
+                        <a:schemeClr val="tx1"/>
+                      </a:solidFill>
+                      <a:prstDash val="solid"/>
+                      <a:round/>
+                      <a:headEnd type="none" w="med" len="med"/>
+                      <a:tailEnd type="none" w="med" len="med"/>
+                    </a:lnT>
+                    <a:lnB w="12700" cap="flat" cmpd="sng" algn="ctr">
+                      <a:solidFill>
+                        <a:schemeClr val="tx1"/>
+                      </a:solidFill>
+                      <a:prstDash val="solid"/>
+                      <a:round/>
+                      <a:headEnd type="none" w="med" len="med"/>
+                      <a:tailEnd type="none" w="med" len="med"/>
+                    </a:lnB>
+                    <a:noFill/>
+                  </a:tcPr>
+                </a:tc>
+                <a:tc>
+                  <a:txBody>
+                    <a:bodyPr/>
+                    <a:lstStyle/>
+                    <a:p>
+                      <a:r>
+                        <a:rPr lang="en-US" altLang="zh-CN" dirty="0"/>
+                        <a:t>1</a:t>
+                      </a:r>
+                      <a:endParaRPr lang="zh-CN" altLang="en-US" dirty="0"/>
+                    </a:p>
+                  </a:txBody>
+                  <a:tcPr>
+                    <a:lnL w="12700" cap="flat" cmpd="sng" algn="ctr">
+                      <a:solidFill>
+                        <a:schemeClr val="tx1"/>
+                      </a:solidFill>
+                      <a:prstDash val="solid"/>
+                      <a:round/>
+                      <a:headEnd type="none" w="med" len="med"/>
+                      <a:tailEnd type="none" w="med" len="med"/>
+                    </a:lnL>
+                    <a:lnR w="12700" cap="flat" cmpd="sng" algn="ctr">
+                      <a:solidFill>
+                        <a:schemeClr val="tx1"/>
+                      </a:solidFill>
+                      <a:prstDash val="solid"/>
+                      <a:round/>
+                      <a:headEnd type="none" w="med" len="med"/>
+                      <a:tailEnd type="none" w="med" len="med"/>
+                    </a:lnR>
+                    <a:lnT w="12700" cap="flat" cmpd="sng" algn="ctr">
+                      <a:solidFill>
+                        <a:schemeClr val="tx1"/>
+                      </a:solidFill>
+                      <a:prstDash val="solid"/>
+                      <a:round/>
+                      <a:headEnd type="none" w="med" len="med"/>
+                      <a:tailEnd type="none" w="med" len="med"/>
+                    </a:lnT>
+                    <a:lnB w="12700" cap="flat" cmpd="sng" algn="ctr">
+                      <a:solidFill>
+                        <a:schemeClr val="tx1"/>
+                      </a:solidFill>
+                      <a:prstDash val="solid"/>
+                      <a:round/>
+                      <a:headEnd type="none" w="med" len="med"/>
+                      <a:tailEnd type="none" w="med" len="med"/>
+                    </a:lnB>
+                    <a:noFill/>
+                  </a:tcPr>
+                </a:tc>
+                <a:tc>
+                  <a:txBody>
+                    <a:bodyPr/>
+                    <a:lstStyle/>
+                    <a:p>
+                      <a:r>
+                        <a:rPr lang="en-US" altLang="zh-CN" dirty="0"/>
+                        <a:t>1</a:t>
+                      </a:r>
+                      <a:endParaRPr lang="zh-CN" altLang="en-US" dirty="0"/>
+                    </a:p>
+                  </a:txBody>
+                  <a:tcPr>
+                    <a:lnL w="12700" cap="flat" cmpd="sng" algn="ctr">
+                      <a:solidFill>
+                        <a:schemeClr val="tx1"/>
+                      </a:solidFill>
+                      <a:prstDash val="solid"/>
+                      <a:round/>
+                      <a:headEnd type="none" w="med" len="med"/>
+                      <a:tailEnd type="none" w="med" len="med"/>
+                    </a:lnL>
+                    <a:lnR w="12700" cap="flat" cmpd="sng" algn="ctr">
+                      <a:solidFill>
+                        <a:schemeClr val="tx1"/>
+                      </a:solidFill>
+                      <a:prstDash val="solid"/>
+                      <a:round/>
+                      <a:headEnd type="none" w="med" len="med"/>
+                      <a:tailEnd type="none" w="med" len="med"/>
+                    </a:lnR>
+                    <a:lnT w="12700" cap="flat" cmpd="sng" algn="ctr">
+                      <a:solidFill>
+                        <a:schemeClr val="tx1"/>
+                      </a:solidFill>
+                      <a:prstDash val="solid"/>
+                      <a:round/>
+                      <a:headEnd type="none" w="med" len="med"/>
+                      <a:tailEnd type="none" w="med" len="med"/>
+                    </a:lnT>
+                    <a:lnB w="12700" cap="flat" cmpd="sng" algn="ctr">
+                      <a:solidFill>
+                        <a:schemeClr val="tx1"/>
+                      </a:solidFill>
+                      <a:prstDash val="solid"/>
+                      <a:round/>
+                      <a:headEnd type="none" w="med" len="med"/>
+                      <a:tailEnd type="none" w="med" len="med"/>
+                    </a:lnB>
+                    <a:noFill/>
+                  </a:tcPr>
+                </a:tc>
+                <a:tc>
+                  <a:txBody>
+                    <a:bodyPr/>
+                    <a:lstStyle/>
+                    <a:p>
+                      <a:r>
+                        <a:rPr lang="en-US" altLang="zh-CN" dirty="0"/>
+                        <a:t>1</a:t>
+                      </a:r>
+                      <a:endParaRPr lang="zh-CN" altLang="en-US" dirty="0"/>
+                    </a:p>
+                  </a:txBody>
+                  <a:tcPr>
+                    <a:lnL w="12700" cap="flat" cmpd="sng" algn="ctr">
+                      <a:solidFill>
+                        <a:schemeClr val="tx1"/>
+                      </a:solidFill>
+                      <a:prstDash val="solid"/>
+                      <a:round/>
+                      <a:headEnd type="none" w="med" len="med"/>
+                      <a:tailEnd type="none" w="med" len="med"/>
+                    </a:lnL>
+                    <a:lnR w="12700" cap="flat" cmpd="sng" algn="ctr">
+                      <a:solidFill>
+                        <a:schemeClr val="tx1"/>
+                      </a:solidFill>
+                      <a:prstDash val="solid"/>
+                      <a:round/>
+                      <a:headEnd type="none" w="med" len="med"/>
+                      <a:tailEnd type="none" w="med" len="med"/>
+                    </a:lnR>
+                    <a:lnT w="12700" cap="flat" cmpd="sng" algn="ctr">
+                      <a:solidFill>
+                        <a:schemeClr val="tx1"/>
+                      </a:solidFill>
+                      <a:prstDash val="solid"/>
+                      <a:round/>
+                      <a:headEnd type="none" w="med" len="med"/>
+                      <a:tailEnd type="none" w="med" len="med"/>
+                    </a:lnT>
+                    <a:lnB w="12700" cap="flat" cmpd="sng" algn="ctr">
+                      <a:solidFill>
+                        <a:schemeClr val="tx1"/>
+                      </a:solidFill>
+                      <a:prstDash val="solid"/>
+                      <a:round/>
+                      <a:headEnd type="none" w="med" len="med"/>
+                      <a:tailEnd type="none" w="med" len="med"/>
+                    </a:lnB>
+                    <a:noFill/>
+                  </a:tcPr>
+                </a:tc>
+                <a:tc>
+                  <a:txBody>
+                    <a:bodyPr/>
+                    <a:lstStyle/>
+                    <a:p>
+                      <a:r>
+                        <a:rPr lang="en-US" altLang="zh-CN" dirty="0"/>
+                        <a:t>1</a:t>
+                      </a:r>
+                      <a:endParaRPr lang="zh-CN" altLang="en-US" dirty="0"/>
+                    </a:p>
+                  </a:txBody>
+                  <a:tcPr>
+                    <a:lnL w="12700" cap="flat" cmpd="sng" algn="ctr">
+                      <a:solidFill>
+                        <a:schemeClr val="tx1"/>
+                      </a:solidFill>
+                      <a:prstDash val="solid"/>
+                      <a:round/>
+                      <a:headEnd type="none" w="med" len="med"/>
+                      <a:tailEnd type="none" w="med" len="med"/>
+                    </a:lnL>
+                    <a:lnR w="12700" cap="flat" cmpd="sng" algn="ctr">
+                      <a:solidFill>
+                        <a:schemeClr val="tx1"/>
+                      </a:solidFill>
+                      <a:prstDash val="solid"/>
+                      <a:round/>
+                      <a:headEnd type="none" w="med" len="med"/>
+                      <a:tailEnd type="none" w="med" len="med"/>
+                    </a:lnR>
+                    <a:lnT w="12700" cap="flat" cmpd="sng" algn="ctr">
+                      <a:solidFill>
+                        <a:schemeClr val="tx1"/>
+                      </a:solidFill>
+                      <a:prstDash val="solid"/>
+                      <a:round/>
+                      <a:headEnd type="none" w="med" len="med"/>
+                      <a:tailEnd type="none" w="med" len="med"/>
+                    </a:lnT>
+                    <a:lnB w="12700" cap="flat" cmpd="sng" algn="ctr">
+                      <a:solidFill>
+                        <a:schemeClr val="tx1"/>
+                      </a:solidFill>
+                      <a:prstDash val="solid"/>
+                      <a:round/>
+                      <a:headEnd type="none" w="med" len="med"/>
+                      <a:tailEnd type="none" w="med" len="med"/>
+                    </a:lnB>
+                    <a:noFill/>
+                  </a:tcPr>
+                </a:tc>
+                <a:extLst>
+                  <a:ext uri="{0D108BD9-81ED-4DB2-BD59-A6C34878D82A}">
+                    <a16:rowId xmlns:a16="http://schemas.microsoft.com/office/drawing/2014/main" val="1104079492"/>
+                  </a:ext>
+                </a:extLst>
+              </a:tr>
+              <a:tr h="370840">
+                <a:tc>
+                  <a:txBody>
+                    <a:bodyPr/>
+                    <a:lstStyle/>
+                    <a:p>
+                      <a:endParaRPr lang="zh-CN" altLang="en-US"/>
+                    </a:p>
+                  </a:txBody>
+                  <a:tcPr>
+                    <a:lnL w="12700" cap="flat" cmpd="sng" algn="ctr">
+                      <a:solidFill>
+                        <a:schemeClr val="tx1"/>
+                      </a:solidFill>
+                      <a:prstDash val="solid"/>
+                      <a:round/>
+                      <a:headEnd type="none" w="med" len="med"/>
+                      <a:tailEnd type="none" w="med" len="med"/>
+                    </a:lnL>
+                    <a:lnR w="12700" cap="flat" cmpd="sng" algn="ctr">
+                      <a:solidFill>
+                        <a:schemeClr val="tx1"/>
+                      </a:solidFill>
+                      <a:prstDash val="solid"/>
+                      <a:round/>
+                      <a:headEnd type="none" w="med" len="med"/>
+                      <a:tailEnd type="none" w="med" len="med"/>
+                    </a:lnR>
+                    <a:lnT w="12700" cap="flat" cmpd="sng" algn="ctr">
+                      <a:solidFill>
+                        <a:schemeClr val="tx1"/>
+                      </a:solidFill>
+                      <a:prstDash val="solid"/>
+                      <a:round/>
+                      <a:headEnd type="none" w="med" len="med"/>
+                      <a:tailEnd type="none" w="med" len="med"/>
+                    </a:lnT>
+                    <a:lnB w="12700" cap="flat" cmpd="sng" algn="ctr">
+                      <a:solidFill>
+                        <a:schemeClr val="tx1"/>
+                      </a:solidFill>
+                      <a:prstDash val="solid"/>
+                      <a:round/>
+                      <a:headEnd type="none" w="med" len="med"/>
+                      <a:tailEnd type="none" w="med" len="med"/>
+                    </a:lnB>
+                    <a:noFill/>
+                  </a:tcPr>
+                </a:tc>
+                <a:tc>
+                  <a:txBody>
+                    <a:bodyPr/>
+                    <a:lstStyle/>
+                    <a:p>
+                      <a:r>
+                        <a:rPr lang="en-US" altLang="zh-CN" dirty="0"/>
+                        <a:t>1</a:t>
+                      </a:r>
+                      <a:endParaRPr lang="zh-CN" altLang="en-US" dirty="0"/>
+                    </a:p>
+                  </a:txBody>
+                  <a:tcPr>
+                    <a:lnL w="12700" cap="flat" cmpd="sng" algn="ctr">
+                      <a:solidFill>
+                        <a:schemeClr val="tx1"/>
+                      </a:solidFill>
+                      <a:prstDash val="solid"/>
+                      <a:round/>
+                      <a:headEnd type="none" w="med" len="med"/>
+                      <a:tailEnd type="none" w="med" len="med"/>
+                    </a:lnL>
+                    <a:lnR w="12700" cap="flat" cmpd="sng" algn="ctr">
+                      <a:solidFill>
+                        <a:schemeClr val="tx1"/>
+                      </a:solidFill>
+                      <a:prstDash val="solid"/>
+                      <a:round/>
+                      <a:headEnd type="none" w="med" len="med"/>
+                      <a:tailEnd type="none" w="med" len="med"/>
+                    </a:lnR>
+                    <a:lnT w="12700" cap="flat" cmpd="sng" algn="ctr">
+                      <a:solidFill>
+                        <a:schemeClr val="tx1"/>
+                      </a:solidFill>
+                      <a:prstDash val="solid"/>
+                      <a:round/>
+                      <a:headEnd type="none" w="med" len="med"/>
+                      <a:tailEnd type="none" w="med" len="med"/>
+                    </a:lnT>
+                    <a:lnB w="12700" cap="flat" cmpd="sng" algn="ctr">
+                      <a:solidFill>
+                        <a:schemeClr val="tx1"/>
+                      </a:solidFill>
+                      <a:prstDash val="solid"/>
+                      <a:round/>
+                      <a:headEnd type="none" w="med" len="med"/>
+                      <a:tailEnd type="none" w="med" len="med"/>
+                    </a:lnB>
+                    <a:noFill/>
+                  </a:tcPr>
+                </a:tc>
+                <a:tc>
+                  <a:txBody>
+                    <a:bodyPr/>
+                    <a:lstStyle/>
+                    <a:p>
+                      <a:r>
+                        <a:rPr lang="en-US" altLang="zh-CN" dirty="0"/>
+                        <a:t>1</a:t>
+                      </a:r>
+                      <a:endParaRPr lang="zh-CN" altLang="en-US" dirty="0"/>
+                    </a:p>
+                  </a:txBody>
+                  <a:tcPr>
+                    <a:lnL w="12700" cap="flat" cmpd="sng" algn="ctr">
+                      <a:solidFill>
+                        <a:schemeClr val="tx1"/>
+                      </a:solidFill>
+                      <a:prstDash val="solid"/>
+                      <a:round/>
+                      <a:headEnd type="none" w="med" len="med"/>
+                      <a:tailEnd type="none" w="med" len="med"/>
+                    </a:lnL>
+                    <a:lnR w="12700" cap="flat" cmpd="sng" algn="ctr">
+                      <a:solidFill>
+                        <a:schemeClr val="tx1"/>
+                      </a:solidFill>
+                      <a:prstDash val="solid"/>
+                      <a:round/>
+                      <a:headEnd type="none" w="med" len="med"/>
+                      <a:tailEnd type="none" w="med" len="med"/>
+                    </a:lnR>
+                    <a:lnT w="12700" cap="flat" cmpd="sng" algn="ctr">
+                      <a:solidFill>
+                        <a:schemeClr val="tx1"/>
+                      </a:solidFill>
+                      <a:prstDash val="solid"/>
+                      <a:round/>
+                      <a:headEnd type="none" w="med" len="med"/>
+                      <a:tailEnd type="none" w="med" len="med"/>
+                    </a:lnT>
+                    <a:lnB w="12700" cap="flat" cmpd="sng" algn="ctr">
+                      <a:solidFill>
+                        <a:schemeClr val="tx1"/>
+                      </a:solidFill>
+                      <a:prstDash val="solid"/>
+                      <a:round/>
+                      <a:headEnd type="none" w="med" len="med"/>
+                      <a:tailEnd type="none" w="med" len="med"/>
+                    </a:lnB>
+                    <a:noFill/>
+                  </a:tcPr>
+                </a:tc>
+                <a:tc>
+                  <a:txBody>
+                    <a:bodyPr/>
+                    <a:lstStyle/>
+                    <a:p>
+                      <a:r>
+                        <a:rPr lang="en-US" altLang="zh-CN" dirty="0"/>
+                        <a:t>1</a:t>
+                      </a:r>
+                      <a:endParaRPr lang="zh-CN" altLang="en-US" dirty="0"/>
+                    </a:p>
+                  </a:txBody>
+                  <a:tcPr>
+                    <a:lnL w="12700" cap="flat" cmpd="sng" algn="ctr">
+                      <a:solidFill>
+                        <a:schemeClr val="tx1"/>
+                      </a:solidFill>
+                      <a:prstDash val="solid"/>
+                      <a:round/>
+                      <a:headEnd type="none" w="med" len="med"/>
+                      <a:tailEnd type="none" w="med" len="med"/>
+                    </a:lnL>
+                    <a:lnR w="12700" cap="flat" cmpd="sng" algn="ctr">
+                      <a:solidFill>
+                        <a:schemeClr val="tx1"/>
+                      </a:solidFill>
+                      <a:prstDash val="solid"/>
+                      <a:round/>
+                      <a:headEnd type="none" w="med" len="med"/>
+                      <a:tailEnd type="none" w="med" len="med"/>
+                    </a:lnR>
+                    <a:lnT w="12700" cap="flat" cmpd="sng" algn="ctr">
+                      <a:solidFill>
+                        <a:schemeClr val="tx1"/>
+                      </a:solidFill>
+                      <a:prstDash val="solid"/>
+                      <a:round/>
+                      <a:headEnd type="none" w="med" len="med"/>
+                      <a:tailEnd type="none" w="med" len="med"/>
+                    </a:lnT>
+                    <a:lnB w="12700" cap="flat" cmpd="sng" algn="ctr">
+                      <a:solidFill>
+                        <a:schemeClr val="tx1"/>
+                      </a:solidFill>
+                      <a:prstDash val="solid"/>
+                      <a:round/>
+                      <a:headEnd type="none" w="med" len="med"/>
+                      <a:tailEnd type="none" w="med" len="med"/>
+                    </a:lnB>
+                    <a:noFill/>
+                  </a:tcPr>
+                </a:tc>
+                <a:tc>
+                  <a:txBody>
+                    <a:bodyPr/>
+                    <a:lstStyle/>
+                    <a:p>
+                      <a:r>
+                        <a:rPr lang="en-US" altLang="zh-CN" dirty="0"/>
+                        <a:t>1</a:t>
+                      </a:r>
+                      <a:endParaRPr lang="zh-CN" altLang="en-US" dirty="0"/>
+                    </a:p>
+                  </a:txBody>
+                  <a:tcPr>
+                    <a:lnL w="12700" cap="flat" cmpd="sng" algn="ctr">
+                      <a:solidFill>
+                        <a:schemeClr val="tx1"/>
+                      </a:solidFill>
+                      <a:prstDash val="solid"/>
+                      <a:round/>
+                      <a:headEnd type="none" w="med" len="med"/>
+                      <a:tailEnd type="none" w="med" len="med"/>
+                    </a:lnL>
+                    <a:lnR w="12700" cap="flat" cmpd="sng" algn="ctr">
+                      <a:solidFill>
+                        <a:schemeClr val="tx1"/>
+                      </a:solidFill>
+                      <a:prstDash val="solid"/>
+                      <a:round/>
+                      <a:headEnd type="none" w="med" len="med"/>
+                      <a:tailEnd type="none" w="med" len="med"/>
+                    </a:lnR>
+                    <a:lnT w="12700" cap="flat" cmpd="sng" algn="ctr">
+                      <a:solidFill>
+                        <a:schemeClr val="tx1"/>
+                      </a:solidFill>
+                      <a:prstDash val="solid"/>
+                      <a:round/>
+                      <a:headEnd type="none" w="med" len="med"/>
+                      <a:tailEnd type="none" w="med" len="med"/>
+                    </a:lnT>
+                    <a:lnB w="12700" cap="flat" cmpd="sng" algn="ctr">
+                      <a:solidFill>
+                        <a:schemeClr val="tx1"/>
+                      </a:solidFill>
+                      <a:prstDash val="solid"/>
+                      <a:round/>
+                      <a:headEnd type="none" w="med" len="med"/>
+                      <a:tailEnd type="none" w="med" len="med"/>
+                    </a:lnB>
+                    <a:noFill/>
+                  </a:tcPr>
+                </a:tc>
+                <a:tc>
+                  <a:txBody>
+                    <a:bodyPr/>
+                    <a:lstStyle/>
+                    <a:p>
+                      <a:r>
+                        <a:rPr lang="en-US" altLang="zh-CN" dirty="0"/>
+                        <a:t>1</a:t>
+                      </a:r>
+                      <a:endParaRPr lang="zh-CN" altLang="en-US" dirty="0"/>
+                    </a:p>
+                  </a:txBody>
+                  <a:tcPr>
+                    <a:lnL w="12700" cap="flat" cmpd="sng" algn="ctr">
+                      <a:solidFill>
+                        <a:schemeClr val="tx1"/>
+                      </a:solidFill>
+                      <a:prstDash val="solid"/>
+                      <a:round/>
+                      <a:headEnd type="none" w="med" len="med"/>
+                      <a:tailEnd type="none" w="med" len="med"/>
+                    </a:lnL>
+                    <a:lnR w="12700" cap="flat" cmpd="sng" algn="ctr">
+                      <a:solidFill>
+                        <a:schemeClr val="tx1"/>
+                      </a:solidFill>
+                      <a:prstDash val="solid"/>
+                      <a:round/>
+                      <a:headEnd type="none" w="med" len="med"/>
+                      <a:tailEnd type="none" w="med" len="med"/>
+                    </a:lnR>
+                    <a:lnT w="12700" cap="flat" cmpd="sng" algn="ctr">
+                      <a:solidFill>
+                        <a:schemeClr val="tx1"/>
+                      </a:solidFill>
+                      <a:prstDash val="solid"/>
+                      <a:round/>
+                      <a:headEnd type="none" w="med" len="med"/>
+                      <a:tailEnd type="none" w="med" len="med"/>
+                    </a:lnT>
+                    <a:lnB w="12700" cap="flat" cmpd="sng" algn="ctr">
+                      <a:solidFill>
+                        <a:schemeClr val="tx1"/>
+                      </a:solidFill>
+                      <a:prstDash val="solid"/>
+                      <a:round/>
+                      <a:headEnd type="none" w="med" len="med"/>
+                      <a:tailEnd type="none" w="med" len="med"/>
+                    </a:lnB>
+                    <a:noFill/>
+                  </a:tcPr>
+                </a:tc>
+                <a:tc>
+                  <a:txBody>
+                    <a:bodyPr/>
+                    <a:lstStyle/>
+                    <a:p>
+                      <a:endParaRPr lang="zh-CN" altLang="en-US"/>
+                    </a:p>
+                  </a:txBody>
+                  <a:tcPr>
+                    <a:lnL w="12700" cap="flat" cmpd="sng" algn="ctr">
+                      <a:solidFill>
+                        <a:schemeClr val="tx1"/>
+                      </a:solidFill>
+                      <a:prstDash val="solid"/>
+                      <a:round/>
+                      <a:headEnd type="none" w="med" len="med"/>
+                      <a:tailEnd type="none" w="med" len="med"/>
+                    </a:lnL>
+                    <a:lnR w="12700" cap="flat" cmpd="sng" algn="ctr">
+                      <a:solidFill>
+                        <a:schemeClr val="tx1"/>
+                      </a:solidFill>
+                      <a:prstDash val="solid"/>
+                      <a:round/>
+                      <a:headEnd type="none" w="med" len="med"/>
+                      <a:tailEnd type="none" w="med" len="med"/>
+                    </a:lnR>
+                    <a:lnT w="12700" cap="flat" cmpd="sng" algn="ctr">
+                      <a:solidFill>
+                        <a:schemeClr val="tx1"/>
+                      </a:solidFill>
+                      <a:prstDash val="solid"/>
+                      <a:round/>
+                      <a:headEnd type="none" w="med" len="med"/>
+                      <a:tailEnd type="none" w="med" len="med"/>
+                    </a:lnT>
+                    <a:lnB w="12700" cap="flat" cmpd="sng" algn="ctr">
+                      <a:solidFill>
+                        <a:schemeClr val="tx1"/>
+                      </a:solidFill>
+                      <a:prstDash val="solid"/>
+                      <a:round/>
+                      <a:headEnd type="none" w="med" len="med"/>
+                      <a:tailEnd type="none" w="med" len="med"/>
+                    </a:lnB>
+                    <a:noFill/>
+                  </a:tcPr>
+                </a:tc>
+                <a:extLst>
+                  <a:ext uri="{0D108BD9-81ED-4DB2-BD59-A6C34878D82A}">
+                    <a16:rowId xmlns:a16="http://schemas.microsoft.com/office/drawing/2014/main" val="668777520"/>
+                  </a:ext>
+                </a:extLst>
+              </a:tr>
+              <a:tr h="370840">
+                <a:tc>
+                  <a:txBody>
+                    <a:bodyPr/>
+                    <a:lstStyle/>
+                    <a:p>
+                      <a:endParaRPr lang="zh-CN" altLang="en-US"/>
+                    </a:p>
+                  </a:txBody>
+                  <a:tcPr>
+                    <a:lnL w="12700" cap="flat" cmpd="sng" algn="ctr">
+                      <a:solidFill>
+                        <a:schemeClr val="tx1"/>
+                      </a:solidFill>
+                      <a:prstDash val="solid"/>
+                      <a:round/>
+                      <a:headEnd type="none" w="med" len="med"/>
+                      <a:tailEnd type="none" w="med" len="med"/>
+                    </a:lnL>
+                    <a:lnR w="12700" cap="flat" cmpd="sng" algn="ctr">
+                      <a:solidFill>
+                        <a:schemeClr val="tx1"/>
+                      </a:solidFill>
+                      <a:prstDash val="solid"/>
+                      <a:round/>
+                      <a:headEnd type="none" w="med" len="med"/>
+                      <a:tailEnd type="none" w="med" len="med"/>
+                    </a:lnR>
+                    <a:lnT w="12700" cap="flat" cmpd="sng" algn="ctr">
+                      <a:solidFill>
+                        <a:schemeClr val="tx1"/>
+                      </a:solidFill>
+                      <a:prstDash val="solid"/>
+                      <a:round/>
+                      <a:headEnd type="none" w="med" len="med"/>
+                      <a:tailEnd type="none" w="med" len="med"/>
+                    </a:lnT>
+                    <a:lnB w="12700" cap="flat" cmpd="sng" algn="ctr">
+                      <a:solidFill>
+                        <a:schemeClr val="tx1"/>
+                      </a:solidFill>
+                      <a:prstDash val="solid"/>
+                      <a:round/>
+                      <a:headEnd type="none" w="med" len="med"/>
+                      <a:tailEnd type="none" w="med" len="med"/>
+                    </a:lnB>
+                    <a:noFill/>
+                  </a:tcPr>
+                </a:tc>
+                <a:tc>
+                  <a:txBody>
+                    <a:bodyPr/>
+                    <a:lstStyle/>
+                    <a:p>
+                      <a:endParaRPr lang="zh-CN" altLang="en-US"/>
+                    </a:p>
+                  </a:txBody>
+                  <a:tcPr>
+                    <a:lnL w="12700" cap="flat" cmpd="sng" algn="ctr">
+                      <a:solidFill>
+                        <a:schemeClr val="tx1"/>
+                      </a:solidFill>
+                      <a:prstDash val="solid"/>
+                      <a:round/>
+                      <a:headEnd type="none" w="med" len="med"/>
+                      <a:tailEnd type="none" w="med" len="med"/>
+                    </a:lnL>
+                    <a:lnR w="12700" cap="flat" cmpd="sng" algn="ctr">
+                      <a:solidFill>
+                        <a:schemeClr val="tx1"/>
+                      </a:solidFill>
+                      <a:prstDash val="solid"/>
+                      <a:round/>
+                      <a:headEnd type="none" w="med" len="med"/>
+                      <a:tailEnd type="none" w="med" len="med"/>
+                    </a:lnR>
+                    <a:lnT w="12700" cap="flat" cmpd="sng" algn="ctr">
+                      <a:solidFill>
+                        <a:schemeClr val="tx1"/>
+                      </a:solidFill>
+                      <a:prstDash val="solid"/>
+                      <a:round/>
+                      <a:headEnd type="none" w="med" len="med"/>
+                      <a:tailEnd type="none" w="med" len="med"/>
+                    </a:lnT>
+                    <a:lnB w="12700" cap="flat" cmpd="sng" algn="ctr">
+                      <a:solidFill>
+                        <a:schemeClr val="tx1"/>
+                      </a:solidFill>
+                      <a:prstDash val="solid"/>
+                      <a:round/>
+                      <a:headEnd type="none" w="med" len="med"/>
+                      <a:tailEnd type="none" w="med" len="med"/>
+                    </a:lnB>
+                    <a:noFill/>
+                  </a:tcPr>
+                </a:tc>
+                <a:tc>
+                  <a:txBody>
+                    <a:bodyPr/>
+                    <a:lstStyle/>
+                    <a:p>
+                      <a:r>
+                        <a:rPr lang="en-US" altLang="zh-CN" dirty="0"/>
+                        <a:t>1</a:t>
+                      </a:r>
+                      <a:endParaRPr lang="zh-CN" altLang="en-US" dirty="0"/>
+                    </a:p>
+                  </a:txBody>
+                  <a:tcPr>
+                    <a:lnL w="12700" cap="flat" cmpd="sng" algn="ctr">
+                      <a:solidFill>
+                        <a:schemeClr val="tx1"/>
+                      </a:solidFill>
+                      <a:prstDash val="solid"/>
+                      <a:round/>
+                      <a:headEnd type="none" w="med" len="med"/>
+                      <a:tailEnd type="none" w="med" len="med"/>
+                    </a:lnL>
+                    <a:lnR w="12700" cap="flat" cmpd="sng" algn="ctr">
+                      <a:solidFill>
+                        <a:schemeClr val="tx1"/>
+                      </a:solidFill>
+                      <a:prstDash val="solid"/>
+                      <a:round/>
+                      <a:headEnd type="none" w="med" len="med"/>
+                      <a:tailEnd type="none" w="med" len="med"/>
+                    </a:lnR>
+                    <a:lnT w="12700" cap="flat" cmpd="sng" algn="ctr">
+                      <a:solidFill>
+                        <a:schemeClr val="tx1"/>
+                      </a:solidFill>
+                      <a:prstDash val="solid"/>
+                      <a:round/>
+                      <a:headEnd type="none" w="med" len="med"/>
+                      <a:tailEnd type="none" w="med" len="med"/>
+                    </a:lnT>
+                    <a:lnB w="12700" cap="flat" cmpd="sng" algn="ctr">
+                      <a:solidFill>
+                        <a:schemeClr val="tx1"/>
+                      </a:solidFill>
+                      <a:prstDash val="solid"/>
+                      <a:round/>
+                      <a:headEnd type="none" w="med" len="med"/>
+                      <a:tailEnd type="none" w="med" len="med"/>
+                    </a:lnB>
+                    <a:noFill/>
+                  </a:tcPr>
+                </a:tc>
+                <a:tc>
+                  <a:txBody>
+                    <a:bodyPr/>
+                    <a:lstStyle/>
+                    <a:p>
+                      <a:r>
+                        <a:rPr lang="en-US" altLang="zh-CN" dirty="0"/>
+                        <a:t>1</a:t>
+                      </a:r>
+                      <a:endParaRPr lang="zh-CN" altLang="en-US" dirty="0"/>
+                    </a:p>
+                  </a:txBody>
+                  <a:tcPr>
+                    <a:lnL w="12700" cap="flat" cmpd="sng" algn="ctr">
+                      <a:solidFill>
+                        <a:schemeClr val="tx1"/>
+                      </a:solidFill>
+                      <a:prstDash val="solid"/>
+                      <a:round/>
+                      <a:headEnd type="none" w="med" len="med"/>
+                      <a:tailEnd type="none" w="med" len="med"/>
+                    </a:lnL>
+                    <a:lnR w="12700" cap="flat" cmpd="sng" algn="ctr">
+                      <a:solidFill>
+                        <a:schemeClr val="tx1"/>
+                      </a:solidFill>
+                      <a:prstDash val="solid"/>
+                      <a:round/>
+                      <a:headEnd type="none" w="med" len="med"/>
+                      <a:tailEnd type="none" w="med" len="med"/>
+                    </a:lnR>
+                    <a:lnT w="12700" cap="flat" cmpd="sng" algn="ctr">
+                      <a:solidFill>
+                        <a:schemeClr val="tx1"/>
+                      </a:solidFill>
+                      <a:prstDash val="solid"/>
+                      <a:round/>
+                      <a:headEnd type="none" w="med" len="med"/>
+                      <a:tailEnd type="none" w="med" len="med"/>
+                    </a:lnT>
+                    <a:lnB w="12700" cap="flat" cmpd="sng" algn="ctr">
+                      <a:solidFill>
+                        <a:schemeClr val="tx1"/>
+                      </a:solidFill>
+                      <a:prstDash val="solid"/>
+                      <a:round/>
+                      <a:headEnd type="none" w="med" len="med"/>
+                      <a:tailEnd type="none" w="med" len="med"/>
+                    </a:lnB>
+                    <a:noFill/>
+                  </a:tcPr>
+                </a:tc>
+                <a:tc>
+                  <a:txBody>
+                    <a:bodyPr/>
+                    <a:lstStyle/>
+                    <a:p>
+                      <a:r>
+                        <a:rPr lang="en-US" altLang="zh-CN" dirty="0"/>
+                        <a:t>1</a:t>
+                      </a:r>
+                      <a:endParaRPr lang="zh-CN" altLang="en-US" dirty="0"/>
+                    </a:p>
+                  </a:txBody>
+                  <a:tcPr>
+                    <a:lnL w="12700" cap="flat" cmpd="sng" algn="ctr">
+                      <a:solidFill>
+                        <a:schemeClr val="tx1"/>
+                      </a:solidFill>
+                      <a:prstDash val="solid"/>
+                      <a:round/>
+                      <a:headEnd type="none" w="med" len="med"/>
+                      <a:tailEnd type="none" w="med" len="med"/>
+                    </a:lnL>
+                    <a:lnR w="12700" cap="flat" cmpd="sng" algn="ctr">
+                      <a:solidFill>
+                        <a:schemeClr val="tx1"/>
+                      </a:solidFill>
+                      <a:prstDash val="solid"/>
+                      <a:round/>
+                      <a:headEnd type="none" w="med" len="med"/>
+                      <a:tailEnd type="none" w="med" len="med"/>
+                    </a:lnR>
+                    <a:lnT w="12700" cap="flat" cmpd="sng" algn="ctr">
+                      <a:solidFill>
+                        <a:schemeClr val="tx1"/>
+                      </a:solidFill>
+                      <a:prstDash val="solid"/>
+                      <a:round/>
+                      <a:headEnd type="none" w="med" len="med"/>
+                      <a:tailEnd type="none" w="med" len="med"/>
+                    </a:lnT>
+                    <a:lnB w="12700" cap="flat" cmpd="sng" algn="ctr">
+                      <a:solidFill>
+                        <a:schemeClr val="tx1"/>
+                      </a:solidFill>
+                      <a:prstDash val="solid"/>
+                      <a:round/>
+                      <a:headEnd type="none" w="med" len="med"/>
+                      <a:tailEnd type="none" w="med" len="med"/>
+                    </a:lnB>
+                    <a:noFill/>
+                  </a:tcPr>
+                </a:tc>
+                <a:tc>
+                  <a:txBody>
+                    <a:bodyPr/>
+                    <a:lstStyle/>
+                    <a:p>
+                      <a:endParaRPr lang="zh-CN" altLang="en-US" dirty="0"/>
+                    </a:p>
+                  </a:txBody>
+                  <a:tcPr>
+                    <a:lnL w="12700" cap="flat" cmpd="sng" algn="ctr">
+                      <a:solidFill>
+                        <a:schemeClr val="tx1"/>
+                      </a:solidFill>
+                      <a:prstDash val="solid"/>
+                      <a:round/>
+                      <a:headEnd type="none" w="med" len="med"/>
+                      <a:tailEnd type="none" w="med" len="med"/>
+                    </a:lnL>
+                    <a:lnR w="12700" cap="flat" cmpd="sng" algn="ctr">
+                      <a:solidFill>
+                        <a:schemeClr val="tx1"/>
+                      </a:solidFill>
+                      <a:prstDash val="solid"/>
+                      <a:round/>
+                      <a:headEnd type="none" w="med" len="med"/>
+                      <a:tailEnd type="none" w="med" len="med"/>
+                    </a:lnR>
+                    <a:lnT w="12700" cap="flat" cmpd="sng" algn="ctr">
+                      <a:solidFill>
+                        <a:schemeClr val="tx1"/>
+                      </a:solidFill>
+                      <a:prstDash val="solid"/>
+                      <a:round/>
+                      <a:headEnd type="none" w="med" len="med"/>
+                      <a:tailEnd type="none" w="med" len="med"/>
+                    </a:lnT>
+                    <a:lnB w="12700" cap="flat" cmpd="sng" algn="ctr">
+                      <a:solidFill>
+                        <a:schemeClr val="tx1"/>
+                      </a:solidFill>
+                      <a:prstDash val="solid"/>
+                      <a:round/>
+                      <a:headEnd type="none" w="med" len="med"/>
+                      <a:tailEnd type="none" w="med" len="med"/>
+                    </a:lnB>
+                    <a:noFill/>
+                  </a:tcPr>
+                </a:tc>
+                <a:tc>
+                  <a:txBody>
+                    <a:bodyPr/>
+                    <a:lstStyle/>
+                    <a:p>
+                      <a:endParaRPr lang="zh-CN" altLang="en-US" dirty="0"/>
+                    </a:p>
+                  </a:txBody>
+                  <a:tcPr>
+                    <a:lnL w="12700" cap="flat" cmpd="sng" algn="ctr">
+                      <a:solidFill>
+                        <a:schemeClr val="tx1"/>
+                      </a:solidFill>
+                      <a:prstDash val="solid"/>
+                      <a:round/>
+                      <a:headEnd type="none" w="med" len="med"/>
+                      <a:tailEnd type="none" w="med" len="med"/>
+                    </a:lnL>
+                    <a:lnR w="12700" cap="flat" cmpd="sng" algn="ctr">
+                      <a:solidFill>
+                        <a:schemeClr val="tx1"/>
+                      </a:solidFill>
+                      <a:prstDash val="solid"/>
+                      <a:round/>
+                      <a:headEnd type="none" w="med" len="med"/>
+                      <a:tailEnd type="none" w="med" len="med"/>
+                    </a:lnR>
+                    <a:lnT w="12700" cap="flat" cmpd="sng" algn="ctr">
+                      <a:solidFill>
+                        <a:schemeClr val="tx1"/>
+                      </a:solidFill>
+                      <a:prstDash val="solid"/>
+                      <a:round/>
+                      <a:headEnd type="none" w="med" len="med"/>
+                      <a:tailEnd type="none" w="med" len="med"/>
+                    </a:lnT>
+                    <a:lnB w="12700" cap="flat" cmpd="sng" algn="ctr">
+                      <a:solidFill>
+                        <a:schemeClr val="tx1"/>
+                      </a:solidFill>
+                      <a:prstDash val="solid"/>
+                      <a:round/>
+                      <a:headEnd type="none" w="med" len="med"/>
+                      <a:tailEnd type="none" w="med" len="med"/>
+                    </a:lnB>
+                    <a:noFill/>
+                  </a:tcPr>
+                </a:tc>
+                <a:extLst>
+                  <a:ext uri="{0D108BD9-81ED-4DB2-BD59-A6C34878D82A}">
+                    <a16:rowId xmlns:a16="http://schemas.microsoft.com/office/drawing/2014/main" val="3448861670"/>
+                  </a:ext>
+                </a:extLst>
+              </a:tr>
+              <a:tr h="370840">
+                <a:tc>
+                  <a:txBody>
+                    <a:bodyPr/>
+                    <a:lstStyle/>
+                    <a:p>
+                      <a:endParaRPr lang="zh-CN" altLang="en-US"/>
+                    </a:p>
+                  </a:txBody>
+                  <a:tcPr>
+                    <a:lnL w="12700" cap="flat" cmpd="sng" algn="ctr">
+                      <a:solidFill>
+                        <a:schemeClr val="tx1"/>
+                      </a:solidFill>
+                      <a:prstDash val="solid"/>
+                      <a:round/>
+                      <a:headEnd type="none" w="med" len="med"/>
+                      <a:tailEnd type="none" w="med" len="med"/>
+                    </a:lnL>
+                    <a:lnR w="12700" cap="flat" cmpd="sng" algn="ctr">
+                      <a:solidFill>
+                        <a:schemeClr val="tx1"/>
+                      </a:solidFill>
+                      <a:prstDash val="solid"/>
+                      <a:round/>
+                      <a:headEnd type="none" w="med" len="med"/>
+                      <a:tailEnd type="none" w="med" len="med"/>
+                    </a:lnR>
+                    <a:lnT w="12700" cap="flat" cmpd="sng" algn="ctr">
+                      <a:solidFill>
+                        <a:schemeClr val="tx1"/>
+                      </a:solidFill>
+                      <a:prstDash val="solid"/>
+                      <a:round/>
+                      <a:headEnd type="none" w="med" len="med"/>
+                      <a:tailEnd type="none" w="med" len="med"/>
+                    </a:lnT>
+                    <a:lnB w="12700" cap="flat" cmpd="sng" algn="ctr">
+                      <a:solidFill>
+                        <a:schemeClr val="tx1"/>
+                      </a:solidFill>
+                      <a:prstDash val="solid"/>
+                      <a:round/>
+                      <a:headEnd type="none" w="med" len="med"/>
+                      <a:tailEnd type="none" w="med" len="med"/>
+                    </a:lnB>
+                    <a:noFill/>
+                  </a:tcPr>
+                </a:tc>
+                <a:tc>
+                  <a:txBody>
+                    <a:bodyPr/>
+                    <a:lstStyle/>
+                    <a:p>
+                      <a:endParaRPr lang="zh-CN" altLang="en-US"/>
+                    </a:p>
+                  </a:txBody>
+                  <a:tcPr>
+                    <a:lnL w="12700" cap="flat" cmpd="sng" algn="ctr">
+                      <a:solidFill>
+                        <a:schemeClr val="tx1"/>
+                      </a:solidFill>
+                      <a:prstDash val="solid"/>
+                      <a:round/>
+                      <a:headEnd type="none" w="med" len="med"/>
+                      <a:tailEnd type="none" w="med" len="med"/>
+                    </a:lnL>
+                    <a:lnR w="12700" cap="flat" cmpd="sng" algn="ctr">
+                      <a:solidFill>
+                        <a:schemeClr val="tx1"/>
+                      </a:solidFill>
+                      <a:prstDash val="solid"/>
+                      <a:round/>
+                      <a:headEnd type="none" w="med" len="med"/>
+                      <a:tailEnd type="none" w="med" len="med"/>
+                    </a:lnR>
+                    <a:lnT w="12700" cap="flat" cmpd="sng" algn="ctr">
+                      <a:solidFill>
+                        <a:schemeClr val="tx1"/>
+                      </a:solidFill>
+                      <a:prstDash val="solid"/>
+                      <a:round/>
+                      <a:headEnd type="none" w="med" len="med"/>
+                      <a:tailEnd type="none" w="med" len="med"/>
+                    </a:lnT>
+                    <a:lnB w="12700" cap="flat" cmpd="sng" algn="ctr">
+                      <a:solidFill>
+                        <a:schemeClr val="tx1"/>
+                      </a:solidFill>
+                      <a:prstDash val="solid"/>
+                      <a:round/>
+                      <a:headEnd type="none" w="med" len="med"/>
+                      <a:tailEnd type="none" w="med" len="med"/>
+                    </a:lnB>
+                    <a:noFill/>
+                  </a:tcPr>
+                </a:tc>
+                <a:tc>
+                  <a:txBody>
+                    <a:bodyPr/>
+                    <a:lstStyle/>
+                    <a:p>
+                      <a:endParaRPr lang="zh-CN" altLang="en-US"/>
+                    </a:p>
+                  </a:txBody>
+                  <a:tcPr>
+                    <a:lnL w="12700" cap="flat" cmpd="sng" algn="ctr">
+                      <a:solidFill>
+                        <a:schemeClr val="tx1"/>
+                      </a:solidFill>
+                      <a:prstDash val="solid"/>
+                      <a:round/>
+                      <a:headEnd type="none" w="med" len="med"/>
+                      <a:tailEnd type="none" w="med" len="med"/>
+                    </a:lnL>
+                    <a:lnR w="12700" cap="flat" cmpd="sng" algn="ctr">
+                      <a:solidFill>
+                        <a:schemeClr val="tx1"/>
+                      </a:solidFill>
+                      <a:prstDash val="solid"/>
+                      <a:round/>
+                      <a:headEnd type="none" w="med" len="med"/>
+                      <a:tailEnd type="none" w="med" len="med"/>
+                    </a:lnR>
+                    <a:lnT w="12700" cap="flat" cmpd="sng" algn="ctr">
+                      <a:solidFill>
+                        <a:schemeClr val="tx1"/>
+                      </a:solidFill>
+                      <a:prstDash val="solid"/>
+                      <a:round/>
+                      <a:headEnd type="none" w="med" len="med"/>
+                      <a:tailEnd type="none" w="med" len="med"/>
+                    </a:lnT>
+                    <a:lnB w="12700" cap="flat" cmpd="sng" algn="ctr">
+                      <a:solidFill>
+                        <a:schemeClr val="tx1"/>
+                      </a:solidFill>
+                      <a:prstDash val="solid"/>
+                      <a:round/>
+                      <a:headEnd type="none" w="med" len="med"/>
+                      <a:tailEnd type="none" w="med" len="med"/>
+                    </a:lnB>
+                    <a:noFill/>
+                  </a:tcPr>
+                </a:tc>
+                <a:tc>
+                  <a:txBody>
+                    <a:bodyPr/>
+                    <a:lstStyle/>
+                    <a:p>
+                      <a:r>
+                        <a:rPr lang="en-US" altLang="zh-CN" dirty="0"/>
+                        <a:t>1</a:t>
+                      </a:r>
+                      <a:endParaRPr lang="zh-CN" altLang="en-US" dirty="0"/>
+                    </a:p>
+                  </a:txBody>
+                  <a:tcPr>
+                    <a:lnL w="12700" cap="flat" cmpd="sng" algn="ctr">
+                      <a:solidFill>
+                        <a:schemeClr val="tx1"/>
+                      </a:solidFill>
+                      <a:prstDash val="solid"/>
+                      <a:round/>
+                      <a:headEnd type="none" w="med" len="med"/>
+                      <a:tailEnd type="none" w="med" len="med"/>
+                    </a:lnL>
+                    <a:lnR w="12700" cap="flat" cmpd="sng" algn="ctr">
+                      <a:solidFill>
+                        <a:schemeClr val="tx1"/>
+                      </a:solidFill>
+                      <a:prstDash val="solid"/>
+                      <a:round/>
+                      <a:headEnd type="none" w="med" len="med"/>
+                      <a:tailEnd type="none" w="med" len="med"/>
+                    </a:lnR>
+                    <a:lnT w="12700" cap="flat" cmpd="sng" algn="ctr">
+                      <a:solidFill>
+                        <a:schemeClr val="tx1"/>
+                      </a:solidFill>
+                      <a:prstDash val="solid"/>
+                      <a:round/>
+                      <a:headEnd type="none" w="med" len="med"/>
+                      <a:tailEnd type="none" w="med" len="med"/>
+                    </a:lnT>
+                    <a:lnB w="12700" cap="flat" cmpd="sng" algn="ctr">
+                      <a:solidFill>
+                        <a:schemeClr val="tx1"/>
+                      </a:solidFill>
+                      <a:prstDash val="solid"/>
+                      <a:round/>
+                      <a:headEnd type="none" w="med" len="med"/>
+                      <a:tailEnd type="none" w="med" len="med"/>
+                    </a:lnB>
+                    <a:noFill/>
+                  </a:tcPr>
+                </a:tc>
+                <a:tc>
+                  <a:txBody>
+                    <a:bodyPr/>
+                    <a:lstStyle/>
+                    <a:p>
+                      <a:endParaRPr lang="zh-CN" altLang="en-US"/>
+                    </a:p>
+                  </a:txBody>
+                  <a:tcPr>
+                    <a:lnL w="12700" cap="flat" cmpd="sng" algn="ctr">
+                      <a:solidFill>
+                        <a:schemeClr val="tx1"/>
+                      </a:solidFill>
+                      <a:prstDash val="solid"/>
+                      <a:round/>
+                      <a:headEnd type="none" w="med" len="med"/>
+                      <a:tailEnd type="none" w="med" len="med"/>
+                    </a:lnL>
+                    <a:lnR w="12700" cap="flat" cmpd="sng" algn="ctr">
+                      <a:solidFill>
+                        <a:schemeClr val="tx1"/>
+                      </a:solidFill>
+                      <a:prstDash val="solid"/>
+                      <a:round/>
+                      <a:headEnd type="none" w="med" len="med"/>
+                      <a:tailEnd type="none" w="med" len="med"/>
+                    </a:lnR>
+                    <a:lnT w="12700" cap="flat" cmpd="sng" algn="ctr">
+                      <a:solidFill>
+                        <a:schemeClr val="tx1"/>
+                      </a:solidFill>
+                      <a:prstDash val="solid"/>
+                      <a:round/>
+                      <a:headEnd type="none" w="med" len="med"/>
+                      <a:tailEnd type="none" w="med" len="med"/>
+                    </a:lnT>
+                    <a:lnB w="12700" cap="flat" cmpd="sng" algn="ctr">
+                      <a:solidFill>
+                        <a:schemeClr val="tx1"/>
+                      </a:solidFill>
+                      <a:prstDash val="solid"/>
+                      <a:round/>
+                      <a:headEnd type="none" w="med" len="med"/>
+                      <a:tailEnd type="none" w="med" len="med"/>
+                    </a:lnB>
+                    <a:noFill/>
+                  </a:tcPr>
+                </a:tc>
+                <a:tc>
+                  <a:txBody>
+                    <a:bodyPr/>
+                    <a:lstStyle/>
+                    <a:p>
+                      <a:endParaRPr lang="zh-CN" altLang="en-US"/>
+                    </a:p>
+                  </a:txBody>
+                  <a:tcPr>
+                    <a:lnL w="12700" cap="flat" cmpd="sng" algn="ctr">
+                      <a:solidFill>
+                        <a:schemeClr val="tx1"/>
+                      </a:solidFill>
+                      <a:prstDash val="solid"/>
+                      <a:round/>
+                      <a:headEnd type="none" w="med" len="med"/>
+                      <a:tailEnd type="none" w="med" len="med"/>
+                    </a:lnL>
+                    <a:lnR w="12700" cap="flat" cmpd="sng" algn="ctr">
+                      <a:solidFill>
+                        <a:schemeClr val="tx1"/>
+                      </a:solidFill>
+                      <a:prstDash val="solid"/>
+                      <a:round/>
+                      <a:headEnd type="none" w="med" len="med"/>
+                      <a:tailEnd type="none" w="med" len="med"/>
+                    </a:lnR>
+                    <a:lnT w="12700" cap="flat" cmpd="sng" algn="ctr">
+                      <a:solidFill>
+                        <a:schemeClr val="tx1"/>
+                      </a:solidFill>
+                      <a:prstDash val="solid"/>
+                      <a:round/>
+                      <a:headEnd type="none" w="med" len="med"/>
+                      <a:tailEnd type="none" w="med" len="med"/>
+                    </a:lnT>
+                    <a:lnB w="12700" cap="flat" cmpd="sng" algn="ctr">
+                      <a:solidFill>
+                        <a:schemeClr val="tx1"/>
+                      </a:solidFill>
+                      <a:prstDash val="solid"/>
+                      <a:round/>
+                      <a:headEnd type="none" w="med" len="med"/>
+                      <a:tailEnd type="none" w="med" len="med"/>
+                    </a:lnB>
+                    <a:noFill/>
+                  </a:tcPr>
+                </a:tc>
+                <a:tc>
+                  <a:txBody>
+                    <a:bodyPr/>
+                    <a:lstStyle/>
+                    <a:p>
+                      <a:endParaRPr lang="zh-CN" altLang="en-US" dirty="0"/>
+                    </a:p>
+                  </a:txBody>
+                  <a:tcPr>
+                    <a:lnL w="12700" cap="flat" cmpd="sng" algn="ctr">
+                      <a:solidFill>
+                        <a:schemeClr val="tx1"/>
+                      </a:solidFill>
+                      <a:prstDash val="solid"/>
+                      <a:round/>
+                      <a:headEnd type="none" w="med" len="med"/>
+                      <a:tailEnd type="none" w="med" len="med"/>
+                    </a:lnL>
+                    <a:lnR w="12700" cap="flat" cmpd="sng" algn="ctr">
+                      <a:solidFill>
+                        <a:schemeClr val="tx1"/>
+                      </a:solidFill>
+                      <a:prstDash val="solid"/>
+                      <a:round/>
+                      <a:headEnd type="none" w="med" len="med"/>
+                      <a:tailEnd type="none" w="med" len="med"/>
+                    </a:lnR>
+                    <a:lnT w="12700" cap="flat" cmpd="sng" algn="ctr">
+                      <a:solidFill>
+                        <a:schemeClr val="tx1"/>
+                      </a:solidFill>
+                      <a:prstDash val="solid"/>
+                      <a:round/>
+                      <a:headEnd type="none" w="med" len="med"/>
+                      <a:tailEnd type="none" w="med" len="med"/>
+                    </a:lnT>
+                    <a:lnB w="12700" cap="flat" cmpd="sng" algn="ctr">
+                      <a:solidFill>
+                        <a:schemeClr val="tx1"/>
+                      </a:solidFill>
+                      <a:prstDash val="solid"/>
+                      <a:round/>
+                      <a:headEnd type="none" w="med" len="med"/>
+                      <a:tailEnd type="none" w="med" len="med"/>
+                    </a:lnB>
+                    <a:noFill/>
+                  </a:tcPr>
+                </a:tc>
+                <a:extLst>
+                  <a:ext uri="{0D108BD9-81ED-4DB2-BD59-A6C34878D82A}">
+                    <a16:rowId xmlns:a16="http://schemas.microsoft.com/office/drawing/2014/main" val="2553148108"/>
+                  </a:ext>
+                </a:extLst>
+              </a:tr>
+            </a:tbl>
+          </a:graphicData>
+        </a:graphic>
+      </p:graphicFrame>
+      <p:graphicFrame>
+        <p:nvGraphicFramePr>
+          <p:cNvPr id="6" name="表格 5">
+            <a:extLst>
+              <a:ext uri="{FF2B5EF4-FFF2-40B4-BE49-F238E27FC236}">
+                <a16:creationId xmlns:a16="http://schemas.microsoft.com/office/drawing/2014/main" id="{15FEB3A0-8E96-47BC-8978-CD7786ED30EA}"/>
+              </a:ext>
+            </a:extLst>
+          </p:cNvPr>
+          <p:cNvGraphicFramePr>
+            <a:graphicFrameLocks noGrp="1"/>
+          </p:cNvGraphicFramePr>
+          <p:nvPr>
+            <p:extLst>
+              <p:ext uri="{D42A27DB-BD31-4B8C-83A1-F6EECF244321}">
+                <p14:modId xmlns:p14="http://schemas.microsoft.com/office/powerpoint/2010/main" val="4163119608"/>
+              </p:ext>
+            </p:extLst>
+          </p:nvPr>
+        </p:nvGraphicFramePr>
+        <p:xfrm>
+          <a:off x="4003040" y="1380066"/>
+          <a:ext cx="396240" cy="2966720"/>
+        </p:xfrm>
+        <a:graphic>
+          <a:graphicData uri="http://schemas.openxmlformats.org/drawingml/2006/table">
+            <a:tbl>
+              <a:tblPr firstRow="1" bandRow="1">
+                <a:tableStyleId>{5C22544A-7EE6-4342-B048-85BDC9FD1C3A}</a:tableStyleId>
+              </a:tblPr>
+              <a:tblGrid>
+                <a:gridCol w="396240">
+                  <a:extLst>
+                    <a:ext uri="{9D8B030D-6E8A-4147-A177-3AD203B41FA5}">
+                      <a16:colId xmlns:a16="http://schemas.microsoft.com/office/drawing/2014/main" val="2913016351"/>
+                    </a:ext>
+                  </a:extLst>
+                </a:gridCol>
+              </a:tblGrid>
+              <a:tr h="370840">
+                <a:tc>
+                  <a:txBody>
+                    <a:bodyPr/>
+                    <a:lstStyle/>
+                    <a:p>
+                      <a:r>
+                        <a:rPr lang="en-US" altLang="zh-CN" b="0" dirty="0">
+                          <a:solidFill>
+                            <a:schemeClr val="tx1"/>
+                          </a:solidFill>
+                        </a:rPr>
+                        <a:t>1</a:t>
+                      </a:r>
+                      <a:endParaRPr lang="zh-CN" altLang="en-US" b="0" dirty="0">
+                        <a:solidFill>
+                          <a:schemeClr val="tx1"/>
+                        </a:solidFill>
+                      </a:endParaRPr>
+                    </a:p>
+                  </a:txBody>
+                  <a:tcPr>
+                    <a:lnL w="12700" cap="flat" cmpd="sng" algn="ctr">
+                      <a:solidFill>
+                        <a:schemeClr val="tx1"/>
+                      </a:solidFill>
+                      <a:prstDash val="solid"/>
+                      <a:round/>
+                      <a:headEnd type="none" w="med" len="med"/>
+                      <a:tailEnd type="none" w="med" len="med"/>
+                    </a:lnL>
+                    <a:lnR w="12700" cap="flat" cmpd="sng" algn="ctr">
+                      <a:solidFill>
+                        <a:schemeClr val="tx1"/>
+                      </a:solidFill>
+                      <a:prstDash val="solid"/>
+                      <a:round/>
+                      <a:headEnd type="none" w="med" len="med"/>
+                      <a:tailEnd type="none" w="med" len="med"/>
+                    </a:lnR>
+                    <a:lnT w="12700" cap="flat" cmpd="sng" algn="ctr">
+                      <a:solidFill>
+                        <a:schemeClr val="tx1"/>
+                      </a:solidFill>
+                      <a:prstDash val="solid"/>
+                      <a:round/>
+                      <a:headEnd type="none" w="med" len="med"/>
+                      <a:tailEnd type="none" w="med" len="med"/>
+                    </a:lnT>
+                    <a:lnB w="12700" cap="flat" cmpd="sng" algn="ctr">
+                      <a:solidFill>
+                        <a:schemeClr val="tx1"/>
+                      </a:solidFill>
+                      <a:prstDash val="solid"/>
+                      <a:round/>
+                      <a:headEnd type="none" w="med" len="med"/>
+                      <a:tailEnd type="none" w="med" len="med"/>
+                    </a:lnB>
+                    <a:noFill/>
+                  </a:tcPr>
+                </a:tc>
+                <a:extLst>
+                  <a:ext uri="{0D108BD9-81ED-4DB2-BD59-A6C34878D82A}">
+                    <a16:rowId xmlns:a16="http://schemas.microsoft.com/office/drawing/2014/main" val="1645313062"/>
+                  </a:ext>
+                </a:extLst>
+              </a:tr>
+              <a:tr h="370840">
+                <a:tc>
+                  <a:txBody>
+                    <a:bodyPr/>
+                    <a:lstStyle/>
+                    <a:p>
+                      <a:r>
+                        <a:rPr lang="en-US" altLang="zh-CN" dirty="0"/>
+                        <a:t>3</a:t>
+                      </a:r>
+                      <a:endParaRPr lang="zh-CN" altLang="en-US" dirty="0"/>
+                    </a:p>
+                  </a:txBody>
+                  <a:tcPr>
+                    <a:lnL w="12700" cap="flat" cmpd="sng" algn="ctr">
+                      <a:solidFill>
+                        <a:schemeClr val="tx1"/>
+                      </a:solidFill>
+                      <a:prstDash val="solid"/>
+                      <a:round/>
+                      <a:headEnd type="none" w="med" len="med"/>
+                      <a:tailEnd type="none" w="med" len="med"/>
+                    </a:lnL>
+                    <a:lnR w="12700" cap="flat" cmpd="sng" algn="ctr">
+                      <a:solidFill>
+                        <a:schemeClr val="tx1"/>
+                      </a:solidFill>
+                      <a:prstDash val="solid"/>
+                      <a:round/>
+                      <a:headEnd type="none" w="med" len="med"/>
+                      <a:tailEnd type="none" w="med" len="med"/>
+                    </a:lnR>
+                    <a:lnT w="12700" cap="flat" cmpd="sng" algn="ctr">
+                      <a:solidFill>
+                        <a:schemeClr val="tx1"/>
+                      </a:solidFill>
+                      <a:prstDash val="solid"/>
+                      <a:round/>
+                      <a:headEnd type="none" w="med" len="med"/>
+                      <a:tailEnd type="none" w="med" len="med"/>
+                    </a:lnT>
+                    <a:lnB w="12700" cap="flat" cmpd="sng" algn="ctr">
+                      <a:solidFill>
+                        <a:schemeClr val="tx1"/>
+                      </a:solidFill>
+                      <a:prstDash val="solid"/>
+                      <a:round/>
+                      <a:headEnd type="none" w="med" len="med"/>
+                      <a:tailEnd type="none" w="med" len="med"/>
+                    </a:lnB>
+                    <a:noFill/>
+                  </a:tcPr>
+                </a:tc>
+                <a:extLst>
+                  <a:ext uri="{0D108BD9-81ED-4DB2-BD59-A6C34878D82A}">
+                    <a16:rowId xmlns:a16="http://schemas.microsoft.com/office/drawing/2014/main" val="1992339900"/>
+                  </a:ext>
+                </a:extLst>
+              </a:tr>
+              <a:tr h="370840">
+                <a:tc>
+                  <a:txBody>
+                    <a:bodyPr/>
+                    <a:lstStyle/>
+                    <a:p>
+                      <a:r>
+                        <a:rPr lang="en-US" altLang="zh-CN" dirty="0"/>
+                        <a:t>5</a:t>
+                      </a:r>
+                      <a:endParaRPr lang="zh-CN" altLang="en-US" dirty="0"/>
+                    </a:p>
+                  </a:txBody>
+                  <a:tcPr>
+                    <a:lnL w="12700" cap="flat" cmpd="sng" algn="ctr">
+                      <a:solidFill>
+                        <a:schemeClr val="tx1"/>
+                      </a:solidFill>
+                      <a:prstDash val="solid"/>
+                      <a:round/>
+                      <a:headEnd type="none" w="med" len="med"/>
+                      <a:tailEnd type="none" w="med" len="med"/>
+                    </a:lnL>
+                    <a:lnR w="12700" cap="flat" cmpd="sng" algn="ctr">
+                      <a:solidFill>
+                        <a:schemeClr val="tx1"/>
+                      </a:solidFill>
+                      <a:prstDash val="solid"/>
+                      <a:round/>
+                      <a:headEnd type="none" w="med" len="med"/>
+                      <a:tailEnd type="none" w="med" len="med"/>
+                    </a:lnR>
+                    <a:lnT w="12700" cap="flat" cmpd="sng" algn="ctr">
+                      <a:solidFill>
+                        <a:schemeClr val="tx1"/>
+                      </a:solidFill>
+                      <a:prstDash val="solid"/>
+                      <a:round/>
+                      <a:headEnd type="none" w="med" len="med"/>
+                      <a:tailEnd type="none" w="med" len="med"/>
+                    </a:lnT>
+                    <a:lnB w="12700" cap="flat" cmpd="sng" algn="ctr">
+                      <a:solidFill>
+                        <a:schemeClr val="tx1"/>
+                      </a:solidFill>
+                      <a:prstDash val="solid"/>
+                      <a:round/>
+                      <a:headEnd type="none" w="med" len="med"/>
+                      <a:tailEnd type="none" w="med" len="med"/>
+                    </a:lnB>
+                    <a:noFill/>
+                  </a:tcPr>
+                </a:tc>
+                <a:extLst>
+                  <a:ext uri="{0D108BD9-81ED-4DB2-BD59-A6C34878D82A}">
+                    <a16:rowId xmlns:a16="http://schemas.microsoft.com/office/drawing/2014/main" val="477789601"/>
+                  </a:ext>
+                </a:extLst>
+              </a:tr>
+              <a:tr h="370840">
+                <a:tc>
+                  <a:txBody>
+                    <a:bodyPr/>
+                    <a:lstStyle/>
+                    <a:p>
+                      <a:r>
+                        <a:rPr lang="en-US" altLang="zh-CN" dirty="0"/>
+                        <a:t>7</a:t>
+                      </a:r>
+                      <a:endParaRPr lang="zh-CN" altLang="en-US" dirty="0"/>
+                    </a:p>
+                  </a:txBody>
+                  <a:tcPr>
+                    <a:lnL w="12700" cap="flat" cmpd="sng" algn="ctr">
+                      <a:solidFill>
+                        <a:schemeClr val="tx1"/>
+                      </a:solidFill>
+                      <a:prstDash val="solid"/>
+                      <a:round/>
+                      <a:headEnd type="none" w="med" len="med"/>
+                      <a:tailEnd type="none" w="med" len="med"/>
+                    </a:lnL>
+                    <a:lnR w="12700" cap="flat" cmpd="sng" algn="ctr">
+                      <a:solidFill>
+                        <a:schemeClr val="tx1"/>
+                      </a:solidFill>
+                      <a:prstDash val="solid"/>
+                      <a:round/>
+                      <a:headEnd type="none" w="med" len="med"/>
+                      <a:tailEnd type="none" w="med" len="med"/>
+                    </a:lnR>
+                    <a:lnT w="12700" cap="flat" cmpd="sng" algn="ctr">
+                      <a:solidFill>
+                        <a:schemeClr val="tx1"/>
+                      </a:solidFill>
+                      <a:prstDash val="solid"/>
+                      <a:round/>
+                      <a:headEnd type="none" w="med" len="med"/>
+                      <a:tailEnd type="none" w="med" len="med"/>
+                    </a:lnT>
+                    <a:lnB w="12700" cap="flat" cmpd="sng" algn="ctr">
+                      <a:solidFill>
+                        <a:schemeClr val="tx1"/>
+                      </a:solidFill>
+                      <a:prstDash val="solid"/>
+                      <a:round/>
+                      <a:headEnd type="none" w="med" len="med"/>
+                      <a:tailEnd type="none" w="med" len="med"/>
+                    </a:lnB>
+                    <a:noFill/>
+                  </a:tcPr>
+                </a:tc>
+                <a:extLst>
+                  <a:ext uri="{0D108BD9-81ED-4DB2-BD59-A6C34878D82A}">
+                    <a16:rowId xmlns:a16="http://schemas.microsoft.com/office/drawing/2014/main" val="2057285878"/>
+                  </a:ext>
+                </a:extLst>
+              </a:tr>
+              <a:tr h="370840">
+                <a:tc>
+                  <a:txBody>
+                    <a:bodyPr/>
+                    <a:lstStyle/>
+                    <a:p>
+                      <a:r>
+                        <a:rPr lang="en-US" altLang="zh-CN" dirty="0"/>
+                        <a:t>7</a:t>
+                      </a:r>
+                      <a:endParaRPr lang="zh-CN" altLang="en-US" dirty="0"/>
+                    </a:p>
+                  </a:txBody>
+                  <a:tcPr>
+                    <a:lnL w="12700" cap="flat" cmpd="sng" algn="ctr">
+                      <a:solidFill>
+                        <a:schemeClr val="tx1"/>
+                      </a:solidFill>
+                      <a:prstDash val="solid"/>
+                      <a:round/>
+                      <a:headEnd type="none" w="med" len="med"/>
+                      <a:tailEnd type="none" w="med" len="med"/>
+                    </a:lnL>
+                    <a:lnR w="12700" cap="flat" cmpd="sng" algn="ctr">
+                      <a:solidFill>
+                        <a:schemeClr val="tx1"/>
+                      </a:solidFill>
+                      <a:prstDash val="solid"/>
+                      <a:round/>
+                      <a:headEnd type="none" w="med" len="med"/>
+                      <a:tailEnd type="none" w="med" len="med"/>
+                    </a:lnR>
+                    <a:lnT w="12700" cap="flat" cmpd="sng" algn="ctr">
+                      <a:solidFill>
+                        <a:schemeClr val="tx1"/>
+                      </a:solidFill>
+                      <a:prstDash val="solid"/>
+                      <a:round/>
+                      <a:headEnd type="none" w="med" len="med"/>
+                      <a:tailEnd type="none" w="med" len="med"/>
+                    </a:lnT>
+                    <a:lnB w="12700" cap="flat" cmpd="sng" algn="ctr">
+                      <a:solidFill>
+                        <a:schemeClr val="tx1"/>
+                      </a:solidFill>
+                      <a:prstDash val="solid"/>
+                      <a:round/>
+                      <a:headEnd type="none" w="med" len="med"/>
+                      <a:tailEnd type="none" w="med" len="med"/>
+                    </a:lnB>
+                    <a:noFill/>
+                  </a:tcPr>
+                </a:tc>
+                <a:extLst>
+                  <a:ext uri="{0D108BD9-81ED-4DB2-BD59-A6C34878D82A}">
+                    <a16:rowId xmlns:a16="http://schemas.microsoft.com/office/drawing/2014/main" val="2111107772"/>
+                  </a:ext>
+                </a:extLst>
+              </a:tr>
+              <a:tr h="370840">
+                <a:tc>
+                  <a:txBody>
+                    <a:bodyPr/>
+                    <a:lstStyle/>
+                    <a:p>
+                      <a:r>
+                        <a:rPr lang="en-US" altLang="zh-CN" dirty="0"/>
+                        <a:t>5</a:t>
+                      </a:r>
+                      <a:endParaRPr lang="zh-CN" altLang="en-US" dirty="0"/>
+                    </a:p>
+                  </a:txBody>
+                  <a:tcPr>
+                    <a:lnL w="12700" cap="flat" cmpd="sng" algn="ctr">
+                      <a:solidFill>
+                        <a:schemeClr val="tx1"/>
+                      </a:solidFill>
+                      <a:prstDash val="solid"/>
+                      <a:round/>
+                      <a:headEnd type="none" w="med" len="med"/>
+                      <a:tailEnd type="none" w="med" len="med"/>
+                    </a:lnL>
+                    <a:lnR w="12700" cap="flat" cmpd="sng" algn="ctr">
+                      <a:solidFill>
+                        <a:schemeClr val="tx1"/>
+                      </a:solidFill>
+                      <a:prstDash val="solid"/>
+                      <a:round/>
+                      <a:headEnd type="none" w="med" len="med"/>
+                      <a:tailEnd type="none" w="med" len="med"/>
+                    </a:lnR>
+                    <a:lnT w="12700" cap="flat" cmpd="sng" algn="ctr">
+                      <a:solidFill>
+                        <a:schemeClr val="tx1"/>
+                      </a:solidFill>
+                      <a:prstDash val="solid"/>
+                      <a:round/>
+                      <a:headEnd type="none" w="med" len="med"/>
+                      <a:tailEnd type="none" w="med" len="med"/>
+                    </a:lnT>
+                    <a:lnB w="12700" cap="flat" cmpd="sng" algn="ctr">
+                      <a:solidFill>
+                        <a:schemeClr val="tx1"/>
+                      </a:solidFill>
+                      <a:prstDash val="solid"/>
+                      <a:round/>
+                      <a:headEnd type="none" w="med" len="med"/>
+                      <a:tailEnd type="none" w="med" len="med"/>
+                    </a:lnB>
+                    <a:noFill/>
+                  </a:tcPr>
+                </a:tc>
+                <a:extLst>
+                  <a:ext uri="{0D108BD9-81ED-4DB2-BD59-A6C34878D82A}">
+                    <a16:rowId xmlns:a16="http://schemas.microsoft.com/office/drawing/2014/main" val="2672097328"/>
+                  </a:ext>
+                </a:extLst>
+              </a:tr>
+              <a:tr h="370840">
+                <a:tc>
+                  <a:txBody>
+                    <a:bodyPr/>
+                    <a:lstStyle/>
+                    <a:p>
+                      <a:r>
+                        <a:rPr lang="en-US" altLang="zh-CN" dirty="0"/>
+                        <a:t>3</a:t>
+                      </a:r>
+                      <a:endParaRPr lang="zh-CN" altLang="en-US" dirty="0"/>
+                    </a:p>
+                  </a:txBody>
+                  <a:tcPr>
+                    <a:lnL w="12700" cap="flat" cmpd="sng" algn="ctr">
+                      <a:solidFill>
+                        <a:schemeClr val="tx1"/>
+                      </a:solidFill>
+                      <a:prstDash val="solid"/>
+                      <a:round/>
+                      <a:headEnd type="none" w="med" len="med"/>
+                      <a:tailEnd type="none" w="med" len="med"/>
+                    </a:lnL>
+                    <a:lnR w="12700" cap="flat" cmpd="sng" algn="ctr">
+                      <a:solidFill>
+                        <a:schemeClr val="tx1"/>
+                      </a:solidFill>
+                      <a:prstDash val="solid"/>
+                      <a:round/>
+                      <a:headEnd type="none" w="med" len="med"/>
+                      <a:tailEnd type="none" w="med" len="med"/>
+                    </a:lnR>
+                    <a:lnT w="12700" cap="flat" cmpd="sng" algn="ctr">
+                      <a:solidFill>
+                        <a:schemeClr val="tx1"/>
+                      </a:solidFill>
+                      <a:prstDash val="solid"/>
+                      <a:round/>
+                      <a:headEnd type="none" w="med" len="med"/>
+                      <a:tailEnd type="none" w="med" len="med"/>
+                    </a:lnT>
+                    <a:lnB w="12700" cap="flat" cmpd="sng" algn="ctr">
+                      <a:solidFill>
+                        <a:schemeClr val="tx1"/>
+                      </a:solidFill>
+                      <a:prstDash val="solid"/>
+                      <a:round/>
+                      <a:headEnd type="none" w="med" len="med"/>
+                      <a:tailEnd type="none" w="med" len="med"/>
+                    </a:lnB>
+                    <a:noFill/>
+                  </a:tcPr>
+                </a:tc>
+                <a:extLst>
+                  <a:ext uri="{0D108BD9-81ED-4DB2-BD59-A6C34878D82A}">
+                    <a16:rowId xmlns:a16="http://schemas.microsoft.com/office/drawing/2014/main" val="1427950574"/>
+                  </a:ext>
+                </a:extLst>
+              </a:tr>
+              <a:tr h="370840">
+                <a:tc>
+                  <a:txBody>
+                    <a:bodyPr/>
+                    <a:lstStyle/>
+                    <a:p>
+                      <a:r>
+                        <a:rPr lang="en-US" altLang="zh-CN" dirty="0"/>
+                        <a:t>1</a:t>
+                      </a:r>
+                      <a:endParaRPr lang="zh-CN" altLang="en-US" dirty="0"/>
+                    </a:p>
+                  </a:txBody>
+                  <a:tcPr>
+                    <a:lnL w="12700" cap="flat" cmpd="sng" algn="ctr">
+                      <a:solidFill>
+                        <a:schemeClr val="tx1"/>
+                      </a:solidFill>
+                      <a:prstDash val="solid"/>
+                      <a:round/>
+                      <a:headEnd type="none" w="med" len="med"/>
+                      <a:tailEnd type="none" w="med" len="med"/>
+                    </a:lnL>
+                    <a:lnR w="12700" cap="flat" cmpd="sng" algn="ctr">
+                      <a:solidFill>
+                        <a:schemeClr val="tx1"/>
+                      </a:solidFill>
+                      <a:prstDash val="solid"/>
+                      <a:round/>
+                      <a:headEnd type="none" w="med" len="med"/>
+                      <a:tailEnd type="none" w="med" len="med"/>
+                    </a:lnR>
+                    <a:lnT w="12700" cap="flat" cmpd="sng" algn="ctr">
+                      <a:solidFill>
+                        <a:schemeClr val="tx1"/>
+                      </a:solidFill>
+                      <a:prstDash val="solid"/>
+                      <a:round/>
+                      <a:headEnd type="none" w="med" len="med"/>
+                      <a:tailEnd type="none" w="med" len="med"/>
+                    </a:lnT>
+                    <a:lnB w="12700" cap="flat" cmpd="sng" algn="ctr">
+                      <a:solidFill>
+                        <a:schemeClr val="tx1"/>
+                      </a:solidFill>
+                      <a:prstDash val="solid"/>
+                      <a:round/>
+                      <a:headEnd type="none" w="med" len="med"/>
+                      <a:tailEnd type="none" w="med" len="med"/>
+                    </a:lnB>
+                    <a:noFill/>
+                  </a:tcPr>
+                </a:tc>
+                <a:extLst>
+                  <a:ext uri="{0D108BD9-81ED-4DB2-BD59-A6C34878D82A}">
+                    <a16:rowId xmlns:a16="http://schemas.microsoft.com/office/drawing/2014/main" val="1366702965"/>
+                  </a:ext>
+                </a:extLst>
+              </a:tr>
+            </a:tbl>
+          </a:graphicData>
+        </a:graphic>
+      </p:graphicFrame>
+      <p:graphicFrame>
+        <p:nvGraphicFramePr>
+          <p:cNvPr id="7" name="表格 6">
+            <a:extLst>
+              <a:ext uri="{FF2B5EF4-FFF2-40B4-BE49-F238E27FC236}">
+                <a16:creationId xmlns:a16="http://schemas.microsoft.com/office/drawing/2014/main" id="{A9F3491B-F9BC-4E7E-9FE1-B7E71F6D5507}"/>
+              </a:ext>
+            </a:extLst>
+          </p:cNvPr>
+          <p:cNvGraphicFramePr>
+            <a:graphicFrameLocks noGrp="1"/>
+          </p:cNvGraphicFramePr>
+          <p:nvPr>
+            <p:extLst>
+              <p:ext uri="{D42A27DB-BD31-4B8C-83A1-F6EECF244321}">
+                <p14:modId xmlns:p14="http://schemas.microsoft.com/office/powerpoint/2010/main" val="326855103"/>
+              </p:ext>
+            </p:extLst>
+          </p:nvPr>
+        </p:nvGraphicFramePr>
+        <p:xfrm>
+          <a:off x="4754880" y="4600786"/>
+          <a:ext cx="3164840" cy="370840"/>
+        </p:xfrm>
+        <a:graphic>
+          <a:graphicData uri="http://schemas.openxmlformats.org/drawingml/2006/table">
+            <a:tbl>
+              <a:tblPr firstRow="1" bandRow="1">
+                <a:tableStyleId>{5C22544A-7EE6-4342-B048-85BDC9FD1C3A}</a:tableStyleId>
+              </a:tblPr>
+              <a:tblGrid>
+                <a:gridCol w="452120">
+                  <a:extLst>
+                    <a:ext uri="{9D8B030D-6E8A-4147-A177-3AD203B41FA5}">
+                      <a16:colId xmlns:a16="http://schemas.microsoft.com/office/drawing/2014/main" val="3141469491"/>
+                    </a:ext>
+                  </a:extLst>
+                </a:gridCol>
+                <a:gridCol w="452120">
+                  <a:extLst>
+                    <a:ext uri="{9D8B030D-6E8A-4147-A177-3AD203B41FA5}">
+                      <a16:colId xmlns:a16="http://schemas.microsoft.com/office/drawing/2014/main" val="902421911"/>
+                    </a:ext>
+                  </a:extLst>
+                </a:gridCol>
+                <a:gridCol w="452120">
+                  <a:extLst>
+                    <a:ext uri="{9D8B030D-6E8A-4147-A177-3AD203B41FA5}">
+                      <a16:colId xmlns:a16="http://schemas.microsoft.com/office/drawing/2014/main" val="3719823836"/>
+                    </a:ext>
+                  </a:extLst>
+                </a:gridCol>
+                <a:gridCol w="452120">
+                  <a:extLst>
+                    <a:ext uri="{9D8B030D-6E8A-4147-A177-3AD203B41FA5}">
+                      <a16:colId xmlns:a16="http://schemas.microsoft.com/office/drawing/2014/main" val="3926923811"/>
+                    </a:ext>
+                  </a:extLst>
+                </a:gridCol>
+                <a:gridCol w="452120">
+                  <a:extLst>
+                    <a:ext uri="{9D8B030D-6E8A-4147-A177-3AD203B41FA5}">
+                      <a16:colId xmlns:a16="http://schemas.microsoft.com/office/drawing/2014/main" val="1996775831"/>
+                    </a:ext>
+                  </a:extLst>
+                </a:gridCol>
+                <a:gridCol w="452120">
+                  <a:extLst>
+                    <a:ext uri="{9D8B030D-6E8A-4147-A177-3AD203B41FA5}">
+                      <a16:colId xmlns:a16="http://schemas.microsoft.com/office/drawing/2014/main" val="2501736998"/>
+                    </a:ext>
+                  </a:extLst>
+                </a:gridCol>
+                <a:gridCol w="452120">
+                  <a:extLst>
+                    <a:ext uri="{9D8B030D-6E8A-4147-A177-3AD203B41FA5}">
+                      <a16:colId xmlns:a16="http://schemas.microsoft.com/office/drawing/2014/main" val="157826119"/>
+                    </a:ext>
+                  </a:extLst>
+                </a:gridCol>
+              </a:tblGrid>
+              <a:tr h="370840">
+                <a:tc>
+                  <a:txBody>
+                    <a:bodyPr/>
+                    <a:lstStyle/>
+                    <a:p>
+                      <a:r>
+                        <a:rPr lang="en-US" altLang="zh-CN" b="0" dirty="0">
+                          <a:solidFill>
+                            <a:schemeClr val="tx1"/>
+                          </a:solidFill>
+                        </a:rPr>
+                        <a:t>2</a:t>
+                      </a:r>
+                      <a:endParaRPr lang="zh-CN" altLang="en-US" b="0" dirty="0">
+                        <a:solidFill>
+                          <a:schemeClr val="tx1"/>
+                        </a:solidFill>
+                      </a:endParaRPr>
+                    </a:p>
+                  </a:txBody>
+                  <a:tcPr>
+                    <a:lnL w="12700" cap="flat" cmpd="sng" algn="ctr">
+                      <a:solidFill>
+                        <a:schemeClr val="tx1"/>
+                      </a:solidFill>
+                      <a:prstDash val="solid"/>
+                      <a:round/>
+                      <a:headEnd type="none" w="med" len="med"/>
+                      <a:tailEnd type="none" w="med" len="med"/>
+                    </a:lnL>
+                    <a:lnR w="12700" cap="flat" cmpd="sng" algn="ctr">
+                      <a:solidFill>
+                        <a:schemeClr val="tx1"/>
+                      </a:solidFill>
+                      <a:prstDash val="solid"/>
+                      <a:round/>
+                      <a:headEnd type="none" w="med" len="med"/>
+                      <a:tailEnd type="none" w="med" len="med"/>
+                    </a:lnR>
+                    <a:lnT w="12700" cap="flat" cmpd="sng" algn="ctr">
+                      <a:solidFill>
+                        <a:schemeClr val="tx1"/>
+                      </a:solidFill>
+                      <a:prstDash val="solid"/>
+                      <a:round/>
+                      <a:headEnd type="none" w="med" len="med"/>
+                      <a:tailEnd type="none" w="med" len="med"/>
+                    </a:lnT>
+                    <a:lnB w="12700" cap="flat" cmpd="sng" algn="ctr">
+                      <a:solidFill>
+                        <a:schemeClr val="tx1"/>
+                      </a:solidFill>
+                      <a:prstDash val="solid"/>
+                      <a:round/>
+                      <a:headEnd type="none" w="med" len="med"/>
+                      <a:tailEnd type="none" w="med" len="med"/>
+                    </a:lnB>
+                    <a:noFill/>
+                  </a:tcPr>
+                </a:tc>
+                <a:tc>
+                  <a:txBody>
+                    <a:bodyPr/>
+                    <a:lstStyle/>
+                    <a:p>
+                      <a:r>
+                        <a:rPr lang="en-US" altLang="zh-CN" b="0" dirty="0">
+                          <a:solidFill>
+                            <a:schemeClr val="tx1"/>
+                          </a:solidFill>
+                        </a:rPr>
+                        <a:t>4</a:t>
+                      </a:r>
+                      <a:endParaRPr lang="zh-CN" altLang="en-US" b="0" dirty="0">
+                        <a:solidFill>
+                          <a:schemeClr val="tx1"/>
+                        </a:solidFill>
+                      </a:endParaRPr>
+                    </a:p>
+                  </a:txBody>
+                  <a:tcPr>
+                    <a:lnL w="12700" cap="flat" cmpd="sng" algn="ctr">
+                      <a:solidFill>
+                        <a:schemeClr val="tx1"/>
+                      </a:solidFill>
+                      <a:prstDash val="solid"/>
+                      <a:round/>
+                      <a:headEnd type="none" w="med" len="med"/>
+                      <a:tailEnd type="none" w="med" len="med"/>
+                    </a:lnL>
+                    <a:lnR w="12700" cap="flat" cmpd="sng" algn="ctr">
+                      <a:solidFill>
+                        <a:schemeClr val="tx1"/>
+                      </a:solidFill>
+                      <a:prstDash val="solid"/>
+                      <a:round/>
+                      <a:headEnd type="none" w="med" len="med"/>
+                      <a:tailEnd type="none" w="med" len="med"/>
+                    </a:lnR>
+                    <a:lnT w="12700" cap="flat" cmpd="sng" algn="ctr">
+                      <a:solidFill>
+                        <a:schemeClr val="tx1"/>
+                      </a:solidFill>
+                      <a:prstDash val="solid"/>
+                      <a:round/>
+                      <a:headEnd type="none" w="med" len="med"/>
+                      <a:tailEnd type="none" w="med" len="med"/>
+                    </a:lnT>
+                    <a:lnB w="12700" cap="flat" cmpd="sng" algn="ctr">
+                      <a:solidFill>
+                        <a:schemeClr val="tx1"/>
+                      </a:solidFill>
+                      <a:prstDash val="solid"/>
+                      <a:round/>
+                      <a:headEnd type="none" w="med" len="med"/>
+                      <a:tailEnd type="none" w="med" len="med"/>
+                    </a:lnB>
+                    <a:noFill/>
+                  </a:tcPr>
+                </a:tc>
+                <a:tc>
+                  <a:txBody>
+                    <a:bodyPr/>
+                    <a:lstStyle/>
+                    <a:p>
+                      <a:r>
+                        <a:rPr lang="en-US" altLang="zh-CN" b="0" dirty="0">
+                          <a:solidFill>
+                            <a:schemeClr val="tx1"/>
+                          </a:solidFill>
+                        </a:rPr>
+                        <a:t>6</a:t>
+                      </a:r>
+                      <a:endParaRPr lang="zh-CN" altLang="en-US" b="0" dirty="0">
+                        <a:solidFill>
+                          <a:schemeClr val="tx1"/>
+                        </a:solidFill>
+                      </a:endParaRPr>
+                    </a:p>
+                  </a:txBody>
+                  <a:tcPr>
+                    <a:lnL w="12700" cap="flat" cmpd="sng" algn="ctr">
+                      <a:solidFill>
+                        <a:schemeClr val="tx1"/>
+                      </a:solidFill>
+                      <a:prstDash val="solid"/>
+                      <a:round/>
+                      <a:headEnd type="none" w="med" len="med"/>
+                      <a:tailEnd type="none" w="med" len="med"/>
+                    </a:lnL>
+                    <a:lnR w="12700" cap="flat" cmpd="sng" algn="ctr">
+                      <a:solidFill>
+                        <a:schemeClr val="tx1"/>
+                      </a:solidFill>
+                      <a:prstDash val="solid"/>
+                      <a:round/>
+                      <a:headEnd type="none" w="med" len="med"/>
+                      <a:tailEnd type="none" w="med" len="med"/>
+                    </a:lnR>
+                    <a:lnT w="12700" cap="flat" cmpd="sng" algn="ctr">
+                      <a:solidFill>
+                        <a:schemeClr val="tx1"/>
+                      </a:solidFill>
+                      <a:prstDash val="solid"/>
+                      <a:round/>
+                      <a:headEnd type="none" w="med" len="med"/>
+                      <a:tailEnd type="none" w="med" len="med"/>
+                    </a:lnT>
+                    <a:lnB w="12700" cap="flat" cmpd="sng" algn="ctr">
+                      <a:solidFill>
+                        <a:schemeClr val="tx1"/>
+                      </a:solidFill>
+                      <a:prstDash val="solid"/>
+                      <a:round/>
+                      <a:headEnd type="none" w="med" len="med"/>
+                      <a:tailEnd type="none" w="med" len="med"/>
+                    </a:lnB>
+                    <a:noFill/>
+                  </a:tcPr>
+                </a:tc>
+                <a:tc>
+                  <a:txBody>
+                    <a:bodyPr/>
+                    <a:lstStyle/>
+                    <a:p>
+                      <a:r>
+                        <a:rPr lang="en-US" altLang="zh-CN" b="0" dirty="0">
+                          <a:solidFill>
+                            <a:schemeClr val="tx1"/>
+                          </a:solidFill>
+                        </a:rPr>
+                        <a:t>8</a:t>
+                      </a:r>
+                      <a:endParaRPr lang="zh-CN" altLang="en-US" b="0" dirty="0">
+                        <a:solidFill>
+                          <a:schemeClr val="tx1"/>
+                        </a:solidFill>
+                      </a:endParaRPr>
+                    </a:p>
+                  </a:txBody>
+                  <a:tcPr>
+                    <a:lnL w="12700" cap="flat" cmpd="sng" algn="ctr">
+                      <a:solidFill>
+                        <a:schemeClr val="tx1"/>
+                      </a:solidFill>
+                      <a:prstDash val="solid"/>
+                      <a:round/>
+                      <a:headEnd type="none" w="med" len="med"/>
+                      <a:tailEnd type="none" w="med" len="med"/>
+                    </a:lnL>
+                    <a:lnR w="12700" cap="flat" cmpd="sng" algn="ctr">
+                      <a:solidFill>
+                        <a:schemeClr val="tx1"/>
+                      </a:solidFill>
+                      <a:prstDash val="solid"/>
+                      <a:round/>
+                      <a:headEnd type="none" w="med" len="med"/>
+                      <a:tailEnd type="none" w="med" len="med"/>
+                    </a:lnR>
+                    <a:lnT w="12700" cap="flat" cmpd="sng" algn="ctr">
+                      <a:solidFill>
+                        <a:schemeClr val="tx1"/>
+                      </a:solidFill>
+                      <a:prstDash val="solid"/>
+                      <a:round/>
+                      <a:headEnd type="none" w="med" len="med"/>
+                      <a:tailEnd type="none" w="med" len="med"/>
+                    </a:lnT>
+                    <a:lnB w="12700" cap="flat" cmpd="sng" algn="ctr">
+                      <a:solidFill>
+                        <a:schemeClr val="tx1"/>
+                      </a:solidFill>
+                      <a:prstDash val="solid"/>
+                      <a:round/>
+                      <a:headEnd type="none" w="med" len="med"/>
+                      <a:tailEnd type="none" w="med" len="med"/>
+                    </a:lnB>
+                    <a:noFill/>
+                  </a:tcPr>
+                </a:tc>
+                <a:tc>
+                  <a:txBody>
+                    <a:bodyPr/>
+                    <a:lstStyle/>
+                    <a:p>
+                      <a:r>
+                        <a:rPr lang="en-US" altLang="zh-CN" b="0" dirty="0">
+                          <a:solidFill>
+                            <a:schemeClr val="tx1"/>
+                          </a:solidFill>
+                        </a:rPr>
+                        <a:t>6</a:t>
+                      </a:r>
+                      <a:endParaRPr lang="zh-CN" altLang="en-US" b="0" dirty="0">
+                        <a:solidFill>
+                          <a:schemeClr val="tx1"/>
+                        </a:solidFill>
+                      </a:endParaRPr>
+                    </a:p>
+                  </a:txBody>
+                  <a:tcPr>
+                    <a:lnL w="12700" cap="flat" cmpd="sng" algn="ctr">
+                      <a:solidFill>
+                        <a:schemeClr val="tx1"/>
+                      </a:solidFill>
+                      <a:prstDash val="solid"/>
+                      <a:round/>
+                      <a:headEnd type="none" w="med" len="med"/>
+                      <a:tailEnd type="none" w="med" len="med"/>
+                    </a:lnL>
+                    <a:lnR w="12700" cap="flat" cmpd="sng" algn="ctr">
+                      <a:solidFill>
+                        <a:schemeClr val="tx1"/>
+                      </a:solidFill>
+                      <a:prstDash val="solid"/>
+                      <a:round/>
+                      <a:headEnd type="none" w="med" len="med"/>
+                      <a:tailEnd type="none" w="med" len="med"/>
+                    </a:lnR>
+                    <a:lnT w="12700" cap="flat" cmpd="sng" algn="ctr">
+                      <a:solidFill>
+                        <a:schemeClr val="tx1"/>
+                      </a:solidFill>
+                      <a:prstDash val="solid"/>
+                      <a:round/>
+                      <a:headEnd type="none" w="med" len="med"/>
+                      <a:tailEnd type="none" w="med" len="med"/>
+                    </a:lnT>
+                    <a:lnB w="12700" cap="flat" cmpd="sng" algn="ctr">
+                      <a:solidFill>
+                        <a:schemeClr val="tx1"/>
+                      </a:solidFill>
+                      <a:prstDash val="solid"/>
+                      <a:round/>
+                      <a:headEnd type="none" w="med" len="med"/>
+                      <a:tailEnd type="none" w="med" len="med"/>
+                    </a:lnB>
+                    <a:noFill/>
+                  </a:tcPr>
+                </a:tc>
+                <a:tc>
+                  <a:txBody>
+                    <a:bodyPr/>
+                    <a:lstStyle/>
+                    <a:p>
+                      <a:r>
+                        <a:rPr lang="en-US" altLang="zh-CN" b="0" dirty="0">
+                          <a:solidFill>
+                            <a:schemeClr val="tx1"/>
+                          </a:solidFill>
+                        </a:rPr>
+                        <a:t>4</a:t>
+                      </a:r>
+                      <a:endParaRPr lang="zh-CN" altLang="en-US" b="0" dirty="0">
+                        <a:solidFill>
+                          <a:schemeClr val="tx1"/>
+                        </a:solidFill>
+                      </a:endParaRPr>
+                    </a:p>
+                  </a:txBody>
+                  <a:tcPr>
+                    <a:lnL w="12700" cap="flat" cmpd="sng" algn="ctr">
+                      <a:solidFill>
+                        <a:schemeClr val="tx1"/>
+                      </a:solidFill>
+                      <a:prstDash val="solid"/>
+                      <a:round/>
+                      <a:headEnd type="none" w="med" len="med"/>
+                      <a:tailEnd type="none" w="med" len="med"/>
+                    </a:lnL>
+                    <a:lnR w="12700" cap="flat" cmpd="sng" algn="ctr">
+                      <a:solidFill>
+                        <a:schemeClr val="tx1"/>
+                      </a:solidFill>
+                      <a:prstDash val="solid"/>
+                      <a:round/>
+                      <a:headEnd type="none" w="med" len="med"/>
+                      <a:tailEnd type="none" w="med" len="med"/>
+                    </a:lnR>
+                    <a:lnT w="12700" cap="flat" cmpd="sng" algn="ctr">
+                      <a:solidFill>
+                        <a:schemeClr val="tx1"/>
+                      </a:solidFill>
+                      <a:prstDash val="solid"/>
+                      <a:round/>
+                      <a:headEnd type="none" w="med" len="med"/>
+                      <a:tailEnd type="none" w="med" len="med"/>
+                    </a:lnT>
+                    <a:lnB w="12700" cap="flat" cmpd="sng" algn="ctr">
+                      <a:solidFill>
+                        <a:schemeClr val="tx1"/>
+                      </a:solidFill>
+                      <a:prstDash val="solid"/>
+                      <a:round/>
+                      <a:headEnd type="none" w="med" len="med"/>
+                      <a:tailEnd type="none" w="med" len="med"/>
+                    </a:lnB>
+                    <a:noFill/>
+                  </a:tcPr>
+                </a:tc>
+                <a:tc>
+                  <a:txBody>
+                    <a:bodyPr/>
+                    <a:lstStyle/>
+                    <a:p>
+                      <a:r>
+                        <a:rPr lang="en-US" altLang="zh-CN" b="0" dirty="0">
+                          <a:solidFill>
+                            <a:schemeClr val="tx1"/>
+                          </a:solidFill>
+                        </a:rPr>
+                        <a:t>2</a:t>
+                      </a:r>
+                      <a:endParaRPr lang="zh-CN" altLang="en-US" b="0" dirty="0">
+                        <a:solidFill>
+                          <a:schemeClr val="tx1"/>
+                        </a:solidFill>
+                      </a:endParaRPr>
+                    </a:p>
+                  </a:txBody>
+                  <a:tcPr>
+                    <a:lnL w="12700" cap="flat" cmpd="sng" algn="ctr">
+                      <a:solidFill>
+                        <a:schemeClr val="tx1"/>
+                      </a:solidFill>
+                      <a:prstDash val="solid"/>
+                      <a:round/>
+                      <a:headEnd type="none" w="med" len="med"/>
+                      <a:tailEnd type="none" w="med" len="med"/>
+                    </a:lnL>
+                    <a:lnR w="12700" cap="flat" cmpd="sng" algn="ctr">
+                      <a:solidFill>
+                        <a:schemeClr val="tx1"/>
+                      </a:solidFill>
+                      <a:prstDash val="solid"/>
+                      <a:round/>
+                      <a:headEnd type="none" w="med" len="med"/>
+                      <a:tailEnd type="none" w="med" len="med"/>
+                    </a:lnR>
+                    <a:lnT w="12700" cap="flat" cmpd="sng" algn="ctr">
+                      <a:solidFill>
+                        <a:schemeClr val="tx1"/>
+                      </a:solidFill>
+                      <a:prstDash val="solid"/>
+                      <a:round/>
+                      <a:headEnd type="none" w="med" len="med"/>
+                      <a:tailEnd type="none" w="med" len="med"/>
+                    </a:lnT>
+                    <a:lnB w="12700" cap="flat" cmpd="sng" algn="ctr">
+                      <a:solidFill>
+                        <a:schemeClr val="tx1"/>
+                      </a:solidFill>
+                      <a:prstDash val="solid"/>
+                      <a:round/>
+                      <a:headEnd type="none" w="med" len="med"/>
+                      <a:tailEnd type="none" w="med" len="med"/>
+                    </a:lnB>
+                    <a:noFill/>
+                  </a:tcPr>
+                </a:tc>
+                <a:extLst>
+                  <a:ext uri="{0D108BD9-81ED-4DB2-BD59-A6C34878D82A}">
+                    <a16:rowId xmlns:a16="http://schemas.microsoft.com/office/drawing/2014/main" val="1974064781"/>
+                  </a:ext>
+                </a:extLst>
+              </a:tr>
+            </a:tbl>
+          </a:graphicData>
+        </a:graphic>
+      </p:graphicFrame>
+      <mc:AlternateContent xmlns:mc="http://schemas.openxmlformats.org/markup-compatibility/2006">
+        <mc:Choice xmlns:a14="http://schemas.microsoft.com/office/drawing/2010/main" Requires="a14">
+          <p:sp>
+            <p:nvSpPr>
+              <p:cNvPr id="8" name="文本框 7">
+                <a:extLst>
+                  <a:ext uri="{FF2B5EF4-FFF2-40B4-BE49-F238E27FC236}">
+                    <a16:creationId xmlns:a16="http://schemas.microsoft.com/office/drawing/2014/main" id="{D4EC6496-CD1F-4B69-B9CE-0BBE28E2382B}"/>
+                  </a:ext>
+                </a:extLst>
+              </p:cNvPr>
+              <p:cNvSpPr txBox="1"/>
+              <p:nvPr/>
+            </p:nvSpPr>
+            <p:spPr>
+              <a:xfrm>
+                <a:off x="3647440" y="941400"/>
+                <a:ext cx="1269643" cy="369332"/>
+              </a:xfrm>
+              <a:prstGeom prst="rect">
+                <a:avLst/>
+              </a:prstGeom>
+              <a:noFill/>
+            </p:spPr>
+            <p:txBody>
+              <a:bodyPr wrap="none" rtlCol="0">
+                <a:spAutoFit/>
+              </a:bodyPr>
+              <a:lstStyle/>
+              <a:p>
+                <a:r>
+                  <a:rPr lang="en-US" altLang="zh-CN" dirty="0"/>
+                  <a:t>X</a:t>
+                </a:r>
+                <a:r>
+                  <a:rPr lang="zh-CN" altLang="en-US" dirty="0"/>
+                  <a:t>轴投影</a:t>
+                </a:r>
+                <a14:m>
+                  <m:oMath xmlns:m="http://schemas.openxmlformats.org/officeDocument/2006/math">
+                    <m:sSup>
+                      <m:sSupPr>
+                        <m:ctrlPr>
+                          <a:rPr lang="en-US" altLang="zh-CN" b="0" i="1" smtClean="0">
+                            <a:latin typeface="Cambria Math" panose="02040503050406030204" pitchFamily="18" charset="0"/>
+                          </a:rPr>
+                        </m:ctrlPr>
+                      </m:sSupPr>
+                      <m:e>
+                        <m:r>
+                          <a:rPr lang="en-US" altLang="zh-CN" b="0" i="1" smtClean="0">
+                            <a:latin typeface="Cambria Math" panose="02040503050406030204" pitchFamily="18" charset="0"/>
+                          </a:rPr>
+                          <m:t>𝑓</m:t>
+                        </m:r>
+                      </m:e>
+                      <m:sup>
+                        <m:r>
+                          <a:rPr lang="en-US" altLang="zh-CN" b="0" i="1" smtClean="0">
+                            <a:latin typeface="Cambria Math" panose="02040503050406030204" pitchFamily="18" charset="0"/>
+                          </a:rPr>
+                          <m:t>𝑥</m:t>
+                        </m:r>
+                      </m:sup>
+                    </m:sSup>
+                  </m:oMath>
+                </a14:m>
+                <a:endParaRPr lang="zh-CN" altLang="en-US" dirty="0"/>
+              </a:p>
+            </p:txBody>
+          </p:sp>
+        </mc:Choice>
+        <mc:Fallback>
+          <p:sp>
+            <p:nvSpPr>
+              <p:cNvPr id="8" name="文本框 7">
+                <a:extLst>
+                  <a:ext uri="{FF2B5EF4-FFF2-40B4-BE49-F238E27FC236}">
+                    <a16:creationId xmlns:a16="http://schemas.microsoft.com/office/drawing/2014/main" id="{D4EC6496-CD1F-4B69-B9CE-0BBE28E2382B}"/>
+                  </a:ext>
+                </a:extLst>
+              </p:cNvPr>
+              <p:cNvSpPr txBox="1">
+                <a:spLocks noRot="1" noChangeAspect="1" noMove="1" noResize="1" noEditPoints="1" noAdjustHandles="1" noChangeArrowheads="1" noChangeShapeType="1" noTextEdit="1"/>
+              </p:cNvSpPr>
+              <p:nvPr/>
+            </p:nvSpPr>
+            <p:spPr>
+              <a:xfrm>
+                <a:off x="3647440" y="941400"/>
+                <a:ext cx="1269643" cy="369332"/>
+              </a:xfrm>
+              <a:prstGeom prst="rect">
+                <a:avLst/>
+              </a:prstGeom>
+              <a:blipFill>
+                <a:blip r:embed="rId2"/>
+                <a:stretch>
+                  <a:fillRect l="-3828" t="-8197" b="-24590"/>
+                </a:stretch>
+              </a:blipFill>
+            </p:spPr>
+            <p:txBody>
+              <a:bodyPr/>
+              <a:lstStyle/>
+              <a:p>
+                <a:r>
+                  <a:rPr lang="zh-CN" altLang="en-US">
+                    <a:noFill/>
+                  </a:rPr>
+                  <a:t> </a:t>
+                </a:r>
+              </a:p>
+            </p:txBody>
+          </p:sp>
+        </mc:Fallback>
+      </mc:AlternateContent>
+      <mc:AlternateContent xmlns:mc="http://schemas.openxmlformats.org/markup-compatibility/2006">
+        <mc:Choice xmlns:a14="http://schemas.microsoft.com/office/drawing/2010/main" Requires="a14">
+          <p:sp>
+            <p:nvSpPr>
+              <p:cNvPr id="9" name="文本框 8">
+                <a:extLst>
+                  <a:ext uri="{FF2B5EF4-FFF2-40B4-BE49-F238E27FC236}">
+                    <a16:creationId xmlns:a16="http://schemas.microsoft.com/office/drawing/2014/main" id="{F6BA6DF9-9BEB-4264-A881-AAF5884CF5FD}"/>
+                  </a:ext>
+                </a:extLst>
+              </p:cNvPr>
+              <p:cNvSpPr txBox="1"/>
+              <p:nvPr/>
+            </p:nvSpPr>
+            <p:spPr>
+              <a:xfrm>
+                <a:off x="8016240" y="4602294"/>
+                <a:ext cx="1265539" cy="369332"/>
+              </a:xfrm>
+              <a:prstGeom prst="rect">
+                <a:avLst/>
+              </a:prstGeom>
+              <a:noFill/>
+            </p:spPr>
+            <p:txBody>
+              <a:bodyPr wrap="none" rtlCol="0">
+                <a:spAutoFit/>
+              </a:bodyPr>
+              <a:lstStyle/>
+              <a:p>
+                <a:r>
+                  <a:rPr lang="en-US" altLang="zh-CN" dirty="0"/>
+                  <a:t>Y</a:t>
+                </a:r>
+                <a:r>
+                  <a:rPr lang="zh-CN" altLang="en-US" dirty="0"/>
+                  <a:t>轴投影</a:t>
+                </a:r>
+                <a14:m>
+                  <m:oMath xmlns:m="http://schemas.openxmlformats.org/officeDocument/2006/math">
+                    <m:sSup>
+                      <m:sSupPr>
+                        <m:ctrlPr>
+                          <a:rPr lang="en-US" altLang="zh-CN" b="0" i="1" smtClean="0">
+                            <a:latin typeface="Cambria Math" panose="02040503050406030204" pitchFamily="18" charset="0"/>
+                          </a:rPr>
+                        </m:ctrlPr>
+                      </m:sSupPr>
+                      <m:e>
+                        <m:r>
+                          <a:rPr lang="en-US" altLang="zh-CN" b="0" i="1" smtClean="0">
+                            <a:latin typeface="Cambria Math" panose="02040503050406030204" pitchFamily="18" charset="0"/>
+                          </a:rPr>
+                          <m:t>𝑓</m:t>
+                        </m:r>
+                      </m:e>
+                      <m:sup>
+                        <m:r>
+                          <a:rPr lang="en-US" altLang="zh-CN" b="0" i="1" smtClean="0">
+                            <a:latin typeface="Cambria Math" panose="02040503050406030204" pitchFamily="18" charset="0"/>
+                          </a:rPr>
+                          <m:t>𝑦</m:t>
+                        </m:r>
+                      </m:sup>
+                    </m:sSup>
+                  </m:oMath>
+                </a14:m>
+                <a:endParaRPr lang="zh-CN" altLang="en-US" dirty="0"/>
+              </a:p>
+            </p:txBody>
+          </p:sp>
+        </mc:Choice>
+        <mc:Fallback>
+          <p:sp>
+            <p:nvSpPr>
+              <p:cNvPr id="9" name="文本框 8">
+                <a:extLst>
+                  <a:ext uri="{FF2B5EF4-FFF2-40B4-BE49-F238E27FC236}">
+                    <a16:creationId xmlns:a16="http://schemas.microsoft.com/office/drawing/2014/main" id="{F6BA6DF9-9BEB-4264-A881-AAF5884CF5FD}"/>
+                  </a:ext>
+                </a:extLst>
+              </p:cNvPr>
+              <p:cNvSpPr txBox="1">
+                <a:spLocks noRot="1" noChangeAspect="1" noMove="1" noResize="1" noEditPoints="1" noAdjustHandles="1" noChangeArrowheads="1" noChangeShapeType="1" noTextEdit="1"/>
+              </p:cNvSpPr>
+              <p:nvPr/>
+            </p:nvSpPr>
+            <p:spPr>
+              <a:xfrm>
+                <a:off x="8016240" y="4602294"/>
+                <a:ext cx="1265539" cy="369332"/>
+              </a:xfrm>
+              <a:prstGeom prst="rect">
+                <a:avLst/>
+              </a:prstGeom>
+              <a:blipFill>
+                <a:blip r:embed="rId3"/>
+                <a:stretch>
+                  <a:fillRect l="-3846" t="-9836" b="-24590"/>
+                </a:stretch>
+              </a:blipFill>
+            </p:spPr>
+            <p:txBody>
+              <a:bodyPr/>
+              <a:lstStyle/>
+              <a:p>
+                <a:r>
+                  <a:rPr lang="zh-CN" altLang="en-US">
+                    <a:noFill/>
+                  </a:rPr>
+                  <a:t> </a:t>
+                </a:r>
+              </a:p>
+            </p:txBody>
+          </p:sp>
+        </mc:Fallback>
+      </mc:AlternateContent>
+    </p:spTree>
+    <p:extLst>
+      <p:ext uri="{BB962C8B-B14F-4D97-AF65-F5344CB8AC3E}">
+        <p14:creationId xmlns:p14="http://schemas.microsoft.com/office/powerpoint/2010/main" val="1740905213"/>
+      </p:ext>
+    </p:extLst>
+  </p:cSld>
+  <p:clrMapOvr>
+    <a:masterClrMapping/>
+  </p:clrMapOvr>
+</p:sld>
+</file>
+
+<file path=ppt/slides/slide4.xml><?xml version="1.0" encoding="utf-8"?>
+<p:sld xmlns:a="http://schemas.openxmlformats.org/drawingml/2006/main" xmlns:r="http://schemas.openxmlformats.org/officeDocument/2006/relationships" xmlns:p="http://schemas.openxmlformats.org/presentationml/2006/main">
+  <p:cSld>
+    <p:spTree>
+      <p:nvGrpSpPr>
+        <p:cNvPr id="1" name=""/>
+        <p:cNvGrpSpPr/>
+        <p:nvPr/>
+      </p:nvGrpSpPr>
+      <p:grpSpPr>
+        <a:xfrm>
+          <a:off x="0" y="0"/>
+          <a:ext cx="0" cy="0"/>
+          <a:chOff x="0" y="0"/>
+          <a:chExt cx="0" cy="0"/>
+        </a:xfrm>
+      </p:grpSpPr>
+      <mc:AlternateContent xmlns:mc="http://schemas.openxmlformats.org/markup-compatibility/2006">
+        <mc:Choice xmlns:a14="http://schemas.microsoft.com/office/drawing/2010/main" Requires="a14">
+          <p:sp>
+            <p:nvSpPr>
+              <p:cNvPr id="4" name="矩形 3">
+                <a:extLst>
+                  <a:ext uri="{FF2B5EF4-FFF2-40B4-BE49-F238E27FC236}">
+                    <a16:creationId xmlns:a16="http://schemas.microsoft.com/office/drawing/2014/main" id="{50E7FBB7-2433-4DC1-8861-336347DB2217}"/>
+                  </a:ext>
+                </a:extLst>
+              </p:cNvPr>
+              <p:cNvSpPr/>
+              <p:nvPr/>
+            </p:nvSpPr>
+            <p:spPr>
+              <a:xfrm>
+                <a:off x="2499360" y="924560"/>
+                <a:ext cx="1280160" cy="680720"/>
+              </a:xfrm>
+              <a:prstGeom prst="rect">
+                <a:avLst/>
+              </a:prstGeom>
+              <a:noFill/>
+              <a:ln>
+                <a:solidFill>
+                  <a:schemeClr val="tx1"/>
+                </a:solidFill>
+              </a:ln>
+            </p:spPr>
+            <p:style>
+              <a:lnRef idx="2">
+                <a:schemeClr val="accent1">
+                  <a:shade val="50000"/>
+                </a:schemeClr>
+              </a:lnRef>
+              <a:fillRef idx="1">
+                <a:schemeClr val="accent1"/>
+              </a:fillRef>
+              <a:effectRef idx="0">
+                <a:schemeClr val="accent1"/>
+              </a:effectRef>
+              <a:fontRef idx="minor">
+                <a:schemeClr val="lt1"/>
+              </a:fontRef>
+            </p:style>
+            <p:txBody>
+              <a:bodyPr rtlCol="0" anchor="ctr"/>
+              <a:lstStyle/>
+              <a:p>
+                <a:pPr algn="ctr"/>
+                <a14:m>
+                  <m:oMathPara xmlns:m="http://schemas.openxmlformats.org/officeDocument/2006/math">
+                    <m:oMathParaPr>
+                      <m:jc m:val="centerGroup"/>
+                    </m:oMathParaPr>
+                    <m:oMath xmlns:m="http://schemas.openxmlformats.org/officeDocument/2006/math">
+                      <m:sSubSup>
+                        <m:sSubSupPr>
+                          <m:ctrlPr>
+                            <a:rPr lang="en-US" altLang="zh-CN" b="0" i="1" smtClean="0">
+                              <a:solidFill>
+                                <a:schemeClr val="tx1"/>
+                              </a:solidFill>
+                              <a:latin typeface="Cambria Math" panose="02040503050406030204" pitchFamily="18" charset="0"/>
+                            </a:rPr>
+                          </m:ctrlPr>
+                        </m:sSubSupPr>
+                        <m:e>
+                          <m:r>
+                            <a:rPr lang="en-US" altLang="zh-CN" b="0" i="1" smtClean="0">
+                              <a:solidFill>
+                                <a:schemeClr val="tx1"/>
+                              </a:solidFill>
+                              <a:latin typeface="Cambria Math" panose="02040503050406030204" pitchFamily="18" charset="0"/>
+                            </a:rPr>
+                            <m:t>𝑓</m:t>
+                          </m:r>
+                        </m:e>
+                        <m:sub>
+                          <m:r>
+                            <a:rPr lang="en-US" altLang="zh-CN" b="0" i="1" smtClean="0">
+                              <a:solidFill>
+                                <a:schemeClr val="tx1"/>
+                              </a:solidFill>
+                              <a:latin typeface="Cambria Math" panose="02040503050406030204" pitchFamily="18" charset="0"/>
+                            </a:rPr>
+                            <m:t>𝑥𝑦</m:t>
+                          </m:r>
+                        </m:sub>
+                        <m:sup>
+                          <m:r>
+                            <a:rPr lang="en-US" altLang="zh-CN" b="0" i="1" smtClean="0">
+                              <a:solidFill>
+                                <a:schemeClr val="tx1"/>
+                              </a:solidFill>
+                              <a:latin typeface="Cambria Math" panose="02040503050406030204" pitchFamily="18" charset="0"/>
+                            </a:rPr>
+                            <m:t>𝑥</m:t>
+                          </m:r>
+                        </m:sup>
+                      </m:sSubSup>
+                      <m:r>
+                        <a:rPr lang="en-US" altLang="zh-CN" b="0" i="1" smtClean="0">
+                          <a:solidFill>
+                            <a:schemeClr val="tx1"/>
+                          </a:solidFill>
+                          <a:latin typeface="Cambria Math" panose="02040503050406030204" pitchFamily="18" charset="0"/>
+                        </a:rPr>
+                        <m:t>(</m:t>
+                      </m:r>
+                      <m:r>
+                        <a:rPr lang="en-US" altLang="zh-CN" b="0" i="1" smtClean="0">
+                          <a:solidFill>
+                            <a:schemeClr val="tx1"/>
+                          </a:solidFill>
+                          <a:latin typeface="Cambria Math" panose="02040503050406030204" pitchFamily="18" charset="0"/>
+                        </a:rPr>
+                        <m:t>𝑚</m:t>
+                      </m:r>
+                      <m:r>
+                        <a:rPr lang="en-US" altLang="zh-CN" b="0" i="1" smtClean="0">
+                          <a:solidFill>
+                            <a:schemeClr val="tx1"/>
+                          </a:solidFill>
+                          <a:latin typeface="Cambria Math" panose="02040503050406030204" pitchFamily="18" charset="0"/>
+                        </a:rPr>
+                        <m:t>)</m:t>
+                      </m:r>
+                    </m:oMath>
+                  </m:oMathPara>
+                </a14:m>
+                <a:endParaRPr lang="zh-CN" altLang="en-US" dirty="0">
+                  <a:solidFill>
+                    <a:schemeClr val="tx1"/>
+                  </a:solidFill>
+                </a:endParaRPr>
+              </a:p>
+            </p:txBody>
+          </p:sp>
+        </mc:Choice>
+        <mc:Fallback>
+          <p:sp>
+            <p:nvSpPr>
+              <p:cNvPr id="4" name="矩形 3">
+                <a:extLst>
+                  <a:ext uri="{FF2B5EF4-FFF2-40B4-BE49-F238E27FC236}">
+                    <a16:creationId xmlns:a16="http://schemas.microsoft.com/office/drawing/2014/main" id="{50E7FBB7-2433-4DC1-8861-336347DB2217}"/>
+                  </a:ext>
+                </a:extLst>
+              </p:cNvPr>
+              <p:cNvSpPr>
+                <a:spLocks noRot="1" noChangeAspect="1" noMove="1" noResize="1" noEditPoints="1" noAdjustHandles="1" noChangeArrowheads="1" noChangeShapeType="1" noTextEdit="1"/>
+              </p:cNvSpPr>
+              <p:nvPr/>
+            </p:nvSpPr>
+            <p:spPr>
+              <a:xfrm>
+                <a:off x="2499360" y="924560"/>
+                <a:ext cx="1280160" cy="680720"/>
+              </a:xfrm>
+              <a:prstGeom prst="rect">
+                <a:avLst/>
+              </a:prstGeom>
+              <a:blipFill>
+                <a:blip r:embed="rId2"/>
+                <a:stretch>
+                  <a:fillRect/>
+                </a:stretch>
+              </a:blipFill>
+              <a:ln>
+                <a:solidFill>
+                  <a:schemeClr val="tx1"/>
+                </a:solidFill>
+              </a:ln>
+            </p:spPr>
+            <p:txBody>
+              <a:bodyPr/>
+              <a:lstStyle/>
+              <a:p>
+                <a:r>
+                  <a:rPr lang="zh-CN" altLang="en-US">
+                    <a:noFill/>
+                  </a:rPr>
+                  <a:t> </a:t>
+                </a:r>
+              </a:p>
+            </p:txBody>
+          </p:sp>
+        </mc:Fallback>
+      </mc:AlternateContent>
+      <mc:AlternateContent xmlns:mc="http://schemas.openxmlformats.org/markup-compatibility/2006">
+        <mc:Choice xmlns:a14="http://schemas.microsoft.com/office/drawing/2010/main" Requires="a14">
+          <p:sp>
+            <p:nvSpPr>
+              <p:cNvPr id="5" name="矩形 4">
+                <a:extLst>
+                  <a:ext uri="{FF2B5EF4-FFF2-40B4-BE49-F238E27FC236}">
+                    <a16:creationId xmlns:a16="http://schemas.microsoft.com/office/drawing/2014/main" id="{F0872994-98FE-4508-B500-D0E42E915B52}"/>
+                  </a:ext>
+                </a:extLst>
+              </p:cNvPr>
+              <p:cNvSpPr/>
+              <p:nvPr/>
+            </p:nvSpPr>
+            <p:spPr>
+              <a:xfrm>
+                <a:off x="2499360" y="3429000"/>
+                <a:ext cx="1280160" cy="680720"/>
+              </a:xfrm>
+              <a:prstGeom prst="rect">
+                <a:avLst/>
+              </a:prstGeom>
+              <a:noFill/>
+              <a:ln>
+                <a:solidFill>
+                  <a:schemeClr val="tx1"/>
+                </a:solidFill>
+              </a:ln>
+            </p:spPr>
+            <p:style>
+              <a:lnRef idx="2">
+                <a:schemeClr val="accent1">
+                  <a:shade val="50000"/>
+                </a:schemeClr>
+              </a:lnRef>
+              <a:fillRef idx="1">
+                <a:schemeClr val="accent1"/>
+              </a:fillRef>
+              <a:effectRef idx="0">
+                <a:schemeClr val="accent1"/>
+              </a:effectRef>
+              <a:fontRef idx="minor">
+                <a:schemeClr val="lt1"/>
+              </a:fontRef>
+            </p:style>
+            <p:txBody>
+              <a:bodyPr rtlCol="0" anchor="ctr"/>
+              <a:lstStyle/>
+              <a:p>
+                <a:pPr algn="ctr"/>
+                <a14:m>
+                  <m:oMathPara xmlns:m="http://schemas.openxmlformats.org/officeDocument/2006/math">
+                    <m:oMathParaPr>
+                      <m:jc m:val="centerGroup"/>
+                    </m:oMathParaPr>
+                    <m:oMath xmlns:m="http://schemas.openxmlformats.org/officeDocument/2006/math">
+                      <m:sSubSup>
+                        <m:sSubSupPr>
+                          <m:ctrlPr>
+                            <a:rPr lang="en-US" altLang="zh-CN" b="0" i="1" smtClean="0">
+                              <a:solidFill>
+                                <a:schemeClr val="tx1"/>
+                              </a:solidFill>
+                              <a:latin typeface="Cambria Math" panose="02040503050406030204" pitchFamily="18" charset="0"/>
+                            </a:rPr>
+                          </m:ctrlPr>
+                        </m:sSubSupPr>
+                        <m:e>
+                          <m:r>
+                            <a:rPr lang="en-US" altLang="zh-CN" b="0" i="1" smtClean="0">
+                              <a:solidFill>
+                                <a:schemeClr val="tx1"/>
+                              </a:solidFill>
+                              <a:latin typeface="Cambria Math" panose="02040503050406030204" pitchFamily="18" charset="0"/>
+                            </a:rPr>
+                            <m:t>𝑔</m:t>
+                          </m:r>
+                        </m:e>
+                        <m:sub>
+                          <m:r>
+                            <a:rPr lang="en-US" altLang="zh-CN" b="0" i="1" smtClean="0">
+                              <a:solidFill>
+                                <a:schemeClr val="tx1"/>
+                              </a:solidFill>
+                              <a:latin typeface="Cambria Math" panose="02040503050406030204" pitchFamily="18" charset="0"/>
+                            </a:rPr>
+                            <m:t>𝑥𝑦</m:t>
+                          </m:r>
+                        </m:sub>
+                        <m:sup>
+                          <m:r>
+                            <a:rPr lang="en-US" altLang="zh-CN" b="0" i="1" smtClean="0">
+                              <a:solidFill>
+                                <a:schemeClr val="tx1"/>
+                              </a:solidFill>
+                              <a:latin typeface="Cambria Math" panose="02040503050406030204" pitchFamily="18" charset="0"/>
+                            </a:rPr>
+                            <m:t>𝑥</m:t>
+                          </m:r>
+                        </m:sup>
+                      </m:sSubSup>
+                      <m:r>
+                        <a:rPr lang="en-US" altLang="zh-CN" b="0" i="1" smtClean="0">
+                          <a:solidFill>
+                            <a:schemeClr val="tx1"/>
+                          </a:solidFill>
+                          <a:latin typeface="Cambria Math" panose="02040503050406030204" pitchFamily="18" charset="0"/>
+                        </a:rPr>
+                        <m:t>(</m:t>
+                      </m:r>
+                      <m:r>
+                        <a:rPr lang="en-US" altLang="zh-CN" b="0" i="1" smtClean="0">
+                          <a:solidFill>
+                            <a:schemeClr val="tx1"/>
+                          </a:solidFill>
+                          <a:latin typeface="Cambria Math" panose="02040503050406030204" pitchFamily="18" charset="0"/>
+                        </a:rPr>
+                        <m:t>𝑚</m:t>
+                      </m:r>
+                      <m:r>
+                        <a:rPr lang="en-US" altLang="zh-CN" b="0" i="1" smtClean="0">
+                          <a:solidFill>
+                            <a:schemeClr val="tx1"/>
+                          </a:solidFill>
+                          <a:latin typeface="Cambria Math" panose="02040503050406030204" pitchFamily="18" charset="0"/>
+                        </a:rPr>
+                        <m:t>)</m:t>
+                      </m:r>
+                    </m:oMath>
+                  </m:oMathPara>
+                </a14:m>
+                <a:endParaRPr lang="zh-CN" altLang="en-US" dirty="0">
+                  <a:solidFill>
+                    <a:schemeClr val="tx1"/>
+                  </a:solidFill>
+                </a:endParaRPr>
+              </a:p>
+            </p:txBody>
+          </p:sp>
+        </mc:Choice>
+        <mc:Fallback>
+          <p:sp>
+            <p:nvSpPr>
+              <p:cNvPr id="5" name="矩形 4">
+                <a:extLst>
+                  <a:ext uri="{FF2B5EF4-FFF2-40B4-BE49-F238E27FC236}">
+                    <a16:creationId xmlns:a16="http://schemas.microsoft.com/office/drawing/2014/main" id="{F0872994-98FE-4508-B500-D0E42E915B52}"/>
+                  </a:ext>
+                </a:extLst>
+              </p:cNvPr>
+              <p:cNvSpPr>
+                <a:spLocks noRot="1" noChangeAspect="1" noMove="1" noResize="1" noEditPoints="1" noAdjustHandles="1" noChangeArrowheads="1" noChangeShapeType="1" noTextEdit="1"/>
+              </p:cNvSpPr>
+              <p:nvPr/>
+            </p:nvSpPr>
+            <p:spPr>
+              <a:xfrm>
+                <a:off x="2499360" y="3429000"/>
+                <a:ext cx="1280160" cy="680720"/>
+              </a:xfrm>
+              <a:prstGeom prst="rect">
+                <a:avLst/>
+              </a:prstGeom>
+              <a:blipFill>
+                <a:blip r:embed="rId3"/>
+                <a:stretch>
+                  <a:fillRect/>
+                </a:stretch>
+              </a:blipFill>
+              <a:ln>
+                <a:solidFill>
+                  <a:schemeClr val="tx1"/>
+                </a:solidFill>
+              </a:ln>
+            </p:spPr>
+            <p:txBody>
+              <a:bodyPr/>
+              <a:lstStyle/>
+              <a:p>
+                <a:r>
+                  <a:rPr lang="zh-CN" altLang="en-US">
+                    <a:noFill/>
+                  </a:rPr>
+                  <a:t> </a:t>
+                </a:r>
+              </a:p>
+            </p:txBody>
+          </p:sp>
+        </mc:Fallback>
+      </mc:AlternateContent>
+      <mc:AlternateContent xmlns:mc="http://schemas.openxmlformats.org/markup-compatibility/2006">
+        <mc:Choice xmlns:a14="http://schemas.microsoft.com/office/drawing/2010/main" Requires="a14">
+          <p:sp>
+            <p:nvSpPr>
+              <p:cNvPr id="6" name="矩形 5">
+                <a:extLst>
+                  <a:ext uri="{FF2B5EF4-FFF2-40B4-BE49-F238E27FC236}">
+                    <a16:creationId xmlns:a16="http://schemas.microsoft.com/office/drawing/2014/main" id="{8E8DE9A8-944C-478E-8676-804DD2A1FE7F}"/>
+                  </a:ext>
+                </a:extLst>
+              </p:cNvPr>
+              <p:cNvSpPr/>
+              <p:nvPr/>
+            </p:nvSpPr>
+            <p:spPr>
+              <a:xfrm>
+                <a:off x="8067040" y="924560"/>
+                <a:ext cx="1280160" cy="680720"/>
+              </a:xfrm>
+              <a:prstGeom prst="rect">
+                <a:avLst/>
+              </a:prstGeom>
+              <a:noFill/>
+              <a:ln>
+                <a:solidFill>
+                  <a:schemeClr val="tx1"/>
+                </a:solidFill>
+              </a:ln>
+            </p:spPr>
+            <p:style>
+              <a:lnRef idx="2">
+                <a:schemeClr val="accent1">
+                  <a:shade val="50000"/>
+                </a:schemeClr>
+              </a:lnRef>
+              <a:fillRef idx="1">
+                <a:schemeClr val="accent1"/>
+              </a:fillRef>
+              <a:effectRef idx="0">
+                <a:schemeClr val="accent1"/>
+              </a:effectRef>
+              <a:fontRef idx="minor">
+                <a:schemeClr val="lt1"/>
+              </a:fontRef>
+            </p:style>
+            <p:txBody>
+              <a:bodyPr rtlCol="0" anchor="ctr"/>
+              <a:lstStyle/>
+              <a:p>
+                <a:pPr algn="ctr"/>
+                <a14:m>
+                  <m:oMathPara xmlns:m="http://schemas.openxmlformats.org/officeDocument/2006/math">
+                    <m:oMathParaPr>
+                      <m:jc m:val="centerGroup"/>
+                    </m:oMathParaPr>
+                    <m:oMath xmlns:m="http://schemas.openxmlformats.org/officeDocument/2006/math">
+                      <m:sSubSup>
+                        <m:sSubSupPr>
+                          <m:ctrlPr>
+                            <a:rPr lang="en-US" altLang="zh-CN" b="0" i="1" smtClean="0">
+                              <a:solidFill>
+                                <a:schemeClr val="tx1"/>
+                              </a:solidFill>
+                              <a:latin typeface="Cambria Math" panose="02040503050406030204" pitchFamily="18" charset="0"/>
+                            </a:rPr>
+                          </m:ctrlPr>
+                        </m:sSubSupPr>
+                        <m:e>
+                          <m:r>
+                            <a:rPr lang="en-US" altLang="zh-CN" b="0" i="1" smtClean="0">
+                              <a:solidFill>
+                                <a:schemeClr val="tx1"/>
+                              </a:solidFill>
+                              <a:latin typeface="Cambria Math" panose="02040503050406030204" pitchFamily="18" charset="0"/>
+                            </a:rPr>
+                            <m:t>𝐹</m:t>
+                          </m:r>
+                        </m:e>
+                        <m:sub>
+                          <m:r>
+                            <a:rPr lang="en-US" altLang="zh-CN" b="0" i="1" smtClean="0">
+                              <a:solidFill>
+                                <a:schemeClr val="tx1"/>
+                              </a:solidFill>
+                              <a:latin typeface="Cambria Math" panose="02040503050406030204" pitchFamily="18" charset="0"/>
+                            </a:rPr>
+                            <m:t>𝑥𝑦</m:t>
+                          </m:r>
+                        </m:sub>
+                        <m:sup>
+                          <m:r>
+                            <a:rPr lang="en-US" altLang="zh-CN" b="0" i="1" smtClean="0">
+                              <a:solidFill>
+                                <a:schemeClr val="tx1"/>
+                              </a:solidFill>
+                              <a:latin typeface="Cambria Math" panose="02040503050406030204" pitchFamily="18" charset="0"/>
+                            </a:rPr>
+                            <m:t>𝑥</m:t>
+                          </m:r>
+                        </m:sup>
+                      </m:sSubSup>
+                      <m:r>
+                        <a:rPr lang="en-US" altLang="zh-CN" b="0" i="1" smtClean="0">
+                          <a:solidFill>
+                            <a:schemeClr val="tx1"/>
+                          </a:solidFill>
+                          <a:latin typeface="Cambria Math" panose="02040503050406030204" pitchFamily="18" charset="0"/>
+                        </a:rPr>
+                        <m:t>(</m:t>
+                      </m:r>
+                      <m:r>
+                        <a:rPr lang="en-US" altLang="zh-CN" b="0" i="1" smtClean="0">
+                          <a:solidFill>
+                            <a:schemeClr val="tx1"/>
+                          </a:solidFill>
+                          <a:latin typeface="Cambria Math" panose="02040503050406030204" pitchFamily="18" charset="0"/>
+                        </a:rPr>
+                        <m:t>𝑢</m:t>
+                      </m:r>
+                      <m:r>
+                        <a:rPr lang="en-US" altLang="zh-CN" b="0" i="1" smtClean="0">
+                          <a:solidFill>
+                            <a:schemeClr val="tx1"/>
+                          </a:solidFill>
+                          <a:latin typeface="Cambria Math" panose="02040503050406030204" pitchFamily="18" charset="0"/>
+                        </a:rPr>
+                        <m:t>)</m:t>
+                      </m:r>
+                    </m:oMath>
+                  </m:oMathPara>
+                </a14:m>
+                <a:endParaRPr lang="zh-CN" altLang="en-US" dirty="0">
+                  <a:solidFill>
+                    <a:schemeClr val="tx1"/>
+                  </a:solidFill>
+                </a:endParaRPr>
+              </a:p>
+            </p:txBody>
+          </p:sp>
+        </mc:Choice>
+        <mc:Fallback>
+          <p:sp>
+            <p:nvSpPr>
+              <p:cNvPr id="6" name="矩形 5">
+                <a:extLst>
+                  <a:ext uri="{FF2B5EF4-FFF2-40B4-BE49-F238E27FC236}">
+                    <a16:creationId xmlns:a16="http://schemas.microsoft.com/office/drawing/2014/main" id="{8E8DE9A8-944C-478E-8676-804DD2A1FE7F}"/>
+                  </a:ext>
+                </a:extLst>
+              </p:cNvPr>
+              <p:cNvSpPr>
+                <a:spLocks noRot="1" noChangeAspect="1" noMove="1" noResize="1" noEditPoints="1" noAdjustHandles="1" noChangeArrowheads="1" noChangeShapeType="1" noTextEdit="1"/>
+              </p:cNvSpPr>
+              <p:nvPr/>
+            </p:nvSpPr>
+            <p:spPr>
+              <a:xfrm>
+                <a:off x="8067040" y="924560"/>
+                <a:ext cx="1280160" cy="680720"/>
+              </a:xfrm>
+              <a:prstGeom prst="rect">
+                <a:avLst/>
+              </a:prstGeom>
+              <a:blipFill>
+                <a:blip r:embed="rId4"/>
+                <a:stretch>
+                  <a:fillRect/>
+                </a:stretch>
+              </a:blipFill>
+              <a:ln>
+                <a:solidFill>
+                  <a:schemeClr val="tx1"/>
+                </a:solidFill>
+              </a:ln>
+            </p:spPr>
+            <p:txBody>
+              <a:bodyPr/>
+              <a:lstStyle/>
+              <a:p>
+                <a:r>
+                  <a:rPr lang="zh-CN" altLang="en-US">
+                    <a:noFill/>
+                  </a:rPr>
+                  <a:t> </a:t>
+                </a:r>
+              </a:p>
+            </p:txBody>
+          </p:sp>
+        </mc:Fallback>
+      </mc:AlternateContent>
+      <mc:AlternateContent xmlns:mc="http://schemas.openxmlformats.org/markup-compatibility/2006">
+        <mc:Choice xmlns:a14="http://schemas.microsoft.com/office/drawing/2010/main" Requires="a14">
+          <p:sp>
+            <p:nvSpPr>
+              <p:cNvPr id="7" name="矩形 6">
+                <a:extLst>
+                  <a:ext uri="{FF2B5EF4-FFF2-40B4-BE49-F238E27FC236}">
+                    <a16:creationId xmlns:a16="http://schemas.microsoft.com/office/drawing/2014/main" id="{A2547AA3-ED36-4B05-9D0D-B4903D8FC06D}"/>
+                  </a:ext>
+                </a:extLst>
+              </p:cNvPr>
+              <p:cNvSpPr/>
+              <p:nvPr/>
+            </p:nvSpPr>
+            <p:spPr>
+              <a:xfrm>
+                <a:off x="8067040" y="3429000"/>
+                <a:ext cx="1280160" cy="680720"/>
+              </a:xfrm>
+              <a:prstGeom prst="rect">
+                <a:avLst/>
+              </a:prstGeom>
+              <a:noFill/>
+              <a:ln>
+                <a:solidFill>
+                  <a:schemeClr val="tx1"/>
+                </a:solidFill>
+              </a:ln>
+            </p:spPr>
+            <p:style>
+              <a:lnRef idx="2">
+                <a:schemeClr val="accent1">
+                  <a:shade val="50000"/>
+                </a:schemeClr>
+              </a:lnRef>
+              <a:fillRef idx="1">
+                <a:schemeClr val="accent1"/>
+              </a:fillRef>
+              <a:effectRef idx="0">
+                <a:schemeClr val="accent1"/>
+              </a:effectRef>
+              <a:fontRef idx="minor">
+                <a:schemeClr val="lt1"/>
+              </a:fontRef>
+            </p:style>
+            <p:txBody>
+              <a:bodyPr rtlCol="0" anchor="ctr"/>
+              <a:lstStyle/>
+              <a:p>
+                <a:pPr algn="ctr"/>
+                <a14:m>
+                  <m:oMathPara xmlns:m="http://schemas.openxmlformats.org/officeDocument/2006/math">
+                    <m:oMathParaPr>
+                      <m:jc m:val="centerGroup"/>
+                    </m:oMathParaPr>
+                    <m:oMath xmlns:m="http://schemas.openxmlformats.org/officeDocument/2006/math">
+                      <m:sSubSup>
+                        <m:sSubSupPr>
+                          <m:ctrlPr>
+                            <a:rPr lang="en-US" altLang="zh-CN" b="0" i="1" smtClean="0">
+                              <a:solidFill>
+                                <a:schemeClr val="tx1"/>
+                              </a:solidFill>
+                              <a:latin typeface="Cambria Math" panose="02040503050406030204" pitchFamily="18" charset="0"/>
+                            </a:rPr>
+                          </m:ctrlPr>
+                        </m:sSubSupPr>
+                        <m:e>
+                          <m:r>
+                            <a:rPr lang="en-US" altLang="zh-CN" b="0" i="1" smtClean="0">
+                              <a:solidFill>
+                                <a:schemeClr val="tx1"/>
+                              </a:solidFill>
+                              <a:latin typeface="Cambria Math" panose="02040503050406030204" pitchFamily="18" charset="0"/>
+                            </a:rPr>
+                            <m:t>𝐺</m:t>
+                          </m:r>
+                        </m:e>
+                        <m:sub>
+                          <m:r>
+                            <a:rPr lang="en-US" altLang="zh-CN" b="0" i="1" smtClean="0">
+                              <a:solidFill>
+                                <a:schemeClr val="tx1"/>
+                              </a:solidFill>
+                              <a:latin typeface="Cambria Math" panose="02040503050406030204" pitchFamily="18" charset="0"/>
+                            </a:rPr>
+                            <m:t>𝑥𝑦</m:t>
+                          </m:r>
+                        </m:sub>
+                        <m:sup>
+                          <m:r>
+                            <a:rPr lang="en-US" altLang="zh-CN" b="0" i="1" smtClean="0">
+                              <a:solidFill>
+                                <a:schemeClr val="tx1"/>
+                              </a:solidFill>
+                              <a:latin typeface="Cambria Math" panose="02040503050406030204" pitchFamily="18" charset="0"/>
+                            </a:rPr>
+                            <m:t>𝑥</m:t>
+                          </m:r>
+                        </m:sup>
+                      </m:sSubSup>
+                      <m:r>
+                        <a:rPr lang="en-US" altLang="zh-CN" b="0" i="1" smtClean="0">
+                          <a:solidFill>
+                            <a:schemeClr val="tx1"/>
+                          </a:solidFill>
+                          <a:latin typeface="Cambria Math" panose="02040503050406030204" pitchFamily="18" charset="0"/>
+                        </a:rPr>
+                        <m:t>(</m:t>
+                      </m:r>
+                      <m:r>
+                        <a:rPr lang="en-US" altLang="zh-CN" b="0" i="1" smtClean="0">
+                          <a:solidFill>
+                            <a:schemeClr val="tx1"/>
+                          </a:solidFill>
+                          <a:latin typeface="Cambria Math" panose="02040503050406030204" pitchFamily="18" charset="0"/>
+                        </a:rPr>
+                        <m:t>𝑢</m:t>
+                      </m:r>
+                      <m:r>
+                        <a:rPr lang="en-US" altLang="zh-CN" b="0" i="1" smtClean="0">
+                          <a:solidFill>
+                            <a:schemeClr val="tx1"/>
+                          </a:solidFill>
+                          <a:latin typeface="Cambria Math" panose="02040503050406030204" pitchFamily="18" charset="0"/>
+                        </a:rPr>
+                        <m:t>)</m:t>
+                      </m:r>
+                    </m:oMath>
+                  </m:oMathPara>
+                </a14:m>
+                <a:endParaRPr lang="zh-CN" altLang="en-US" dirty="0">
+                  <a:solidFill>
+                    <a:schemeClr val="tx1"/>
+                  </a:solidFill>
+                </a:endParaRPr>
+              </a:p>
+            </p:txBody>
+          </p:sp>
+        </mc:Choice>
+        <mc:Fallback>
+          <p:sp>
+            <p:nvSpPr>
+              <p:cNvPr id="7" name="矩形 6">
+                <a:extLst>
+                  <a:ext uri="{FF2B5EF4-FFF2-40B4-BE49-F238E27FC236}">
+                    <a16:creationId xmlns:a16="http://schemas.microsoft.com/office/drawing/2014/main" id="{A2547AA3-ED36-4B05-9D0D-B4903D8FC06D}"/>
+                  </a:ext>
+                </a:extLst>
+              </p:cNvPr>
+              <p:cNvSpPr>
+                <a:spLocks noRot="1" noChangeAspect="1" noMove="1" noResize="1" noEditPoints="1" noAdjustHandles="1" noChangeArrowheads="1" noChangeShapeType="1" noTextEdit="1"/>
+              </p:cNvSpPr>
+              <p:nvPr/>
+            </p:nvSpPr>
+            <p:spPr>
+              <a:xfrm>
+                <a:off x="8067040" y="3429000"/>
+                <a:ext cx="1280160" cy="680720"/>
+              </a:xfrm>
+              <a:prstGeom prst="rect">
+                <a:avLst/>
+              </a:prstGeom>
+              <a:blipFill>
+                <a:blip r:embed="rId5"/>
+                <a:stretch>
+                  <a:fillRect/>
+                </a:stretch>
+              </a:blipFill>
+              <a:ln>
+                <a:solidFill>
+                  <a:schemeClr val="tx1"/>
+                </a:solidFill>
+              </a:ln>
+            </p:spPr>
+            <p:txBody>
+              <a:bodyPr/>
+              <a:lstStyle/>
+              <a:p>
+                <a:r>
+                  <a:rPr lang="zh-CN" altLang="en-US">
+                    <a:noFill/>
+                  </a:rPr>
+                  <a:t> </a:t>
+                </a:r>
+              </a:p>
+            </p:txBody>
+          </p:sp>
+        </mc:Fallback>
+      </mc:AlternateContent>
+      <mc:AlternateContent xmlns:mc="http://schemas.openxmlformats.org/markup-compatibility/2006">
+        <mc:Choice xmlns:a14="http://schemas.microsoft.com/office/drawing/2010/main" Requires="a14">
+          <p:sp>
+            <p:nvSpPr>
+              <p:cNvPr id="8" name="矩形 7">
+                <a:extLst>
+                  <a:ext uri="{FF2B5EF4-FFF2-40B4-BE49-F238E27FC236}">
+                    <a16:creationId xmlns:a16="http://schemas.microsoft.com/office/drawing/2014/main" id="{E455BAE8-9D26-4053-AFE0-ED6F40AD92EA}"/>
+                  </a:ext>
+                </a:extLst>
+              </p:cNvPr>
+              <p:cNvSpPr/>
+              <p:nvPr/>
+            </p:nvSpPr>
+            <p:spPr>
+              <a:xfrm>
+                <a:off x="4099561" y="2174240"/>
+                <a:ext cx="1280160" cy="680720"/>
+              </a:xfrm>
+              <a:prstGeom prst="rect">
+                <a:avLst/>
+              </a:prstGeom>
+              <a:noFill/>
+              <a:ln>
+                <a:solidFill>
+                  <a:schemeClr val="tx1"/>
+                </a:solidFill>
+              </a:ln>
+            </p:spPr>
+            <p:style>
+              <a:lnRef idx="2">
+                <a:schemeClr val="accent1">
+                  <a:shade val="50000"/>
+                </a:schemeClr>
+              </a:lnRef>
+              <a:fillRef idx="1">
+                <a:schemeClr val="accent1"/>
+              </a:fillRef>
+              <a:effectRef idx="0">
+                <a:schemeClr val="accent1"/>
+              </a:effectRef>
+              <a:fontRef idx="minor">
+                <a:schemeClr val="lt1"/>
+              </a:fontRef>
+            </p:style>
+            <p:txBody>
+              <a:bodyPr rtlCol="0" anchor="ctr"/>
+              <a:lstStyle/>
+              <a:p>
+                <a:pPr algn="ctr"/>
+                <a14:m>
+                  <m:oMathPara xmlns:m="http://schemas.openxmlformats.org/officeDocument/2006/math">
+                    <m:oMathParaPr>
+                      <m:jc m:val="centerGroup"/>
+                    </m:oMathParaPr>
+                    <m:oMath xmlns:m="http://schemas.openxmlformats.org/officeDocument/2006/math">
+                      <m:sSubSup>
+                        <m:sSubSupPr>
+                          <m:ctrlPr>
+                            <a:rPr lang="en-US" altLang="zh-CN" b="0" i="1" smtClean="0">
+                              <a:solidFill>
+                                <a:schemeClr val="tx1"/>
+                              </a:solidFill>
+                              <a:latin typeface="Cambria Math" panose="02040503050406030204" pitchFamily="18" charset="0"/>
+                            </a:rPr>
+                          </m:ctrlPr>
+                        </m:sSubSupPr>
+                        <m:e>
+                          <m:r>
+                            <a:rPr lang="en-US" altLang="zh-CN" b="0" i="1" smtClean="0">
+                              <a:solidFill>
+                                <a:schemeClr val="tx1"/>
+                              </a:solidFill>
+                              <a:latin typeface="Cambria Math" panose="02040503050406030204" pitchFamily="18" charset="0"/>
+                            </a:rPr>
+                            <m:t>𝑟</m:t>
+                          </m:r>
+                        </m:e>
+                        <m:sub>
+                          <m:r>
+                            <a:rPr lang="en-US" altLang="zh-CN" b="0" i="1" smtClean="0">
+                              <a:solidFill>
+                                <a:schemeClr val="tx1"/>
+                              </a:solidFill>
+                              <a:latin typeface="Cambria Math" panose="02040503050406030204" pitchFamily="18" charset="0"/>
+                            </a:rPr>
+                            <m:t>𝑥𝑦</m:t>
+                          </m:r>
+                        </m:sub>
+                        <m:sup>
+                          <m:r>
+                            <a:rPr lang="en-US" altLang="zh-CN" b="0" i="1" smtClean="0">
+                              <a:solidFill>
+                                <a:schemeClr val="tx1"/>
+                              </a:solidFill>
+                              <a:latin typeface="Cambria Math" panose="02040503050406030204" pitchFamily="18" charset="0"/>
+                            </a:rPr>
+                            <m:t>𝑥</m:t>
+                          </m:r>
+                        </m:sup>
+                      </m:sSubSup>
+                      <m:r>
+                        <a:rPr lang="en-US" altLang="zh-CN" b="0" i="1" smtClean="0">
+                          <a:solidFill>
+                            <a:schemeClr val="tx1"/>
+                          </a:solidFill>
+                          <a:latin typeface="Cambria Math" panose="02040503050406030204" pitchFamily="18" charset="0"/>
+                        </a:rPr>
+                        <m:t>(</m:t>
+                      </m:r>
+                      <m:r>
+                        <a:rPr lang="en-US" altLang="zh-CN" b="0" i="1" smtClean="0">
+                          <a:solidFill>
+                            <a:schemeClr val="tx1"/>
+                          </a:solidFill>
+                          <a:latin typeface="Cambria Math" panose="02040503050406030204" pitchFamily="18" charset="0"/>
+                        </a:rPr>
+                        <m:t>𝑚</m:t>
+                      </m:r>
+                      <m:r>
+                        <a:rPr lang="en-US" altLang="zh-CN" b="0" i="1" smtClean="0">
+                          <a:solidFill>
+                            <a:schemeClr val="tx1"/>
+                          </a:solidFill>
+                          <a:latin typeface="Cambria Math" panose="02040503050406030204" pitchFamily="18" charset="0"/>
+                        </a:rPr>
+                        <m:t>)</m:t>
+                      </m:r>
+                    </m:oMath>
+                  </m:oMathPara>
+                </a14:m>
+                <a:endParaRPr lang="zh-CN" altLang="en-US" dirty="0">
+                  <a:solidFill>
+                    <a:schemeClr val="tx1"/>
+                  </a:solidFill>
+                </a:endParaRPr>
+              </a:p>
+            </p:txBody>
+          </p:sp>
+        </mc:Choice>
+        <mc:Fallback>
+          <p:sp>
+            <p:nvSpPr>
+              <p:cNvPr id="8" name="矩形 7">
+                <a:extLst>
+                  <a:ext uri="{FF2B5EF4-FFF2-40B4-BE49-F238E27FC236}">
+                    <a16:creationId xmlns:a16="http://schemas.microsoft.com/office/drawing/2014/main" id="{E455BAE8-9D26-4053-AFE0-ED6F40AD92EA}"/>
+                  </a:ext>
+                </a:extLst>
+              </p:cNvPr>
+              <p:cNvSpPr>
+                <a:spLocks noRot="1" noChangeAspect="1" noMove="1" noResize="1" noEditPoints="1" noAdjustHandles="1" noChangeArrowheads="1" noChangeShapeType="1" noTextEdit="1"/>
+              </p:cNvSpPr>
+              <p:nvPr/>
+            </p:nvSpPr>
+            <p:spPr>
+              <a:xfrm>
+                <a:off x="4099561" y="2174240"/>
+                <a:ext cx="1280160" cy="680720"/>
+              </a:xfrm>
+              <a:prstGeom prst="rect">
+                <a:avLst/>
+              </a:prstGeom>
+              <a:blipFill>
+                <a:blip r:embed="rId6"/>
+                <a:stretch>
+                  <a:fillRect/>
+                </a:stretch>
+              </a:blipFill>
+              <a:ln>
+                <a:solidFill>
+                  <a:schemeClr val="tx1"/>
+                </a:solidFill>
+              </a:ln>
+            </p:spPr>
+            <p:txBody>
+              <a:bodyPr/>
+              <a:lstStyle/>
+              <a:p>
+                <a:r>
+                  <a:rPr lang="zh-CN" altLang="en-US">
+                    <a:noFill/>
+                  </a:rPr>
+                  <a:t> </a:t>
+                </a:r>
+              </a:p>
+            </p:txBody>
+          </p:sp>
+        </mc:Fallback>
+      </mc:AlternateContent>
+      <mc:AlternateContent xmlns:mc="http://schemas.openxmlformats.org/markup-compatibility/2006">
+        <mc:Choice xmlns:a14="http://schemas.microsoft.com/office/drawing/2010/main" Requires="a14">
+          <p:sp>
+            <p:nvSpPr>
+              <p:cNvPr id="9" name="矩形 8">
+                <a:extLst>
+                  <a:ext uri="{FF2B5EF4-FFF2-40B4-BE49-F238E27FC236}">
+                    <a16:creationId xmlns:a16="http://schemas.microsoft.com/office/drawing/2014/main" id="{18035857-9F20-4887-87FA-0949ADEFEC59}"/>
+                  </a:ext>
+                </a:extLst>
+              </p:cNvPr>
+              <p:cNvSpPr/>
+              <p:nvPr/>
+            </p:nvSpPr>
+            <p:spPr>
+              <a:xfrm>
+                <a:off x="6466840" y="2174240"/>
+                <a:ext cx="1280160" cy="680720"/>
+              </a:xfrm>
+              <a:prstGeom prst="rect">
+                <a:avLst/>
+              </a:prstGeom>
+              <a:noFill/>
+              <a:ln>
+                <a:solidFill>
+                  <a:schemeClr val="tx1"/>
+                </a:solidFill>
+              </a:ln>
+            </p:spPr>
+            <p:style>
+              <a:lnRef idx="2">
+                <a:schemeClr val="accent1">
+                  <a:shade val="50000"/>
+                </a:schemeClr>
+              </a:lnRef>
+              <a:fillRef idx="1">
+                <a:schemeClr val="accent1"/>
+              </a:fillRef>
+              <a:effectRef idx="0">
+                <a:schemeClr val="accent1"/>
+              </a:effectRef>
+              <a:fontRef idx="minor">
+                <a:schemeClr val="lt1"/>
+              </a:fontRef>
+            </p:style>
+            <p:txBody>
+              <a:bodyPr rtlCol="0" anchor="ctr"/>
+              <a:lstStyle/>
+              <a:p>
+                <a:pPr algn="ctr"/>
+                <a14:m>
+                  <m:oMathPara xmlns:m="http://schemas.openxmlformats.org/officeDocument/2006/math">
+                    <m:oMathParaPr>
+                      <m:jc m:val="centerGroup"/>
+                    </m:oMathParaPr>
+                    <m:oMath xmlns:m="http://schemas.openxmlformats.org/officeDocument/2006/math">
+                      <m:sSubSup>
+                        <m:sSubSupPr>
+                          <m:ctrlPr>
+                            <a:rPr lang="en-US" altLang="zh-CN" b="0" i="1" smtClean="0">
+                              <a:solidFill>
+                                <a:schemeClr val="tx1"/>
+                              </a:solidFill>
+                              <a:latin typeface="Cambria Math" panose="02040503050406030204" pitchFamily="18" charset="0"/>
+                            </a:rPr>
+                          </m:ctrlPr>
+                        </m:sSubSupPr>
+                        <m:e>
+                          <m:r>
+                            <a:rPr lang="en-US" altLang="zh-CN" b="0" i="1" smtClean="0">
+                              <a:solidFill>
+                                <a:schemeClr val="tx1"/>
+                              </a:solidFill>
+                              <a:latin typeface="Cambria Math" panose="02040503050406030204" pitchFamily="18" charset="0"/>
+                            </a:rPr>
+                            <m:t>𝑅</m:t>
+                          </m:r>
+                        </m:e>
+                        <m:sub>
+                          <m:r>
+                            <a:rPr lang="en-US" altLang="zh-CN" b="0" i="1" smtClean="0">
+                              <a:solidFill>
+                                <a:schemeClr val="tx1"/>
+                              </a:solidFill>
+                              <a:latin typeface="Cambria Math" panose="02040503050406030204" pitchFamily="18" charset="0"/>
+                            </a:rPr>
+                            <m:t>𝑥𝑦</m:t>
+                          </m:r>
+                        </m:sub>
+                        <m:sup>
+                          <m:r>
+                            <a:rPr lang="en-US" altLang="zh-CN" b="0" i="1" smtClean="0">
+                              <a:solidFill>
+                                <a:schemeClr val="tx1"/>
+                              </a:solidFill>
+                              <a:latin typeface="Cambria Math" panose="02040503050406030204" pitchFamily="18" charset="0"/>
+                            </a:rPr>
+                            <m:t>𝑥</m:t>
+                          </m:r>
+                        </m:sup>
+                      </m:sSubSup>
+                      <m:r>
+                        <a:rPr lang="en-US" altLang="zh-CN" b="0" i="1" smtClean="0">
+                          <a:solidFill>
+                            <a:schemeClr val="tx1"/>
+                          </a:solidFill>
+                          <a:latin typeface="Cambria Math" panose="02040503050406030204" pitchFamily="18" charset="0"/>
+                        </a:rPr>
+                        <m:t>(</m:t>
+                      </m:r>
+                      <m:r>
+                        <a:rPr lang="en-US" altLang="zh-CN" b="0" i="1" smtClean="0">
+                          <a:solidFill>
+                            <a:schemeClr val="tx1"/>
+                          </a:solidFill>
+                          <a:latin typeface="Cambria Math" panose="02040503050406030204" pitchFamily="18" charset="0"/>
+                        </a:rPr>
+                        <m:t>𝑢</m:t>
+                      </m:r>
+                      <m:r>
+                        <a:rPr lang="en-US" altLang="zh-CN" b="0" i="1" smtClean="0">
+                          <a:solidFill>
+                            <a:schemeClr val="tx1"/>
+                          </a:solidFill>
+                          <a:latin typeface="Cambria Math" panose="02040503050406030204" pitchFamily="18" charset="0"/>
+                        </a:rPr>
+                        <m:t>)</m:t>
+                      </m:r>
+                    </m:oMath>
+                  </m:oMathPara>
+                </a14:m>
+                <a:endParaRPr lang="zh-CN" altLang="en-US" dirty="0">
+                  <a:solidFill>
+                    <a:schemeClr val="tx1"/>
+                  </a:solidFill>
+                </a:endParaRPr>
+              </a:p>
+            </p:txBody>
+          </p:sp>
+        </mc:Choice>
+        <mc:Fallback>
+          <p:sp>
+            <p:nvSpPr>
+              <p:cNvPr id="9" name="矩形 8">
+                <a:extLst>
+                  <a:ext uri="{FF2B5EF4-FFF2-40B4-BE49-F238E27FC236}">
+                    <a16:creationId xmlns:a16="http://schemas.microsoft.com/office/drawing/2014/main" id="{18035857-9F20-4887-87FA-0949ADEFEC59}"/>
+                  </a:ext>
+                </a:extLst>
+              </p:cNvPr>
+              <p:cNvSpPr>
+                <a:spLocks noRot="1" noChangeAspect="1" noMove="1" noResize="1" noEditPoints="1" noAdjustHandles="1" noChangeArrowheads="1" noChangeShapeType="1" noTextEdit="1"/>
+              </p:cNvSpPr>
+              <p:nvPr/>
+            </p:nvSpPr>
+            <p:spPr>
+              <a:xfrm>
+                <a:off x="6466840" y="2174240"/>
+                <a:ext cx="1280160" cy="680720"/>
+              </a:xfrm>
+              <a:prstGeom prst="rect">
+                <a:avLst/>
+              </a:prstGeom>
+              <a:blipFill>
+                <a:blip r:embed="rId7"/>
+                <a:stretch>
+                  <a:fillRect/>
+                </a:stretch>
+              </a:blipFill>
+              <a:ln>
+                <a:solidFill>
+                  <a:schemeClr val="tx1"/>
+                </a:solidFill>
+              </a:ln>
+            </p:spPr>
+            <p:txBody>
+              <a:bodyPr/>
+              <a:lstStyle/>
+              <a:p>
+                <a:r>
+                  <a:rPr lang="zh-CN" altLang="en-US">
+                    <a:noFill/>
+                  </a:rPr>
+                  <a:t> </a:t>
+                </a:r>
+              </a:p>
+            </p:txBody>
+          </p:sp>
+        </mc:Fallback>
+      </mc:AlternateContent>
+      <p:cxnSp>
+        <p:nvCxnSpPr>
+          <p:cNvPr id="11" name="直接箭头连接符 10">
+            <a:extLst>
+              <a:ext uri="{FF2B5EF4-FFF2-40B4-BE49-F238E27FC236}">
+                <a16:creationId xmlns:a16="http://schemas.microsoft.com/office/drawing/2014/main" id="{81B8A7AC-4A51-4CE3-A65B-81B6058AD2BD}"/>
+              </a:ext>
+            </a:extLst>
+          </p:cNvPr>
+          <p:cNvCxnSpPr>
+            <a:cxnSpLocks/>
+            <a:stCxn id="4" idx="3"/>
+            <a:endCxn id="6" idx="1"/>
+          </p:cNvCxnSpPr>
+          <p:nvPr/>
+        </p:nvCxnSpPr>
+        <p:spPr>
+          <a:xfrm>
+            <a:off x="3779520" y="1264920"/>
+            <a:ext cx="4287520" cy="0"/>
+          </a:xfrm>
+          <a:prstGeom prst="straightConnector1">
+            <a:avLst/>
+          </a:prstGeom>
+          <a:ln w="12700">
+            <a:solidFill>
+              <a:schemeClr val="tx1"/>
+            </a:solidFill>
+            <a:tailEnd type="triangle"/>
+          </a:ln>
+        </p:spPr>
+        <p:style>
+          <a:lnRef idx="1">
+            <a:schemeClr val="accent1"/>
+          </a:lnRef>
+          <a:fillRef idx="0">
+            <a:schemeClr val="accent1"/>
+          </a:fillRef>
+          <a:effectRef idx="0">
+            <a:schemeClr val="accent1"/>
+          </a:effectRef>
+          <a:fontRef idx="minor">
+            <a:schemeClr val="tx1"/>
+          </a:fontRef>
+        </p:style>
+      </p:cxnSp>
+      <p:cxnSp>
+        <p:nvCxnSpPr>
+          <p:cNvPr id="13" name="直接箭头连接符 12">
+            <a:extLst>
+              <a:ext uri="{FF2B5EF4-FFF2-40B4-BE49-F238E27FC236}">
+                <a16:creationId xmlns:a16="http://schemas.microsoft.com/office/drawing/2014/main" id="{0077417E-ECF9-48B9-96A8-32CC84423136}"/>
+              </a:ext>
+            </a:extLst>
+          </p:cNvPr>
+          <p:cNvCxnSpPr>
+            <a:cxnSpLocks/>
+          </p:cNvCxnSpPr>
+          <p:nvPr/>
+        </p:nvCxnSpPr>
+        <p:spPr>
+          <a:xfrm>
+            <a:off x="3779520" y="3764280"/>
+            <a:ext cx="4287520" cy="0"/>
+          </a:xfrm>
+          <a:prstGeom prst="straightConnector1">
+            <a:avLst/>
+          </a:prstGeom>
+          <a:ln w="12700">
+            <a:solidFill>
+              <a:schemeClr val="tx1"/>
+            </a:solidFill>
+            <a:tailEnd type="triangle"/>
+          </a:ln>
+        </p:spPr>
+        <p:style>
+          <a:lnRef idx="1">
+            <a:schemeClr val="accent1"/>
+          </a:lnRef>
+          <a:fillRef idx="0">
+            <a:schemeClr val="accent1"/>
+          </a:fillRef>
+          <a:effectRef idx="0">
+            <a:schemeClr val="accent1"/>
+          </a:effectRef>
+          <a:fontRef idx="minor">
+            <a:schemeClr val="tx1"/>
+          </a:fontRef>
+        </p:style>
+      </p:cxnSp>
+      <p:cxnSp>
+        <p:nvCxnSpPr>
+          <p:cNvPr id="14" name="直接箭头连接符 13">
+            <a:extLst>
+              <a:ext uri="{FF2B5EF4-FFF2-40B4-BE49-F238E27FC236}">
+                <a16:creationId xmlns:a16="http://schemas.microsoft.com/office/drawing/2014/main" id="{83069BAE-E63E-4027-96F9-C9B98B00E2A2}"/>
+              </a:ext>
+            </a:extLst>
+          </p:cNvPr>
+          <p:cNvCxnSpPr>
+            <a:cxnSpLocks/>
+            <a:stCxn id="9" idx="1"/>
+            <a:endCxn id="8" idx="3"/>
+          </p:cNvCxnSpPr>
+          <p:nvPr/>
+        </p:nvCxnSpPr>
+        <p:spPr>
+          <a:xfrm flipH="1">
+            <a:off x="5379721" y="2514600"/>
+            <a:ext cx="1087119" cy="0"/>
+          </a:xfrm>
+          <a:prstGeom prst="straightConnector1">
+            <a:avLst/>
+          </a:prstGeom>
+          <a:ln w="12700">
+            <a:solidFill>
+              <a:schemeClr val="tx1"/>
+            </a:solidFill>
+            <a:tailEnd type="triangle"/>
+          </a:ln>
+        </p:spPr>
+        <p:style>
+          <a:lnRef idx="1">
+            <a:schemeClr val="accent1"/>
+          </a:lnRef>
+          <a:fillRef idx="0">
+            <a:schemeClr val="accent1"/>
+          </a:fillRef>
+          <a:effectRef idx="0">
+            <a:schemeClr val="accent1"/>
+          </a:effectRef>
+          <a:fontRef idx="minor">
+            <a:schemeClr val="tx1"/>
+          </a:fontRef>
+        </p:style>
+      </p:cxnSp>
+      <p:cxnSp>
+        <p:nvCxnSpPr>
+          <p:cNvPr id="19" name="直接连接符 18">
+            <a:extLst>
+              <a:ext uri="{FF2B5EF4-FFF2-40B4-BE49-F238E27FC236}">
+                <a16:creationId xmlns:a16="http://schemas.microsoft.com/office/drawing/2014/main" id="{7D0E8F30-2F0E-4712-847E-D496C8B772A5}"/>
+              </a:ext>
+            </a:extLst>
+          </p:cNvPr>
+          <p:cNvCxnSpPr>
+            <a:cxnSpLocks/>
+            <a:stCxn id="4" idx="2"/>
+            <a:endCxn id="5" idx="0"/>
+          </p:cNvCxnSpPr>
+          <p:nvPr/>
+        </p:nvCxnSpPr>
+        <p:spPr>
+          <a:xfrm>
+            <a:off x="3139440" y="1605280"/>
+            <a:ext cx="0" cy="1823720"/>
+          </a:xfrm>
+          <a:prstGeom prst="line">
+            <a:avLst/>
+          </a:prstGeom>
+          <a:ln w="12700">
+            <a:solidFill>
+              <a:schemeClr val="tx1"/>
+            </a:solidFill>
+          </a:ln>
+        </p:spPr>
+        <p:style>
+          <a:lnRef idx="1">
+            <a:schemeClr val="accent1"/>
+          </a:lnRef>
+          <a:fillRef idx="0">
+            <a:schemeClr val="accent1"/>
+          </a:fillRef>
+          <a:effectRef idx="0">
+            <a:schemeClr val="accent1"/>
+          </a:effectRef>
+          <a:fontRef idx="minor">
+            <a:schemeClr val="tx1"/>
+          </a:fontRef>
+        </p:style>
+      </p:cxnSp>
+      <p:cxnSp>
+        <p:nvCxnSpPr>
+          <p:cNvPr id="21" name="直接连接符 20">
+            <a:extLst>
+              <a:ext uri="{FF2B5EF4-FFF2-40B4-BE49-F238E27FC236}">
+                <a16:creationId xmlns:a16="http://schemas.microsoft.com/office/drawing/2014/main" id="{2E8BC03A-1B90-4C71-AC06-7B47666C194F}"/>
+              </a:ext>
+            </a:extLst>
+          </p:cNvPr>
+          <p:cNvCxnSpPr>
+            <a:cxnSpLocks/>
+          </p:cNvCxnSpPr>
+          <p:nvPr/>
+        </p:nvCxnSpPr>
+        <p:spPr>
+          <a:xfrm>
+            <a:off x="8707120" y="1605280"/>
+            <a:ext cx="0" cy="1823720"/>
+          </a:xfrm>
+          <a:prstGeom prst="line">
+            <a:avLst/>
+          </a:prstGeom>
+          <a:ln w="12700">
+            <a:solidFill>
+              <a:schemeClr val="tx1"/>
+            </a:solidFill>
+          </a:ln>
+        </p:spPr>
+        <p:style>
+          <a:lnRef idx="1">
+            <a:schemeClr val="accent1"/>
+          </a:lnRef>
+          <a:fillRef idx="0">
+            <a:schemeClr val="accent1"/>
+          </a:fillRef>
+          <a:effectRef idx="0">
+            <a:schemeClr val="accent1"/>
+          </a:effectRef>
+          <a:fontRef idx="minor">
+            <a:schemeClr val="tx1"/>
+          </a:fontRef>
+        </p:style>
+      </p:cxnSp>
+      <p:cxnSp>
+        <p:nvCxnSpPr>
+          <p:cNvPr id="22" name="直接箭头连接符 21">
+            <a:extLst>
+              <a:ext uri="{FF2B5EF4-FFF2-40B4-BE49-F238E27FC236}">
+                <a16:creationId xmlns:a16="http://schemas.microsoft.com/office/drawing/2014/main" id="{8A08DBEB-9313-4E20-81C7-12F8C998D6B2}"/>
+              </a:ext>
+            </a:extLst>
+          </p:cNvPr>
+          <p:cNvCxnSpPr>
+            <a:cxnSpLocks/>
+            <a:endCxn id="8" idx="1"/>
+          </p:cNvCxnSpPr>
+          <p:nvPr/>
+        </p:nvCxnSpPr>
+        <p:spPr>
+          <a:xfrm>
+            <a:off x="3139440" y="2514600"/>
+            <a:ext cx="960121" cy="0"/>
+          </a:xfrm>
+          <a:prstGeom prst="straightConnector1">
+            <a:avLst/>
+          </a:prstGeom>
+          <a:ln w="12700">
+            <a:solidFill>
+              <a:schemeClr val="tx1"/>
+            </a:solidFill>
+            <a:tailEnd type="triangle"/>
+          </a:ln>
+        </p:spPr>
+        <p:style>
+          <a:lnRef idx="1">
+            <a:schemeClr val="accent1"/>
+          </a:lnRef>
+          <a:fillRef idx="0">
+            <a:schemeClr val="accent1"/>
+          </a:fillRef>
+          <a:effectRef idx="0">
+            <a:schemeClr val="accent1"/>
+          </a:effectRef>
+          <a:fontRef idx="minor">
+            <a:schemeClr val="tx1"/>
+          </a:fontRef>
+        </p:style>
+      </p:cxnSp>
+      <p:cxnSp>
+        <p:nvCxnSpPr>
+          <p:cNvPr id="28" name="直接箭头连接符 27">
+            <a:extLst>
+              <a:ext uri="{FF2B5EF4-FFF2-40B4-BE49-F238E27FC236}">
+                <a16:creationId xmlns:a16="http://schemas.microsoft.com/office/drawing/2014/main" id="{4261A47D-99F9-4702-8A4B-FE7AF8B17369}"/>
+              </a:ext>
+            </a:extLst>
+          </p:cNvPr>
+          <p:cNvCxnSpPr>
+            <a:cxnSpLocks/>
+            <a:endCxn id="9" idx="3"/>
+          </p:cNvCxnSpPr>
+          <p:nvPr/>
+        </p:nvCxnSpPr>
+        <p:spPr>
+          <a:xfrm flipH="1">
+            <a:off x="7747000" y="2514600"/>
+            <a:ext cx="960120" cy="0"/>
+          </a:xfrm>
+          <a:prstGeom prst="straightConnector1">
+            <a:avLst/>
+          </a:prstGeom>
+          <a:ln w="12700">
+            <a:solidFill>
+              <a:schemeClr val="tx1"/>
+            </a:solidFill>
+            <a:tailEnd type="triangle"/>
+          </a:ln>
+        </p:spPr>
+        <p:style>
+          <a:lnRef idx="1">
+            <a:schemeClr val="accent1"/>
+          </a:lnRef>
+          <a:fillRef idx="0">
+            <a:schemeClr val="accent1"/>
+          </a:fillRef>
+          <a:effectRef idx="0">
+            <a:schemeClr val="accent1"/>
+          </a:effectRef>
+          <a:fontRef idx="minor">
+            <a:schemeClr val="tx1"/>
+          </a:fontRef>
+        </p:style>
+      </p:cxnSp>
+      <p:sp>
+        <p:nvSpPr>
+          <p:cNvPr id="35" name="文本框 34">
+            <a:extLst>
+              <a:ext uri="{FF2B5EF4-FFF2-40B4-BE49-F238E27FC236}">
+                <a16:creationId xmlns:a16="http://schemas.microsoft.com/office/drawing/2014/main" id="{DF8B4AF2-131B-4175-AE36-30A17C2EAF9D}"/>
+              </a:ext>
+            </a:extLst>
+          </p:cNvPr>
+          <p:cNvSpPr txBox="1"/>
+          <p:nvPr/>
+        </p:nvSpPr>
+        <p:spPr>
+          <a:xfrm>
+            <a:off x="3296334" y="2112110"/>
+            <a:ext cx="646331" cy="369332"/>
+          </a:xfrm>
+          <a:prstGeom prst="rect">
+            <a:avLst/>
+          </a:prstGeom>
+          <a:noFill/>
+        </p:spPr>
+        <p:txBody>
+          <a:bodyPr wrap="none" rtlCol="0">
+            <a:spAutoFit/>
+          </a:bodyPr>
+          <a:lstStyle/>
+          <a:p>
+            <a:r>
+              <a:rPr lang="zh-CN" altLang="en-US" dirty="0"/>
+              <a:t>卷积</a:t>
+            </a:r>
+          </a:p>
+        </p:txBody>
+      </p:sp>
+      <p:sp>
+        <p:nvSpPr>
+          <p:cNvPr id="36" name="文本框 35">
+            <a:extLst>
+              <a:ext uri="{FF2B5EF4-FFF2-40B4-BE49-F238E27FC236}">
+                <a16:creationId xmlns:a16="http://schemas.microsoft.com/office/drawing/2014/main" id="{518E97F4-930C-4E8C-9169-BB08178C1F45}"/>
+              </a:ext>
+            </a:extLst>
+          </p:cNvPr>
+          <p:cNvSpPr txBox="1"/>
+          <p:nvPr/>
+        </p:nvSpPr>
+        <p:spPr>
+          <a:xfrm>
+            <a:off x="5440681" y="3769360"/>
+            <a:ext cx="987771" cy="369332"/>
+          </a:xfrm>
+          <a:prstGeom prst="rect">
+            <a:avLst/>
+          </a:prstGeom>
+          <a:noFill/>
+        </p:spPr>
+        <p:txBody>
+          <a:bodyPr wrap="none" rtlCol="0">
+            <a:spAutoFit/>
+          </a:bodyPr>
+          <a:lstStyle/>
+          <a:p>
+            <a:r>
+              <a:rPr lang="zh-CN" altLang="en-US" dirty="0"/>
+              <a:t>一维</a:t>
+            </a:r>
+            <a:r>
+              <a:rPr lang="en-US" altLang="zh-CN" dirty="0"/>
+              <a:t>FFT</a:t>
+            </a:r>
+            <a:endParaRPr lang="zh-CN" altLang="en-US" dirty="0"/>
+          </a:p>
+        </p:txBody>
+      </p:sp>
+      <p:sp>
+        <p:nvSpPr>
+          <p:cNvPr id="37" name="文本框 36">
+            <a:extLst>
+              <a:ext uri="{FF2B5EF4-FFF2-40B4-BE49-F238E27FC236}">
+                <a16:creationId xmlns:a16="http://schemas.microsoft.com/office/drawing/2014/main" id="{2456ACD2-085C-491A-8E90-79FB44473E0D}"/>
+              </a:ext>
+            </a:extLst>
+          </p:cNvPr>
+          <p:cNvSpPr txBox="1"/>
+          <p:nvPr/>
+        </p:nvSpPr>
+        <p:spPr>
+          <a:xfrm>
+            <a:off x="5408786" y="2665215"/>
+            <a:ext cx="1045479" cy="369332"/>
+          </a:xfrm>
+          <a:prstGeom prst="rect">
+            <a:avLst/>
+          </a:prstGeom>
+          <a:noFill/>
+        </p:spPr>
+        <p:txBody>
+          <a:bodyPr wrap="none" rtlCol="0">
+            <a:spAutoFit/>
+          </a:bodyPr>
+          <a:lstStyle/>
+          <a:p>
+            <a:r>
+              <a:rPr lang="zh-CN" altLang="en-US" dirty="0"/>
+              <a:t>一维</a:t>
+            </a:r>
+            <a:r>
+              <a:rPr lang="en-US" altLang="zh-CN" dirty="0"/>
+              <a:t>IFFT</a:t>
+            </a:r>
+            <a:endParaRPr lang="zh-CN" altLang="en-US" dirty="0"/>
+          </a:p>
+        </p:txBody>
+      </p:sp>
+      <p:sp>
+        <p:nvSpPr>
+          <p:cNvPr id="38" name="文本框 37">
+            <a:extLst>
+              <a:ext uri="{FF2B5EF4-FFF2-40B4-BE49-F238E27FC236}">
+                <a16:creationId xmlns:a16="http://schemas.microsoft.com/office/drawing/2014/main" id="{D58E8138-AECB-4CD7-9BDA-7D238D67757D}"/>
+              </a:ext>
+            </a:extLst>
+          </p:cNvPr>
+          <p:cNvSpPr txBox="1"/>
+          <p:nvPr/>
+        </p:nvSpPr>
+        <p:spPr>
+          <a:xfrm>
+            <a:off x="5437639" y="924560"/>
+            <a:ext cx="987771" cy="369332"/>
+          </a:xfrm>
+          <a:prstGeom prst="rect">
+            <a:avLst/>
+          </a:prstGeom>
+          <a:noFill/>
+        </p:spPr>
+        <p:txBody>
+          <a:bodyPr wrap="none" rtlCol="0">
+            <a:spAutoFit/>
+          </a:bodyPr>
+          <a:lstStyle/>
+          <a:p>
+            <a:r>
+              <a:rPr lang="zh-CN" altLang="en-US" dirty="0"/>
+              <a:t>一维</a:t>
+            </a:r>
+            <a:r>
+              <a:rPr lang="en-US" altLang="zh-CN" dirty="0"/>
+              <a:t>FFT</a:t>
+            </a:r>
+            <a:endParaRPr lang="zh-CN" altLang="en-US" dirty="0"/>
+          </a:p>
+        </p:txBody>
+      </p:sp>
+      <p:sp>
+        <p:nvSpPr>
+          <p:cNvPr id="39" name="文本框 38">
+            <a:extLst>
+              <a:ext uri="{FF2B5EF4-FFF2-40B4-BE49-F238E27FC236}">
+                <a16:creationId xmlns:a16="http://schemas.microsoft.com/office/drawing/2014/main" id="{5611B313-4087-4883-AD5C-E13A1F05DCBB}"/>
+              </a:ext>
+            </a:extLst>
+          </p:cNvPr>
+          <p:cNvSpPr txBox="1"/>
+          <p:nvPr/>
+        </p:nvSpPr>
+        <p:spPr>
+          <a:xfrm>
+            <a:off x="7903894" y="2147808"/>
+            <a:ext cx="646331" cy="369332"/>
+          </a:xfrm>
+          <a:prstGeom prst="rect">
+            <a:avLst/>
+          </a:prstGeom>
+          <a:noFill/>
+        </p:spPr>
+        <p:txBody>
+          <a:bodyPr wrap="none" rtlCol="0">
+            <a:spAutoFit/>
+          </a:bodyPr>
+          <a:lstStyle/>
+          <a:p>
+            <a:r>
+              <a:rPr lang="zh-CN" altLang="en-US" dirty="0"/>
+              <a:t>乘积</a:t>
+            </a:r>
+          </a:p>
+        </p:txBody>
+      </p:sp>
+    </p:spTree>
+    <p:extLst>
+      <p:ext uri="{BB962C8B-B14F-4D97-AF65-F5344CB8AC3E}">
+        <p14:creationId xmlns:p14="http://schemas.microsoft.com/office/powerpoint/2010/main" val="2740531075"/>
+      </p:ext>
+    </p:extLst>
+  </p:cSld>
+  <p:clrMapOvr>
+    <a:masterClrMapping/>
+  </p:clrMapOvr>
+</p:sld>
+</file>
+
 <file path=ppt/theme/theme1.xml><?xml version="1.0" encoding="utf-8"?>
 <a:theme xmlns:a="http://schemas.openxmlformats.org/drawingml/2006/main" name="Office 主题​​">
   <a:themeElements>

--- a/演示文稿1.pptx
+++ b/演示文稿1.pptx
@@ -9,6 +9,8 @@
     <p:sldId id="257" r:id="rId3"/>
     <p:sldId id="258" r:id="rId4"/>
     <p:sldId id="259" r:id="rId5"/>
+    <p:sldId id="260" r:id="rId6"/>
+    <p:sldId id="261" r:id="rId7"/>
   </p:sldIdLst>
   <p:sldSz cx="12192000" cy="6858000"/>
   <p:notesSz cx="6858000" cy="9144000"/>
@@ -262,7 +264,7 @@
           <a:p>
             <a:fld id="{3C7334DD-470A-4932-88A3-6C69D4FCD350}" type="datetimeFigureOut">
               <a:rPr lang="zh-CN" altLang="en-US" smtClean="0"/>
-              <a:t>2018/5/30</a:t>
+              <a:t>2018/6/1</a:t>
             </a:fld>
             <a:endParaRPr lang="zh-CN" altLang="en-US"/>
           </a:p>
@@ -460,7 +462,7 @@
           <a:p>
             <a:fld id="{3C7334DD-470A-4932-88A3-6C69D4FCD350}" type="datetimeFigureOut">
               <a:rPr lang="zh-CN" altLang="en-US" smtClean="0"/>
-              <a:t>2018/5/30</a:t>
+              <a:t>2018/6/1</a:t>
             </a:fld>
             <a:endParaRPr lang="zh-CN" altLang="en-US"/>
           </a:p>
@@ -668,7 +670,7 @@
           <a:p>
             <a:fld id="{3C7334DD-470A-4932-88A3-6C69D4FCD350}" type="datetimeFigureOut">
               <a:rPr lang="zh-CN" altLang="en-US" smtClean="0"/>
-              <a:t>2018/5/30</a:t>
+              <a:t>2018/6/1</a:t>
             </a:fld>
             <a:endParaRPr lang="zh-CN" altLang="en-US"/>
           </a:p>
@@ -866,7 +868,7 @@
           <a:p>
             <a:fld id="{3C7334DD-470A-4932-88A3-6C69D4FCD350}" type="datetimeFigureOut">
               <a:rPr lang="zh-CN" altLang="en-US" smtClean="0"/>
-              <a:t>2018/5/30</a:t>
+              <a:t>2018/6/1</a:t>
             </a:fld>
             <a:endParaRPr lang="zh-CN" altLang="en-US"/>
           </a:p>
@@ -1141,7 +1143,7 @@
           <a:p>
             <a:fld id="{3C7334DD-470A-4932-88A3-6C69D4FCD350}" type="datetimeFigureOut">
               <a:rPr lang="zh-CN" altLang="en-US" smtClean="0"/>
-              <a:t>2018/5/30</a:t>
+              <a:t>2018/6/1</a:t>
             </a:fld>
             <a:endParaRPr lang="zh-CN" altLang="en-US"/>
           </a:p>
@@ -1406,7 +1408,7 @@
           <a:p>
             <a:fld id="{3C7334DD-470A-4932-88A3-6C69D4FCD350}" type="datetimeFigureOut">
               <a:rPr lang="zh-CN" altLang="en-US" smtClean="0"/>
-              <a:t>2018/5/30</a:t>
+              <a:t>2018/6/1</a:t>
             </a:fld>
             <a:endParaRPr lang="zh-CN" altLang="en-US"/>
           </a:p>
@@ -1818,7 +1820,7 @@
           <a:p>
             <a:fld id="{3C7334DD-470A-4932-88A3-6C69D4FCD350}" type="datetimeFigureOut">
               <a:rPr lang="zh-CN" altLang="en-US" smtClean="0"/>
-              <a:t>2018/5/30</a:t>
+              <a:t>2018/6/1</a:t>
             </a:fld>
             <a:endParaRPr lang="zh-CN" altLang="en-US"/>
           </a:p>
@@ -1959,7 +1961,7 @@
           <a:p>
             <a:fld id="{3C7334DD-470A-4932-88A3-6C69D4FCD350}" type="datetimeFigureOut">
               <a:rPr lang="zh-CN" altLang="en-US" smtClean="0"/>
-              <a:t>2018/5/30</a:t>
+              <a:t>2018/6/1</a:t>
             </a:fld>
             <a:endParaRPr lang="zh-CN" altLang="en-US"/>
           </a:p>
@@ -2072,7 +2074,7 @@
           <a:p>
             <a:fld id="{3C7334DD-470A-4932-88A3-6C69D4FCD350}" type="datetimeFigureOut">
               <a:rPr lang="zh-CN" altLang="en-US" smtClean="0"/>
-              <a:t>2018/5/30</a:t>
+              <a:t>2018/6/1</a:t>
             </a:fld>
             <a:endParaRPr lang="zh-CN" altLang="en-US"/>
           </a:p>
@@ -2383,7 +2385,7 @@
           <a:p>
             <a:fld id="{3C7334DD-470A-4932-88A3-6C69D4FCD350}" type="datetimeFigureOut">
               <a:rPr lang="zh-CN" altLang="en-US" smtClean="0"/>
-              <a:t>2018/5/30</a:t>
+              <a:t>2018/6/1</a:t>
             </a:fld>
             <a:endParaRPr lang="zh-CN" altLang="en-US"/>
           </a:p>
@@ -2671,7 +2673,7 @@
           <a:p>
             <a:fld id="{3C7334DD-470A-4932-88A3-6C69D4FCD350}" type="datetimeFigureOut">
               <a:rPr lang="zh-CN" altLang="en-US" smtClean="0"/>
-              <a:t>2018/5/30</a:t>
+              <a:t>2018/6/1</a:t>
             </a:fld>
             <a:endParaRPr lang="zh-CN" altLang="en-US"/>
           </a:p>
@@ -2912,7 +2914,7 @@
           <a:p>
             <a:fld id="{3C7334DD-470A-4932-88A3-6C69D4FCD350}" type="datetimeFigureOut">
               <a:rPr lang="zh-CN" altLang="en-US" smtClean="0"/>
-              <a:t>2018/5/30</a:t>
+              <a:t>2018/6/1</a:t>
             </a:fld>
             <a:endParaRPr lang="zh-CN" altLang="en-US"/>
           </a:p>
@@ -8097,8 +8099,8 @@
           </a:p>
         </p:txBody>
       </p:sp>
-      <mc:AlternateContent xmlns:mc="http://schemas.openxmlformats.org/markup-compatibility/2006">
-        <mc:Choice xmlns:a14="http://schemas.microsoft.com/office/drawing/2010/main" Requires="a14">
+      <mc:AlternateContent xmlns:mc="http://schemas.openxmlformats.org/markup-compatibility/2006" xmlns:a14="http://schemas.microsoft.com/office/drawing/2010/main">
+        <mc:Choice Requires="a14">
           <p:sp>
             <p:nvSpPr>
               <p:cNvPr id="5" name="矩形 4">
@@ -8199,7 +8201,7 @@
             </p:txBody>
           </p:sp>
         </mc:Choice>
-        <mc:Fallback>
+        <mc:Fallback xmlns="">
           <p:sp>
             <p:nvSpPr>
               <p:cNvPr id="5" name="矩形 4">
@@ -12631,8 +12633,8 @@
           </a:graphicData>
         </a:graphic>
       </p:graphicFrame>
-      <mc:AlternateContent xmlns:mc="http://schemas.openxmlformats.org/markup-compatibility/2006">
-        <mc:Choice xmlns:a14="http://schemas.microsoft.com/office/drawing/2010/main" Requires="a14">
+      <mc:AlternateContent xmlns:mc="http://schemas.openxmlformats.org/markup-compatibility/2006" xmlns:a14="http://schemas.microsoft.com/office/drawing/2010/main">
+        <mc:Choice Requires="a14">
           <p:sp>
             <p:nvSpPr>
               <p:cNvPr id="8" name="文本框 7">
@@ -12703,7 +12705,7 @@
             </p:txBody>
           </p:sp>
         </mc:Choice>
-        <mc:Fallback>
+        <mc:Fallback xmlns="">
           <p:sp>
             <p:nvSpPr>
               <p:cNvPr id="8" name="文本框 7">
@@ -12748,8 +12750,8 @@
           </p:sp>
         </mc:Fallback>
       </mc:AlternateContent>
-      <mc:AlternateContent xmlns:mc="http://schemas.openxmlformats.org/markup-compatibility/2006">
-        <mc:Choice xmlns:a14="http://schemas.microsoft.com/office/drawing/2010/main" Requires="a14">
+      <mc:AlternateContent xmlns:mc="http://schemas.openxmlformats.org/markup-compatibility/2006" xmlns:a14="http://schemas.microsoft.com/office/drawing/2010/main">
+        <mc:Choice Requires="a14">
           <p:sp>
             <p:nvSpPr>
               <p:cNvPr id="9" name="文本框 8">
@@ -12820,7 +12822,7 @@
             </p:txBody>
           </p:sp>
         </mc:Choice>
-        <mc:Fallback>
+        <mc:Fallback xmlns="">
           <p:sp>
             <p:nvSpPr>
               <p:cNvPr id="9" name="文本框 8">
@@ -12895,8 +12897,8 @@
           <a:chExt cx="0" cy="0"/>
         </a:xfrm>
       </p:grpSpPr>
-      <mc:AlternateContent xmlns:mc="http://schemas.openxmlformats.org/markup-compatibility/2006">
-        <mc:Choice xmlns:a14="http://schemas.microsoft.com/office/drawing/2010/main" Requires="a14">
+      <mc:AlternateContent xmlns:mc="http://schemas.openxmlformats.org/markup-compatibility/2006" xmlns:a14="http://schemas.microsoft.com/office/drawing/2010/main">
+        <mc:Choice Requires="a14">
           <p:sp>
             <p:nvSpPr>
               <p:cNvPr id="4" name="矩形 3">
@@ -13035,7 +13037,7 @@
             </p:txBody>
           </p:sp>
         </mc:Choice>
-        <mc:Fallback>
+        <mc:Fallback xmlns="">
           <p:sp>
             <p:nvSpPr>
               <p:cNvPr id="4" name="矩形 3">
@@ -13085,8 +13087,8 @@
           </p:sp>
         </mc:Fallback>
       </mc:AlternateContent>
-      <mc:AlternateContent xmlns:mc="http://schemas.openxmlformats.org/markup-compatibility/2006">
-        <mc:Choice xmlns:a14="http://schemas.microsoft.com/office/drawing/2010/main" Requires="a14">
+      <mc:AlternateContent xmlns:mc="http://schemas.openxmlformats.org/markup-compatibility/2006" xmlns:a14="http://schemas.microsoft.com/office/drawing/2010/main">
+        <mc:Choice Requires="a14">
           <p:sp>
             <p:nvSpPr>
               <p:cNvPr id="5" name="矩形 4">
@@ -13225,7 +13227,7 @@
             </p:txBody>
           </p:sp>
         </mc:Choice>
-        <mc:Fallback>
+        <mc:Fallback xmlns="">
           <p:sp>
             <p:nvSpPr>
               <p:cNvPr id="5" name="矩形 4">
@@ -13275,8 +13277,8 @@
           </p:sp>
         </mc:Fallback>
       </mc:AlternateContent>
-      <mc:AlternateContent xmlns:mc="http://schemas.openxmlformats.org/markup-compatibility/2006">
-        <mc:Choice xmlns:a14="http://schemas.microsoft.com/office/drawing/2010/main" Requires="a14">
+      <mc:AlternateContent xmlns:mc="http://schemas.openxmlformats.org/markup-compatibility/2006" xmlns:a14="http://schemas.microsoft.com/office/drawing/2010/main">
+        <mc:Choice Requires="a14">
           <p:sp>
             <p:nvSpPr>
               <p:cNvPr id="6" name="矩形 5">
@@ -13415,7 +13417,7 @@
             </p:txBody>
           </p:sp>
         </mc:Choice>
-        <mc:Fallback>
+        <mc:Fallback xmlns="">
           <p:sp>
             <p:nvSpPr>
               <p:cNvPr id="6" name="矩形 5">
@@ -13465,8 +13467,8 @@
           </p:sp>
         </mc:Fallback>
       </mc:AlternateContent>
-      <mc:AlternateContent xmlns:mc="http://schemas.openxmlformats.org/markup-compatibility/2006">
-        <mc:Choice xmlns:a14="http://schemas.microsoft.com/office/drawing/2010/main" Requires="a14">
+      <mc:AlternateContent xmlns:mc="http://schemas.openxmlformats.org/markup-compatibility/2006" xmlns:a14="http://schemas.microsoft.com/office/drawing/2010/main">
+        <mc:Choice Requires="a14">
           <p:sp>
             <p:nvSpPr>
               <p:cNvPr id="7" name="矩形 6">
@@ -13605,7 +13607,7 @@
             </p:txBody>
           </p:sp>
         </mc:Choice>
-        <mc:Fallback>
+        <mc:Fallback xmlns="">
           <p:sp>
             <p:nvSpPr>
               <p:cNvPr id="7" name="矩形 6">
@@ -13655,8 +13657,8 @@
           </p:sp>
         </mc:Fallback>
       </mc:AlternateContent>
-      <mc:AlternateContent xmlns:mc="http://schemas.openxmlformats.org/markup-compatibility/2006">
-        <mc:Choice xmlns:a14="http://schemas.microsoft.com/office/drawing/2010/main" Requires="a14">
+      <mc:AlternateContent xmlns:mc="http://schemas.openxmlformats.org/markup-compatibility/2006" xmlns:a14="http://schemas.microsoft.com/office/drawing/2010/main">
+        <mc:Choice Requires="a14">
           <p:sp>
             <p:nvSpPr>
               <p:cNvPr id="8" name="矩形 7">
@@ -13795,7 +13797,7 @@
             </p:txBody>
           </p:sp>
         </mc:Choice>
-        <mc:Fallback>
+        <mc:Fallback xmlns="">
           <p:sp>
             <p:nvSpPr>
               <p:cNvPr id="8" name="矩形 7">
@@ -13845,8 +13847,8 @@
           </p:sp>
         </mc:Fallback>
       </mc:AlternateContent>
-      <mc:AlternateContent xmlns:mc="http://schemas.openxmlformats.org/markup-compatibility/2006">
-        <mc:Choice xmlns:a14="http://schemas.microsoft.com/office/drawing/2010/main" Requires="a14">
+      <mc:AlternateContent xmlns:mc="http://schemas.openxmlformats.org/markup-compatibility/2006" xmlns:a14="http://schemas.microsoft.com/office/drawing/2010/main">
+        <mc:Choice Requires="a14">
           <p:sp>
             <p:nvSpPr>
               <p:cNvPr id="9" name="矩形 8">
@@ -13985,7 +13987,7 @@
             </p:txBody>
           </p:sp>
         </mc:Choice>
-        <mc:Fallback>
+        <mc:Fallback xmlns="">
           <p:sp>
             <p:nvSpPr>
               <p:cNvPr id="9" name="矩形 8">
@@ -14552,6 +14554,1030 @@
 </p:sld>
 </file>
 
+<file path=ppt/slides/slide5.xml><?xml version="1.0" encoding="utf-8"?>
+<p:sld xmlns:a="http://schemas.openxmlformats.org/drawingml/2006/main" xmlns:r="http://schemas.openxmlformats.org/officeDocument/2006/relationships" xmlns:p="http://schemas.openxmlformats.org/presentationml/2006/main">
+  <p:cSld>
+    <p:spTree>
+      <p:nvGrpSpPr>
+        <p:cNvPr id="1" name=""/>
+        <p:cNvGrpSpPr/>
+        <p:nvPr/>
+      </p:nvGrpSpPr>
+      <p:grpSpPr>
+        <a:xfrm>
+          <a:off x="0" y="0"/>
+          <a:ext cx="0" cy="0"/>
+          <a:chOff x="0" y="0"/>
+          <a:chExt cx="0" cy="0"/>
+        </a:xfrm>
+      </p:grpSpPr>
+      <p:pic>
+        <p:nvPicPr>
+          <p:cNvPr id="43" name="图片 42">
+            <a:extLst>
+              <a:ext uri="{FF2B5EF4-FFF2-40B4-BE49-F238E27FC236}">
+                <a16:creationId xmlns:a16="http://schemas.microsoft.com/office/drawing/2014/main" id="{E54A046F-BC11-439C-97D4-96228F033971}"/>
+              </a:ext>
+            </a:extLst>
+          </p:cNvPr>
+          <p:cNvPicPr>
+            <a:picLocks noChangeAspect="1"/>
+          </p:cNvPicPr>
+          <p:nvPr/>
+        </p:nvPicPr>
+        <p:blipFill>
+          <a:blip r:embed="rId2">
+            <a:extLst>
+              <a:ext uri="{28A0092B-C50C-407E-A947-70E740481C1C}">
+                <a14:useLocalDpi xmlns:a14="http://schemas.microsoft.com/office/drawing/2010/main" val="0"/>
+              </a:ext>
+            </a:extLst>
+          </a:blip>
+          <a:stretch>
+            <a:fillRect/>
+          </a:stretch>
+        </p:blipFill>
+        <p:spPr>
+          <a:xfrm>
+            <a:off x="15429266" y="259711"/>
+            <a:ext cx="1711369" cy="1356478"/>
+          </a:xfrm>
+          <a:prstGeom prst="rect">
+            <a:avLst/>
+          </a:prstGeom>
+          <a:ln w="3175">
+            <a:solidFill>
+              <a:schemeClr val="tx1"/>
+            </a:solidFill>
+          </a:ln>
+        </p:spPr>
+      </p:pic>
+      <p:pic>
+        <p:nvPicPr>
+          <p:cNvPr id="45" name="图片 44">
+            <a:extLst>
+              <a:ext uri="{FF2B5EF4-FFF2-40B4-BE49-F238E27FC236}">
+                <a16:creationId xmlns:a16="http://schemas.microsoft.com/office/drawing/2014/main" id="{232D51AA-0B12-4751-9FD4-418E63AA7546}"/>
+              </a:ext>
+            </a:extLst>
+          </p:cNvPr>
+          <p:cNvPicPr>
+            <a:picLocks noChangeAspect="1"/>
+          </p:cNvPicPr>
+          <p:nvPr/>
+        </p:nvPicPr>
+        <p:blipFill>
+          <a:blip r:embed="rId3">
+            <a:extLst>
+              <a:ext uri="{28A0092B-C50C-407E-A947-70E740481C1C}">
+                <a14:useLocalDpi xmlns:a14="http://schemas.microsoft.com/office/drawing/2010/main" val="0"/>
+              </a:ext>
+            </a:extLst>
+          </a:blip>
+          <a:stretch>
+            <a:fillRect/>
+          </a:stretch>
+        </p:blipFill>
+        <p:spPr>
+          <a:xfrm>
+            <a:off x="13321435" y="292390"/>
+            <a:ext cx="1783235" cy="1323799"/>
+          </a:xfrm>
+          <a:prstGeom prst="rect">
+            <a:avLst/>
+          </a:prstGeom>
+          <a:ln w="3175">
+            <a:solidFill>
+              <a:schemeClr val="tx1"/>
+            </a:solidFill>
+          </a:ln>
+        </p:spPr>
+      </p:pic>
+      <p:pic>
+        <p:nvPicPr>
+          <p:cNvPr id="47" name="图片 46">
+            <a:extLst>
+              <a:ext uri="{FF2B5EF4-FFF2-40B4-BE49-F238E27FC236}">
+                <a16:creationId xmlns:a16="http://schemas.microsoft.com/office/drawing/2014/main" id="{382950AA-EA59-44CC-A5AB-BDB4A048A7F6}"/>
+              </a:ext>
+            </a:extLst>
+          </p:cNvPr>
+          <p:cNvPicPr>
+            <a:picLocks noChangeAspect="1"/>
+          </p:cNvPicPr>
+          <p:nvPr/>
+        </p:nvPicPr>
+        <p:blipFill>
+          <a:blip r:embed="rId4">
+            <a:extLst>
+              <a:ext uri="{28A0092B-C50C-407E-A947-70E740481C1C}">
+                <a14:useLocalDpi xmlns:a14="http://schemas.microsoft.com/office/drawing/2010/main" val="0"/>
+              </a:ext>
+            </a:extLst>
+          </a:blip>
+          <a:stretch>
+            <a:fillRect/>
+          </a:stretch>
+        </p:blipFill>
+        <p:spPr>
+          <a:xfrm>
+            <a:off x="9060801" y="548640"/>
+            <a:ext cx="1836579" cy="1086600"/>
+          </a:xfrm>
+          <a:prstGeom prst="rect">
+            <a:avLst/>
+          </a:prstGeom>
+          <a:ln w="3175">
+            <a:solidFill>
+              <a:schemeClr val="tx1"/>
+            </a:solidFill>
+          </a:ln>
+        </p:spPr>
+      </p:pic>
+      <p:pic>
+        <p:nvPicPr>
+          <p:cNvPr id="49" name="图片 48">
+            <a:extLst>
+              <a:ext uri="{FF2B5EF4-FFF2-40B4-BE49-F238E27FC236}">
+                <a16:creationId xmlns:a16="http://schemas.microsoft.com/office/drawing/2014/main" id="{05ACFA06-8084-4C79-9108-E4FABC373771}"/>
+              </a:ext>
+            </a:extLst>
+          </p:cNvPr>
+          <p:cNvPicPr>
+            <a:picLocks noChangeAspect="1"/>
+          </p:cNvPicPr>
+          <p:nvPr/>
+        </p:nvPicPr>
+        <p:blipFill>
+          <a:blip r:embed="rId5">
+            <a:extLst>
+              <a:ext uri="{28A0092B-C50C-407E-A947-70E740481C1C}">
+                <a14:useLocalDpi xmlns:a14="http://schemas.microsoft.com/office/drawing/2010/main" val="0"/>
+              </a:ext>
+            </a:extLst>
+          </a:blip>
+          <a:stretch>
+            <a:fillRect/>
+          </a:stretch>
+        </p:blipFill>
+        <p:spPr>
+          <a:xfrm>
+            <a:off x="11209864" y="371470"/>
+            <a:ext cx="1745131" cy="1206985"/>
+          </a:xfrm>
+          <a:prstGeom prst="rect">
+            <a:avLst/>
+          </a:prstGeom>
+          <a:ln w="3175">
+            <a:solidFill>
+              <a:schemeClr val="tx1"/>
+            </a:solidFill>
+          </a:ln>
+        </p:spPr>
+      </p:pic>
+      <p:pic>
+        <p:nvPicPr>
+          <p:cNvPr id="51" name="图片 50">
+            <a:extLst>
+              <a:ext uri="{FF2B5EF4-FFF2-40B4-BE49-F238E27FC236}">
+                <a16:creationId xmlns:a16="http://schemas.microsoft.com/office/drawing/2014/main" id="{16B39BCC-4C54-4676-BD2E-CC6C3AE03029}"/>
+              </a:ext>
+            </a:extLst>
+          </p:cNvPr>
+          <p:cNvPicPr>
+            <a:picLocks noChangeAspect="1"/>
+          </p:cNvPicPr>
+          <p:nvPr/>
+        </p:nvPicPr>
+        <p:blipFill>
+          <a:blip r:embed="rId6">
+            <a:extLst>
+              <a:ext uri="{28A0092B-C50C-407E-A947-70E740481C1C}">
+                <a14:useLocalDpi xmlns:a14="http://schemas.microsoft.com/office/drawing/2010/main" val="0"/>
+              </a:ext>
+            </a:extLst>
+          </a:blip>
+          <a:stretch>
+            <a:fillRect/>
+          </a:stretch>
+        </p:blipFill>
+        <p:spPr>
+          <a:xfrm>
+            <a:off x="7166530" y="474185"/>
+            <a:ext cx="1527832" cy="1135361"/>
+          </a:xfrm>
+          <a:prstGeom prst="rect">
+            <a:avLst/>
+          </a:prstGeom>
+          <a:ln w="3175">
+            <a:solidFill>
+              <a:schemeClr val="tx1"/>
+            </a:solidFill>
+          </a:ln>
+        </p:spPr>
+      </p:pic>
+      <p:pic>
+        <p:nvPicPr>
+          <p:cNvPr id="53" name="图片 52">
+            <a:extLst>
+              <a:ext uri="{FF2B5EF4-FFF2-40B4-BE49-F238E27FC236}">
+                <a16:creationId xmlns:a16="http://schemas.microsoft.com/office/drawing/2014/main" id="{60C07CD1-A624-427A-9172-9F417ABBF01A}"/>
+              </a:ext>
+            </a:extLst>
+          </p:cNvPr>
+          <p:cNvPicPr>
+            <a:picLocks noChangeAspect="1"/>
+          </p:cNvPicPr>
+          <p:nvPr/>
+        </p:nvPicPr>
+        <p:blipFill>
+          <a:blip r:embed="rId7">
+            <a:extLst>
+              <a:ext uri="{28A0092B-C50C-407E-A947-70E740481C1C}">
+                <a14:useLocalDpi xmlns:a14="http://schemas.microsoft.com/office/drawing/2010/main" val="0"/>
+              </a:ext>
+            </a:extLst>
+          </a:blip>
+          <a:stretch>
+            <a:fillRect/>
+          </a:stretch>
+        </p:blipFill>
+        <p:spPr>
+          <a:xfrm>
+            <a:off x="5535384" y="-132719"/>
+            <a:ext cx="1208271" cy="1657691"/>
+          </a:xfrm>
+          <a:prstGeom prst="rect">
+            <a:avLst/>
+          </a:prstGeom>
+          <a:ln w="3175">
+            <a:solidFill>
+              <a:schemeClr val="tx1"/>
+            </a:solidFill>
+          </a:ln>
+        </p:spPr>
+      </p:pic>
+      <p:pic>
+        <p:nvPicPr>
+          <p:cNvPr id="55" name="图片 54">
+            <a:extLst>
+              <a:ext uri="{FF2B5EF4-FFF2-40B4-BE49-F238E27FC236}">
+                <a16:creationId xmlns:a16="http://schemas.microsoft.com/office/drawing/2014/main" id="{A87E01FB-11C1-4778-AA6F-5FBDF7893A85}"/>
+              </a:ext>
+            </a:extLst>
+          </p:cNvPr>
+          <p:cNvPicPr>
+            <a:picLocks noChangeAspect="1"/>
+          </p:cNvPicPr>
+          <p:nvPr/>
+        </p:nvPicPr>
+        <p:blipFill>
+          <a:blip r:embed="rId8">
+            <a:extLst>
+              <a:ext uri="{28A0092B-C50C-407E-A947-70E740481C1C}">
+                <a14:useLocalDpi xmlns:a14="http://schemas.microsoft.com/office/drawing/2010/main" val="0"/>
+              </a:ext>
+            </a:extLst>
+          </a:blip>
+          <a:stretch>
+            <a:fillRect/>
+          </a:stretch>
+        </p:blipFill>
+        <p:spPr>
+          <a:xfrm>
+            <a:off x="2790020" y="240666"/>
+            <a:ext cx="2357081" cy="1284306"/>
+          </a:xfrm>
+          <a:prstGeom prst="rect">
+            <a:avLst/>
+          </a:prstGeom>
+          <a:ln w="3175">
+            <a:solidFill>
+              <a:schemeClr val="tx1"/>
+            </a:solidFill>
+          </a:ln>
+        </p:spPr>
+      </p:pic>
+      <p:pic>
+        <p:nvPicPr>
+          <p:cNvPr id="57" name="图片 56">
+            <a:extLst>
+              <a:ext uri="{FF2B5EF4-FFF2-40B4-BE49-F238E27FC236}">
+                <a16:creationId xmlns:a16="http://schemas.microsoft.com/office/drawing/2014/main" id="{ED9E326F-00A6-4206-9CF0-552162E992F3}"/>
+              </a:ext>
+            </a:extLst>
+          </p:cNvPr>
+          <p:cNvPicPr>
+            <a:picLocks noChangeAspect="1"/>
+          </p:cNvPicPr>
+          <p:nvPr/>
+        </p:nvPicPr>
+        <p:blipFill>
+          <a:blip r:embed="rId9">
+            <a:extLst>
+              <a:ext uri="{28A0092B-C50C-407E-A947-70E740481C1C}">
+                <a14:useLocalDpi xmlns:a14="http://schemas.microsoft.com/office/drawing/2010/main" val="0"/>
+              </a:ext>
+            </a:extLst>
+          </a:blip>
+          <a:stretch>
+            <a:fillRect/>
+          </a:stretch>
+        </p:blipFill>
+        <p:spPr>
+          <a:xfrm>
+            <a:off x="795050" y="229460"/>
+            <a:ext cx="1783235" cy="1295512"/>
+          </a:xfrm>
+          <a:prstGeom prst="rect">
+            <a:avLst/>
+          </a:prstGeom>
+          <a:ln w="3175">
+            <a:solidFill>
+              <a:schemeClr val="tx1"/>
+            </a:solidFill>
+          </a:ln>
+        </p:spPr>
+      </p:pic>
+      <p:sp>
+        <p:nvSpPr>
+          <p:cNvPr id="58" name="文本框 57">
+            <a:extLst>
+              <a:ext uri="{FF2B5EF4-FFF2-40B4-BE49-F238E27FC236}">
+                <a16:creationId xmlns:a16="http://schemas.microsoft.com/office/drawing/2014/main" id="{547AC4AB-03B2-4102-9F35-FCD40528B0B3}"/>
+              </a:ext>
+            </a:extLst>
+          </p:cNvPr>
+          <p:cNvSpPr txBox="1"/>
+          <p:nvPr/>
+        </p:nvSpPr>
+        <p:spPr>
+          <a:xfrm>
+            <a:off x="1581776" y="1635240"/>
+            <a:ext cx="300082" cy="369332"/>
+          </a:xfrm>
+          <a:prstGeom prst="rect">
+            <a:avLst/>
+          </a:prstGeom>
+          <a:noFill/>
+        </p:spPr>
+        <p:txBody>
+          <a:bodyPr wrap="none" rtlCol="0">
+            <a:spAutoFit/>
+          </a:bodyPr>
+          <a:lstStyle/>
+          <a:p>
+            <a:r>
+              <a:rPr lang="en-US" altLang="zh-CN" dirty="0"/>
+              <a:t>a</a:t>
+            </a:r>
+            <a:endParaRPr lang="zh-CN" altLang="en-US" dirty="0"/>
+          </a:p>
+        </p:txBody>
+      </p:sp>
+      <p:sp>
+        <p:nvSpPr>
+          <p:cNvPr id="59" name="文本框 58">
+            <a:extLst>
+              <a:ext uri="{FF2B5EF4-FFF2-40B4-BE49-F238E27FC236}">
+                <a16:creationId xmlns:a16="http://schemas.microsoft.com/office/drawing/2014/main" id="{0ED55CAB-0BBB-4F0D-B85B-3B59672ADD0A}"/>
+              </a:ext>
+            </a:extLst>
+          </p:cNvPr>
+          <p:cNvSpPr txBox="1"/>
+          <p:nvPr/>
+        </p:nvSpPr>
+        <p:spPr>
+          <a:xfrm>
+            <a:off x="3768024" y="1597137"/>
+            <a:ext cx="317716" cy="369332"/>
+          </a:xfrm>
+          <a:prstGeom prst="rect">
+            <a:avLst/>
+          </a:prstGeom>
+          <a:noFill/>
+        </p:spPr>
+        <p:txBody>
+          <a:bodyPr wrap="none" rtlCol="0">
+            <a:spAutoFit/>
+          </a:bodyPr>
+          <a:lstStyle/>
+          <a:p>
+            <a:r>
+              <a:rPr lang="en-US" altLang="zh-CN" dirty="0"/>
+              <a:t>b</a:t>
+            </a:r>
+            <a:endParaRPr lang="zh-CN" altLang="en-US" dirty="0"/>
+          </a:p>
+        </p:txBody>
+      </p:sp>
+      <p:sp>
+        <p:nvSpPr>
+          <p:cNvPr id="60" name="文本框 59">
+            <a:extLst>
+              <a:ext uri="{FF2B5EF4-FFF2-40B4-BE49-F238E27FC236}">
+                <a16:creationId xmlns:a16="http://schemas.microsoft.com/office/drawing/2014/main" id="{4F5A052B-6A82-426F-873D-56D4E6A571F6}"/>
+              </a:ext>
+            </a:extLst>
+          </p:cNvPr>
+          <p:cNvSpPr txBox="1"/>
+          <p:nvPr/>
+        </p:nvSpPr>
+        <p:spPr>
+          <a:xfrm>
+            <a:off x="5976218" y="1597137"/>
+            <a:ext cx="288862" cy="369332"/>
+          </a:xfrm>
+          <a:prstGeom prst="rect">
+            <a:avLst/>
+          </a:prstGeom>
+          <a:noFill/>
+        </p:spPr>
+        <p:txBody>
+          <a:bodyPr wrap="none" rtlCol="0">
+            <a:spAutoFit/>
+          </a:bodyPr>
+          <a:lstStyle/>
+          <a:p>
+            <a:r>
+              <a:rPr lang="en-US" altLang="zh-CN" dirty="0"/>
+              <a:t>c</a:t>
+            </a:r>
+            <a:endParaRPr lang="zh-CN" altLang="en-US" dirty="0"/>
+          </a:p>
+        </p:txBody>
+      </p:sp>
+      <p:sp>
+        <p:nvSpPr>
+          <p:cNvPr id="61" name="文本框 60">
+            <a:extLst>
+              <a:ext uri="{FF2B5EF4-FFF2-40B4-BE49-F238E27FC236}">
+                <a16:creationId xmlns:a16="http://schemas.microsoft.com/office/drawing/2014/main" id="{682BFD46-40A4-4E90-A64A-410B2253532A}"/>
+              </a:ext>
+            </a:extLst>
+          </p:cNvPr>
+          <p:cNvSpPr txBox="1"/>
+          <p:nvPr/>
+        </p:nvSpPr>
+        <p:spPr>
+          <a:xfrm>
+            <a:off x="7843329" y="1597137"/>
+            <a:ext cx="317716" cy="369332"/>
+          </a:xfrm>
+          <a:prstGeom prst="rect">
+            <a:avLst/>
+          </a:prstGeom>
+          <a:noFill/>
+        </p:spPr>
+        <p:txBody>
+          <a:bodyPr wrap="none" rtlCol="0">
+            <a:spAutoFit/>
+          </a:bodyPr>
+          <a:lstStyle/>
+          <a:p>
+            <a:r>
+              <a:rPr lang="en-US" altLang="zh-CN" dirty="0"/>
+              <a:t>d</a:t>
+            </a:r>
+            <a:endParaRPr lang="zh-CN" altLang="en-US" dirty="0"/>
+          </a:p>
+        </p:txBody>
+      </p:sp>
+      <p:sp>
+        <p:nvSpPr>
+          <p:cNvPr id="63" name="文本框 62">
+            <a:extLst>
+              <a:ext uri="{FF2B5EF4-FFF2-40B4-BE49-F238E27FC236}">
+                <a16:creationId xmlns:a16="http://schemas.microsoft.com/office/drawing/2014/main" id="{66C2064C-2DDD-4553-B9AE-8B8F8C4AA4E1}"/>
+              </a:ext>
+            </a:extLst>
+          </p:cNvPr>
+          <p:cNvSpPr txBox="1"/>
+          <p:nvPr/>
+        </p:nvSpPr>
+        <p:spPr>
+          <a:xfrm>
+            <a:off x="9829540" y="1635240"/>
+            <a:ext cx="303288" cy="369332"/>
+          </a:xfrm>
+          <a:prstGeom prst="rect">
+            <a:avLst/>
+          </a:prstGeom>
+          <a:noFill/>
+        </p:spPr>
+        <p:txBody>
+          <a:bodyPr wrap="none" rtlCol="0">
+            <a:spAutoFit/>
+          </a:bodyPr>
+          <a:lstStyle/>
+          <a:p>
+            <a:r>
+              <a:rPr lang="en-US" altLang="zh-CN" dirty="0"/>
+              <a:t>e</a:t>
+            </a:r>
+            <a:endParaRPr lang="zh-CN" altLang="en-US" dirty="0"/>
+          </a:p>
+        </p:txBody>
+      </p:sp>
+      <p:sp>
+        <p:nvSpPr>
+          <p:cNvPr id="64" name="文本框 63">
+            <a:extLst>
+              <a:ext uri="{FF2B5EF4-FFF2-40B4-BE49-F238E27FC236}">
+                <a16:creationId xmlns:a16="http://schemas.microsoft.com/office/drawing/2014/main" id="{1B9F2201-F679-45D4-BEB3-EF77B8A22008}"/>
+              </a:ext>
+            </a:extLst>
+          </p:cNvPr>
+          <p:cNvSpPr txBox="1"/>
+          <p:nvPr/>
+        </p:nvSpPr>
+        <p:spPr>
+          <a:xfrm>
+            <a:off x="11907197" y="1597137"/>
+            <a:ext cx="251992" cy="369332"/>
+          </a:xfrm>
+          <a:prstGeom prst="rect">
+            <a:avLst/>
+          </a:prstGeom>
+          <a:noFill/>
+        </p:spPr>
+        <p:txBody>
+          <a:bodyPr wrap="none" rtlCol="0">
+            <a:spAutoFit/>
+          </a:bodyPr>
+          <a:lstStyle/>
+          <a:p>
+            <a:r>
+              <a:rPr lang="en-US" altLang="zh-CN" dirty="0"/>
+              <a:t>f</a:t>
+            </a:r>
+            <a:endParaRPr lang="zh-CN" altLang="en-US" dirty="0"/>
+          </a:p>
+        </p:txBody>
+      </p:sp>
+      <p:sp>
+        <p:nvSpPr>
+          <p:cNvPr id="65" name="文本框 64">
+            <a:extLst>
+              <a:ext uri="{FF2B5EF4-FFF2-40B4-BE49-F238E27FC236}">
+                <a16:creationId xmlns:a16="http://schemas.microsoft.com/office/drawing/2014/main" id="{D9A12F97-7469-4421-948A-7EA28C5C6C7E}"/>
+              </a:ext>
+            </a:extLst>
+          </p:cNvPr>
+          <p:cNvSpPr txBox="1"/>
+          <p:nvPr/>
+        </p:nvSpPr>
+        <p:spPr>
+          <a:xfrm>
+            <a:off x="13977235" y="1597137"/>
+            <a:ext cx="317716" cy="369332"/>
+          </a:xfrm>
+          <a:prstGeom prst="rect">
+            <a:avLst/>
+          </a:prstGeom>
+          <a:noFill/>
+        </p:spPr>
+        <p:txBody>
+          <a:bodyPr wrap="none" rtlCol="0">
+            <a:spAutoFit/>
+          </a:bodyPr>
+          <a:lstStyle/>
+          <a:p>
+            <a:r>
+              <a:rPr lang="en-US" altLang="zh-CN" dirty="0"/>
+              <a:t>g</a:t>
+            </a:r>
+            <a:endParaRPr lang="zh-CN" altLang="en-US" dirty="0"/>
+          </a:p>
+        </p:txBody>
+      </p:sp>
+      <p:sp>
+        <p:nvSpPr>
+          <p:cNvPr id="66" name="文本框 65">
+            <a:extLst>
+              <a:ext uri="{FF2B5EF4-FFF2-40B4-BE49-F238E27FC236}">
+                <a16:creationId xmlns:a16="http://schemas.microsoft.com/office/drawing/2014/main" id="{3648A5DA-A5EF-46DC-A165-11698899AC39}"/>
+              </a:ext>
+            </a:extLst>
+          </p:cNvPr>
+          <p:cNvSpPr txBox="1"/>
+          <p:nvPr/>
+        </p:nvSpPr>
+        <p:spPr>
+          <a:xfrm>
+            <a:off x="16134909" y="1635240"/>
+            <a:ext cx="311304" cy="369332"/>
+          </a:xfrm>
+          <a:prstGeom prst="rect">
+            <a:avLst/>
+          </a:prstGeom>
+          <a:noFill/>
+        </p:spPr>
+        <p:txBody>
+          <a:bodyPr wrap="none" rtlCol="0">
+            <a:spAutoFit/>
+          </a:bodyPr>
+          <a:lstStyle/>
+          <a:p>
+            <a:r>
+              <a:rPr lang="en-US" altLang="zh-CN" dirty="0"/>
+              <a:t>h</a:t>
+            </a:r>
+            <a:endParaRPr lang="zh-CN" altLang="en-US" dirty="0"/>
+          </a:p>
+        </p:txBody>
+      </p:sp>
+    </p:spTree>
+    <p:extLst>
+      <p:ext uri="{BB962C8B-B14F-4D97-AF65-F5344CB8AC3E}">
+        <p14:creationId xmlns:p14="http://schemas.microsoft.com/office/powerpoint/2010/main" val="780746858"/>
+      </p:ext>
+    </p:extLst>
+  </p:cSld>
+  <p:clrMapOvr>
+    <a:masterClrMapping/>
+  </p:clrMapOvr>
+</p:sld>
+</file>
+
+<file path=ppt/slides/slide6.xml><?xml version="1.0" encoding="utf-8"?>
+<p:sld xmlns:a="http://schemas.openxmlformats.org/drawingml/2006/main" xmlns:r="http://schemas.openxmlformats.org/officeDocument/2006/relationships" xmlns:p="http://schemas.openxmlformats.org/presentationml/2006/main">
+  <p:cSld>
+    <p:spTree>
+      <p:nvGrpSpPr>
+        <p:cNvPr id="1" name=""/>
+        <p:cNvGrpSpPr/>
+        <p:nvPr/>
+      </p:nvGrpSpPr>
+      <p:grpSpPr>
+        <a:xfrm>
+          <a:off x="0" y="0"/>
+          <a:ext cx="0" cy="0"/>
+          <a:chOff x="0" y="0"/>
+          <a:chExt cx="0" cy="0"/>
+        </a:xfrm>
+      </p:grpSpPr>
+      <p:pic>
+        <p:nvPicPr>
+          <p:cNvPr id="4" name="图片 3">
+            <a:extLst>
+              <a:ext uri="{FF2B5EF4-FFF2-40B4-BE49-F238E27FC236}">
+                <a16:creationId xmlns:a16="http://schemas.microsoft.com/office/drawing/2014/main" id="{1F7AAA6D-B5E0-4404-92A0-C906B6863CF8}"/>
+              </a:ext>
+            </a:extLst>
+          </p:cNvPr>
+          <p:cNvPicPr>
+            <a:picLocks/>
+          </p:cNvPicPr>
+          <p:nvPr/>
+        </p:nvPicPr>
+        <p:blipFill>
+          <a:blip r:embed="rId2"/>
+          <a:stretch>
+            <a:fillRect/>
+          </a:stretch>
+        </p:blipFill>
+        <p:spPr>
+          <a:xfrm>
+            <a:off x="-899478" y="281804"/>
+            <a:ext cx="2520000" cy="2160000"/>
+          </a:xfrm>
+          <a:prstGeom prst="rect">
+            <a:avLst/>
+          </a:prstGeom>
+        </p:spPr>
+      </p:pic>
+      <p:pic>
+        <p:nvPicPr>
+          <p:cNvPr id="5" name="图片 4">
+            <a:extLst>
+              <a:ext uri="{FF2B5EF4-FFF2-40B4-BE49-F238E27FC236}">
+                <a16:creationId xmlns:a16="http://schemas.microsoft.com/office/drawing/2014/main" id="{BF044AC4-2F06-4619-89B2-71234B533FB8}"/>
+              </a:ext>
+            </a:extLst>
+          </p:cNvPr>
+          <p:cNvPicPr>
+            <a:picLocks/>
+          </p:cNvPicPr>
+          <p:nvPr/>
+        </p:nvPicPr>
+        <p:blipFill>
+          <a:blip r:embed="rId3"/>
+          <a:stretch>
+            <a:fillRect/>
+          </a:stretch>
+        </p:blipFill>
+        <p:spPr>
+          <a:xfrm>
+            <a:off x="1830705" y="281804"/>
+            <a:ext cx="2520000" cy="2160000"/>
+          </a:xfrm>
+          <a:prstGeom prst="rect">
+            <a:avLst/>
+          </a:prstGeom>
+        </p:spPr>
+      </p:pic>
+      <p:pic>
+        <p:nvPicPr>
+          <p:cNvPr id="6" name="图片 5">
+            <a:extLst>
+              <a:ext uri="{FF2B5EF4-FFF2-40B4-BE49-F238E27FC236}">
+                <a16:creationId xmlns:a16="http://schemas.microsoft.com/office/drawing/2014/main" id="{7715AAD8-B820-4010-8E0C-230CA6CC177A}"/>
+              </a:ext>
+            </a:extLst>
+          </p:cNvPr>
+          <p:cNvPicPr>
+            <a:picLocks/>
+          </p:cNvPicPr>
+          <p:nvPr/>
+        </p:nvPicPr>
+        <p:blipFill>
+          <a:blip r:embed="rId4"/>
+          <a:stretch>
+            <a:fillRect/>
+          </a:stretch>
+        </p:blipFill>
+        <p:spPr>
+          <a:xfrm>
+            <a:off x="4560888" y="281804"/>
+            <a:ext cx="2520000" cy="2160000"/>
+          </a:xfrm>
+          <a:prstGeom prst="rect">
+            <a:avLst/>
+          </a:prstGeom>
+        </p:spPr>
+      </p:pic>
+      <p:pic>
+        <p:nvPicPr>
+          <p:cNvPr id="7" name="图片 6">
+            <a:extLst>
+              <a:ext uri="{FF2B5EF4-FFF2-40B4-BE49-F238E27FC236}">
+                <a16:creationId xmlns:a16="http://schemas.microsoft.com/office/drawing/2014/main" id="{016C4845-5967-4F30-AFE0-6CCC6274E8BA}"/>
+              </a:ext>
+            </a:extLst>
+          </p:cNvPr>
+          <p:cNvPicPr>
+            <a:picLocks/>
+          </p:cNvPicPr>
+          <p:nvPr/>
+        </p:nvPicPr>
+        <p:blipFill>
+          <a:blip r:embed="rId5"/>
+          <a:stretch>
+            <a:fillRect/>
+          </a:stretch>
+        </p:blipFill>
+        <p:spPr>
+          <a:xfrm>
+            <a:off x="7291071" y="281804"/>
+            <a:ext cx="2520000" cy="2160000"/>
+          </a:xfrm>
+          <a:prstGeom prst="rect">
+            <a:avLst/>
+          </a:prstGeom>
+        </p:spPr>
+      </p:pic>
+      <p:pic>
+        <p:nvPicPr>
+          <p:cNvPr id="8" name="图片 7">
+            <a:extLst>
+              <a:ext uri="{FF2B5EF4-FFF2-40B4-BE49-F238E27FC236}">
+                <a16:creationId xmlns:a16="http://schemas.microsoft.com/office/drawing/2014/main" id="{76BB3947-E488-44A5-B964-2EB9AE7D2878}"/>
+              </a:ext>
+            </a:extLst>
+          </p:cNvPr>
+          <p:cNvPicPr>
+            <a:picLocks/>
+          </p:cNvPicPr>
+          <p:nvPr/>
+        </p:nvPicPr>
+        <p:blipFill>
+          <a:blip r:embed="rId6"/>
+          <a:stretch>
+            <a:fillRect/>
+          </a:stretch>
+        </p:blipFill>
+        <p:spPr>
+          <a:xfrm>
+            <a:off x="10021254" y="281804"/>
+            <a:ext cx="2520000" cy="2160000"/>
+          </a:xfrm>
+          <a:prstGeom prst="rect">
+            <a:avLst/>
+          </a:prstGeom>
+        </p:spPr>
+      </p:pic>
+      <p:sp>
+        <p:nvSpPr>
+          <p:cNvPr id="9" name="文本框 8">
+            <a:extLst>
+              <a:ext uri="{FF2B5EF4-FFF2-40B4-BE49-F238E27FC236}">
+                <a16:creationId xmlns:a16="http://schemas.microsoft.com/office/drawing/2014/main" id="{E46C8979-2937-4817-8970-1439F0AB644A}"/>
+              </a:ext>
+            </a:extLst>
+          </p:cNvPr>
+          <p:cNvSpPr txBox="1"/>
+          <p:nvPr/>
+        </p:nvSpPr>
+        <p:spPr>
+          <a:xfrm>
+            <a:off x="-78060" y="2441804"/>
+            <a:ext cx="877163" cy="369332"/>
+          </a:xfrm>
+          <a:prstGeom prst="rect">
+            <a:avLst/>
+          </a:prstGeom>
+          <a:noFill/>
+        </p:spPr>
+        <p:txBody>
+          <a:bodyPr wrap="none" rtlCol="0">
+            <a:spAutoFit/>
+          </a:bodyPr>
+          <a:lstStyle/>
+          <a:p>
+            <a:r>
+              <a:rPr lang="zh-CN" altLang="en-US" dirty="0">
+                <a:latin typeface="宋体" panose="02010600030101010101" pitchFamily="2" charset="-122"/>
+                <a:ea typeface="宋体" panose="02010600030101010101" pitchFamily="2" charset="-122"/>
+              </a:rPr>
+              <a:t>原图像</a:t>
+            </a:r>
+          </a:p>
+        </p:txBody>
+      </p:sp>
+      <p:sp>
+        <p:nvSpPr>
+          <p:cNvPr id="10" name="文本框 9">
+            <a:extLst>
+              <a:ext uri="{FF2B5EF4-FFF2-40B4-BE49-F238E27FC236}">
+                <a16:creationId xmlns:a16="http://schemas.microsoft.com/office/drawing/2014/main" id="{FB079FAE-5725-41C0-806B-E0A89A0FE0E9}"/>
+              </a:ext>
+            </a:extLst>
+          </p:cNvPr>
+          <p:cNvSpPr txBox="1"/>
+          <p:nvPr/>
+        </p:nvSpPr>
+        <p:spPr>
+          <a:xfrm>
+            <a:off x="2409083" y="2441804"/>
+            <a:ext cx="1364476" cy="369332"/>
+          </a:xfrm>
+          <a:prstGeom prst="rect">
+            <a:avLst/>
+          </a:prstGeom>
+          <a:noFill/>
+        </p:spPr>
+        <p:txBody>
+          <a:bodyPr wrap="none" rtlCol="0">
+            <a:spAutoFit/>
+          </a:bodyPr>
+          <a:lstStyle/>
+          <a:p>
+            <a:r>
+              <a:rPr lang="en-US" altLang="zh-CN" dirty="0">
+                <a:latin typeface="Times New Roman" panose="02020603050405020304" pitchFamily="18" charset="0"/>
+                <a:ea typeface="宋体" panose="02010600030101010101" pitchFamily="2" charset="-122"/>
+                <a:cs typeface="Times New Roman" panose="02020603050405020304" pitchFamily="18" charset="0"/>
+              </a:rPr>
+              <a:t>Roberts</a:t>
+            </a:r>
+            <a:r>
+              <a:rPr lang="zh-CN" altLang="en-US" dirty="0">
+                <a:latin typeface="宋体" panose="02010600030101010101" pitchFamily="2" charset="-122"/>
+                <a:ea typeface="宋体" panose="02010600030101010101" pitchFamily="2" charset="-122"/>
+              </a:rPr>
+              <a:t>算子</a:t>
+            </a:r>
+          </a:p>
+        </p:txBody>
+      </p:sp>
+      <p:sp>
+        <p:nvSpPr>
+          <p:cNvPr id="11" name="矩形 10">
+            <a:extLst>
+              <a:ext uri="{FF2B5EF4-FFF2-40B4-BE49-F238E27FC236}">
+                <a16:creationId xmlns:a16="http://schemas.microsoft.com/office/drawing/2014/main" id="{9556D8AB-7465-4324-9EF3-A1869B9FF65D}"/>
+              </a:ext>
+            </a:extLst>
+          </p:cNvPr>
+          <p:cNvSpPr/>
+          <p:nvPr/>
+        </p:nvSpPr>
+        <p:spPr>
+          <a:xfrm>
+            <a:off x="5220403" y="2441804"/>
+            <a:ext cx="1200970" cy="369332"/>
+          </a:xfrm>
+          <a:prstGeom prst="rect">
+            <a:avLst/>
+          </a:prstGeom>
+        </p:spPr>
+        <p:txBody>
+          <a:bodyPr wrap="none">
+            <a:spAutoFit/>
+          </a:bodyPr>
+          <a:lstStyle/>
+          <a:p>
+            <a:r>
+              <a:rPr lang="en-US" altLang="zh-CN" dirty="0"/>
+              <a:t>Sobel</a:t>
+            </a:r>
+            <a:r>
+              <a:rPr lang="zh-CN" altLang="en-US" dirty="0"/>
+              <a:t>算子</a:t>
+            </a:r>
+          </a:p>
+        </p:txBody>
+      </p:sp>
+      <p:sp>
+        <p:nvSpPr>
+          <p:cNvPr id="12" name="矩形 11">
+            <a:extLst>
+              <a:ext uri="{FF2B5EF4-FFF2-40B4-BE49-F238E27FC236}">
+                <a16:creationId xmlns:a16="http://schemas.microsoft.com/office/drawing/2014/main" id="{8E3C7AB6-662D-4C20-849E-2B9ECE597413}"/>
+              </a:ext>
+            </a:extLst>
+          </p:cNvPr>
+          <p:cNvSpPr/>
+          <p:nvPr/>
+        </p:nvSpPr>
+        <p:spPr>
+          <a:xfrm>
+            <a:off x="7885664" y="2441804"/>
+            <a:ext cx="1330814" cy="369332"/>
+          </a:xfrm>
+          <a:prstGeom prst="rect">
+            <a:avLst/>
+          </a:prstGeom>
+        </p:spPr>
+        <p:txBody>
+          <a:bodyPr wrap="none">
+            <a:spAutoFit/>
+          </a:bodyPr>
+          <a:lstStyle/>
+          <a:p>
+            <a:r>
+              <a:rPr lang="en-US" altLang="zh-CN" dirty="0"/>
+              <a:t>Prewitt</a:t>
+            </a:r>
+            <a:r>
+              <a:rPr lang="zh-CN" altLang="en-US" dirty="0"/>
+              <a:t>算子</a:t>
+            </a:r>
+          </a:p>
+        </p:txBody>
+      </p:sp>
+      <p:sp>
+        <p:nvSpPr>
+          <p:cNvPr id="13" name="矩形 12">
+            <a:extLst>
+              <a:ext uri="{FF2B5EF4-FFF2-40B4-BE49-F238E27FC236}">
+                <a16:creationId xmlns:a16="http://schemas.microsoft.com/office/drawing/2014/main" id="{73370517-0416-4650-AFAD-410F63F5D157}"/>
+              </a:ext>
+            </a:extLst>
+          </p:cNvPr>
+          <p:cNvSpPr/>
+          <p:nvPr/>
+        </p:nvSpPr>
+        <p:spPr>
+          <a:xfrm>
+            <a:off x="10642817" y="2437588"/>
+            <a:ext cx="1265090" cy="369332"/>
+          </a:xfrm>
+          <a:prstGeom prst="rect">
+            <a:avLst/>
+          </a:prstGeom>
+        </p:spPr>
+        <p:txBody>
+          <a:bodyPr wrap="none">
+            <a:spAutoFit/>
+          </a:bodyPr>
+          <a:lstStyle/>
+          <a:p>
+            <a:r>
+              <a:rPr lang="en-US" altLang="zh-CN" dirty="0"/>
+              <a:t>Canny</a:t>
+            </a:r>
+            <a:r>
+              <a:rPr lang="zh-CN" altLang="en-US" dirty="0"/>
+              <a:t>算子</a:t>
+            </a:r>
+          </a:p>
+        </p:txBody>
+      </p:sp>
+    </p:spTree>
+    <p:extLst>
+      <p:ext uri="{BB962C8B-B14F-4D97-AF65-F5344CB8AC3E}">
+        <p14:creationId xmlns:p14="http://schemas.microsoft.com/office/powerpoint/2010/main" val="1254583824"/>
+      </p:ext>
+    </p:extLst>
+  </p:cSld>
+  <p:clrMapOvr>
+    <a:masterClrMapping/>
+  </p:clrMapOvr>
+</p:sld>
+</file>
+
 <file path=ppt/theme/theme1.xml><?xml version="1.0" encoding="utf-8"?>
 <a:theme xmlns:a="http://schemas.openxmlformats.org/drawingml/2006/main" name="Office 主题​​">
   <a:themeElements>
